--- a/doc/外部設計/画面設計書 ver1.2.pptx
+++ b/doc/外部設計/画面設計書 ver1.2.pptx
@@ -5,23 +5,21 @@
     <p:sldMasterId id="2147483648" r:id="rId1"/>
   </p:sldMasterIdLst>
   <p:notesMasterIdLst>
-    <p:notesMasterId r:id="rId16"/>
+    <p:notesMasterId r:id="rId14"/>
   </p:notesMasterIdLst>
   <p:sldIdLst>
     <p:sldId id="256" r:id="rId2"/>
     <p:sldId id="258" r:id="rId3"/>
     <p:sldId id="257" r:id="rId4"/>
-    <p:sldId id="270" r:id="rId5"/>
-    <p:sldId id="264" r:id="rId6"/>
-    <p:sldId id="260" r:id="rId7"/>
-    <p:sldId id="261" r:id="rId8"/>
-    <p:sldId id="262" r:id="rId9"/>
-    <p:sldId id="266" r:id="rId10"/>
-    <p:sldId id="269" r:id="rId11"/>
-    <p:sldId id="267" r:id="rId12"/>
-    <p:sldId id="263" r:id="rId13"/>
-    <p:sldId id="268" r:id="rId14"/>
-    <p:sldId id="259" r:id="rId15"/>
+    <p:sldId id="271" r:id="rId5"/>
+    <p:sldId id="270" r:id="rId6"/>
+    <p:sldId id="272" r:id="rId7"/>
+    <p:sldId id="273" r:id="rId8"/>
+    <p:sldId id="264" r:id="rId9"/>
+    <p:sldId id="260" r:id="rId10"/>
+    <p:sldId id="261" r:id="rId11"/>
+    <p:sldId id="262" r:id="rId12"/>
+    <p:sldId id="266" r:id="rId13"/>
   </p:sldIdLst>
   <p:sldSz cx="12192000" cy="6858000"/>
   <p:notesSz cx="6858000" cy="9144000"/>
@@ -601,282 +599,6 @@
 </p:notes>
 </file>
 
-<file path=ppt/notesSlides/notesSlide10.xml><?xml version="1.0" encoding="utf-8"?>
-<p:notes xmlns:a="http://schemas.openxmlformats.org/drawingml/2006/main" xmlns:r="http://schemas.openxmlformats.org/officeDocument/2006/relationships" xmlns:p="http://schemas.openxmlformats.org/presentationml/2006/main">
-  <p:cSld>
-    <p:spTree>
-      <p:nvGrpSpPr>
-        <p:cNvPr id="1" name=""/>
-        <p:cNvGrpSpPr/>
-        <p:nvPr/>
-      </p:nvGrpSpPr>
-      <p:grpSpPr>
-        <a:xfrm>
-          <a:off x="0" y="0"/>
-          <a:ext cx="0" cy="0"/>
-          <a:chOff x="0" y="0"/>
-          <a:chExt cx="0" cy="0"/>
-        </a:xfrm>
-      </p:grpSpPr>
-      <p:sp>
-        <p:nvSpPr>
-          <p:cNvPr id="2" name="スライド イメージ プレースホルダー 1"/>
-          <p:cNvSpPr>
-            <a:spLocks noGrp="1" noRot="1" noChangeAspect="1"/>
-          </p:cNvSpPr>
-          <p:nvPr>
-            <p:ph type="sldImg"/>
-          </p:nvPr>
-        </p:nvSpPr>
-        <p:spPr/>
-      </p:sp>
-      <p:sp>
-        <p:nvSpPr>
-          <p:cNvPr id="3" name="ノート プレースホルダー 2"/>
-          <p:cNvSpPr>
-            <a:spLocks noGrp="1"/>
-          </p:cNvSpPr>
-          <p:nvPr>
-            <p:ph type="body" idx="1"/>
-          </p:nvPr>
-        </p:nvSpPr>
-        <p:spPr/>
-        <p:txBody>
-          <a:bodyPr/>
-          <a:lstStyle/>
-          <a:p>
-            <a:r>
-              <a:rPr kumimoji="1" lang="ja-JP" altLang="en-US" dirty="0"/>
-              <a:t>メイン画面　</a:t>
-            </a:r>
-            <a:r>
-              <a:rPr kumimoji="1" lang="en-US" altLang="ja-JP" dirty="0"/>
-              <a:t>A</a:t>
-            </a:r>
-            <a:endParaRPr kumimoji="1" lang="ja-JP" altLang="en-US" dirty="0"/>
-          </a:p>
-        </p:txBody>
-      </p:sp>
-      <p:sp>
-        <p:nvSpPr>
-          <p:cNvPr id="4" name="スライド番号プレースホルダー 3"/>
-          <p:cNvSpPr>
-            <a:spLocks noGrp="1"/>
-          </p:cNvSpPr>
-          <p:nvPr>
-            <p:ph type="sldNum" sz="quarter" idx="5"/>
-          </p:nvPr>
-        </p:nvSpPr>
-        <p:spPr/>
-        <p:txBody>
-          <a:bodyPr/>
-          <a:lstStyle/>
-          <a:p>
-            <a:fld id="{1C5C6EC8-00C1-4CA7-9910-03F637DDAD38}" type="slidenum">
-              <a:rPr kumimoji="1" lang="ja-JP" altLang="en-US" smtClean="0"/>
-              <a:t>12</a:t>
-            </a:fld>
-            <a:endParaRPr kumimoji="1" lang="ja-JP" altLang="en-US"/>
-          </a:p>
-        </p:txBody>
-      </p:sp>
-    </p:spTree>
-    <p:extLst>
-      <p:ext uri="{BB962C8B-B14F-4D97-AF65-F5344CB8AC3E}">
-        <p14:creationId xmlns:p14="http://schemas.microsoft.com/office/powerpoint/2010/main" val="2644445945"/>
-      </p:ext>
-    </p:extLst>
-  </p:cSld>
-  <p:clrMapOvr>
-    <a:masterClrMapping/>
-  </p:clrMapOvr>
-</p:notes>
-</file>
-
-<file path=ppt/notesSlides/notesSlide11.xml><?xml version="1.0" encoding="utf-8"?>
-<p:notes xmlns:a="http://schemas.openxmlformats.org/drawingml/2006/main" xmlns:r="http://schemas.openxmlformats.org/officeDocument/2006/relationships" xmlns:p="http://schemas.openxmlformats.org/presentationml/2006/main">
-  <p:cSld>
-    <p:spTree>
-      <p:nvGrpSpPr>
-        <p:cNvPr id="1" name=""/>
-        <p:cNvGrpSpPr/>
-        <p:nvPr/>
-      </p:nvGrpSpPr>
-      <p:grpSpPr>
-        <a:xfrm>
-          <a:off x="0" y="0"/>
-          <a:ext cx="0" cy="0"/>
-          <a:chOff x="0" y="0"/>
-          <a:chExt cx="0" cy="0"/>
-        </a:xfrm>
-      </p:grpSpPr>
-      <p:sp>
-        <p:nvSpPr>
-          <p:cNvPr id="2" name="スライド イメージ プレースホルダー 1"/>
-          <p:cNvSpPr>
-            <a:spLocks noGrp="1" noRot="1" noChangeAspect="1"/>
-          </p:cNvSpPr>
-          <p:nvPr>
-            <p:ph type="sldImg"/>
-          </p:nvPr>
-        </p:nvSpPr>
-        <p:spPr/>
-      </p:sp>
-      <p:sp>
-        <p:nvSpPr>
-          <p:cNvPr id="3" name="ノート プレースホルダー 2"/>
-          <p:cNvSpPr>
-            <a:spLocks noGrp="1"/>
-          </p:cNvSpPr>
-          <p:nvPr>
-            <p:ph type="body" idx="1"/>
-          </p:nvPr>
-        </p:nvSpPr>
-        <p:spPr/>
-        <p:txBody>
-          <a:bodyPr/>
-          <a:lstStyle/>
-          <a:p>
-            <a:r>
-              <a:rPr kumimoji="1" lang="ja-JP" altLang="en-US" dirty="0"/>
-              <a:t>管理画面　</a:t>
-            </a:r>
-            <a:r>
-              <a:rPr kumimoji="1" lang="en-US" altLang="ja-JP" dirty="0"/>
-              <a:t>D</a:t>
-            </a:r>
-            <a:endParaRPr kumimoji="1" lang="ja-JP" altLang="en-US" dirty="0"/>
-          </a:p>
-        </p:txBody>
-      </p:sp>
-      <p:sp>
-        <p:nvSpPr>
-          <p:cNvPr id="4" name="スライド番号プレースホルダー 3"/>
-          <p:cNvSpPr>
-            <a:spLocks noGrp="1"/>
-          </p:cNvSpPr>
-          <p:nvPr>
-            <p:ph type="sldNum" sz="quarter" idx="5"/>
-          </p:nvPr>
-        </p:nvSpPr>
-        <p:spPr/>
-        <p:txBody>
-          <a:bodyPr/>
-          <a:lstStyle/>
-          <a:p>
-            <a:fld id="{1C5C6EC8-00C1-4CA7-9910-03F637DDAD38}" type="slidenum">
-              <a:rPr kumimoji="1" lang="ja-JP" altLang="en-US" smtClean="0"/>
-              <a:t>13</a:t>
-            </a:fld>
-            <a:endParaRPr kumimoji="1" lang="ja-JP" altLang="en-US"/>
-          </a:p>
-        </p:txBody>
-      </p:sp>
-    </p:spTree>
-    <p:extLst>
-      <p:ext uri="{BB962C8B-B14F-4D97-AF65-F5344CB8AC3E}">
-        <p14:creationId xmlns:p14="http://schemas.microsoft.com/office/powerpoint/2010/main" val="358421283"/>
-      </p:ext>
-    </p:extLst>
-  </p:cSld>
-  <p:clrMapOvr>
-    <a:masterClrMapping/>
-  </p:clrMapOvr>
-</p:notes>
-</file>
-
-<file path=ppt/notesSlides/notesSlide12.xml><?xml version="1.0" encoding="utf-8"?>
-<p:notes xmlns:a="http://schemas.openxmlformats.org/drawingml/2006/main" xmlns:r="http://schemas.openxmlformats.org/officeDocument/2006/relationships" xmlns:p="http://schemas.openxmlformats.org/presentationml/2006/main">
-  <p:cSld>
-    <p:spTree>
-      <p:nvGrpSpPr>
-        <p:cNvPr id="1" name=""/>
-        <p:cNvGrpSpPr/>
-        <p:nvPr/>
-      </p:nvGrpSpPr>
-      <p:grpSpPr>
-        <a:xfrm>
-          <a:off x="0" y="0"/>
-          <a:ext cx="0" cy="0"/>
-          <a:chOff x="0" y="0"/>
-          <a:chExt cx="0" cy="0"/>
-        </a:xfrm>
-      </p:grpSpPr>
-      <p:sp>
-        <p:nvSpPr>
-          <p:cNvPr id="2" name="スライド イメージ プレースホルダー 1"/>
-          <p:cNvSpPr>
-            <a:spLocks noGrp="1" noRot="1" noChangeAspect="1"/>
-          </p:cNvSpPr>
-          <p:nvPr>
-            <p:ph type="sldImg"/>
-          </p:nvPr>
-        </p:nvSpPr>
-        <p:spPr/>
-      </p:sp>
-      <p:sp>
-        <p:nvSpPr>
-          <p:cNvPr id="3" name="ノート プレースホルダー 2"/>
-          <p:cNvSpPr>
-            <a:spLocks noGrp="1"/>
-          </p:cNvSpPr>
-          <p:nvPr>
-            <p:ph type="body" idx="1"/>
-          </p:nvPr>
-        </p:nvSpPr>
-        <p:spPr/>
-        <p:txBody>
-          <a:bodyPr/>
-          <a:lstStyle/>
-          <a:p>
-            <a:r>
-              <a:rPr kumimoji="1" lang="ja-JP" altLang="en-US" dirty="0"/>
-              <a:t>メイン画面　</a:t>
-            </a:r>
-            <a:r>
-              <a:rPr kumimoji="1" lang="en-US" altLang="ja-JP" dirty="0"/>
-              <a:t>A</a:t>
-            </a:r>
-            <a:endParaRPr kumimoji="1" lang="ja-JP" altLang="en-US" dirty="0"/>
-          </a:p>
-        </p:txBody>
-      </p:sp>
-      <p:sp>
-        <p:nvSpPr>
-          <p:cNvPr id="4" name="スライド番号プレースホルダー 3"/>
-          <p:cNvSpPr>
-            <a:spLocks noGrp="1"/>
-          </p:cNvSpPr>
-          <p:nvPr>
-            <p:ph type="sldNum" sz="quarter" idx="5"/>
-          </p:nvPr>
-        </p:nvSpPr>
-        <p:spPr/>
-        <p:txBody>
-          <a:bodyPr/>
-          <a:lstStyle/>
-          <a:p>
-            <a:fld id="{1C5C6EC8-00C1-4CA7-9910-03F637DDAD38}" type="slidenum">
-              <a:rPr kumimoji="1" lang="ja-JP" altLang="en-US" smtClean="0"/>
-              <a:t>14</a:t>
-            </a:fld>
-            <a:endParaRPr kumimoji="1" lang="ja-JP" altLang="en-US"/>
-          </a:p>
-        </p:txBody>
-      </p:sp>
-    </p:spTree>
-    <p:extLst>
-      <p:ext uri="{BB962C8B-B14F-4D97-AF65-F5344CB8AC3E}">
-        <p14:creationId xmlns:p14="http://schemas.microsoft.com/office/powerpoint/2010/main" val="1886390385"/>
-      </p:ext>
-    </p:extLst>
-  </p:cSld>
-  <p:clrMapOvr>
-    <a:masterClrMapping/>
-  </p:clrMapOvr>
-</p:notes>
-</file>
-
 <file path=ppt/notesSlides/notesSlide2.xml><?xml version="1.0" encoding="utf-8"?>
 <p:notes xmlns:a="http://schemas.openxmlformats.org/drawingml/2006/main" xmlns:r="http://schemas.openxmlformats.org/officeDocument/2006/relationships" xmlns:p="http://schemas.openxmlformats.org/presentationml/2006/main">
   <p:cSld>
@@ -1021,6 +743,44 @@
               <a:rPr kumimoji="1" lang="ja-JP" altLang="en-US" dirty="0"/>
               <a:t>ログイン画面</a:t>
             </a:r>
+            <a:endParaRPr kumimoji="1" lang="en-US" altLang="ja-JP" dirty="0"/>
+          </a:p>
+          <a:p>
+            <a:r>
+              <a:rPr kumimoji="1" lang="en-US" altLang="ja-JP" dirty="0"/>
+              <a:t>(1)ID</a:t>
+            </a:r>
+            <a:r>
+              <a:rPr kumimoji="1" lang="ja-JP" altLang="en-US" dirty="0"/>
+              <a:t>入力欄　半角アルファベットか数字で</a:t>
+            </a:r>
+            <a:r>
+              <a:rPr kumimoji="1" lang="en-US" altLang="ja-JP" dirty="0"/>
+              <a:t>4</a:t>
+            </a:r>
+            <a:r>
+              <a:rPr kumimoji="1" lang="ja-JP" altLang="en-US" dirty="0"/>
+              <a:t>桁以上</a:t>
+            </a:r>
+            <a:r>
+              <a:rPr kumimoji="1" lang="en-US" altLang="ja-JP" dirty="0"/>
+              <a:t>18</a:t>
+            </a:r>
+            <a:r>
+              <a:rPr kumimoji="1" lang="ja-JP" altLang="en-US" dirty="0"/>
+              <a:t>文字以下</a:t>
+            </a:r>
+            <a:endParaRPr kumimoji="1" lang="en-US" altLang="ja-JP" dirty="0"/>
+          </a:p>
+          <a:p>
+            <a:r>
+              <a:rPr kumimoji="1" lang="en-US" altLang="ja-JP" dirty="0"/>
+              <a:t>(2)PW</a:t>
+            </a:r>
+            <a:r>
+              <a:rPr kumimoji="1" lang="ja-JP" altLang="en-US" dirty="0"/>
+              <a:t>入力欄　半角アルファベットか数字</a:t>
+            </a:r>
           </a:p>
         </p:txBody>
       </p:sp>
@@ -1130,6 +890,65 @@
             <a:endParaRPr kumimoji="1" lang="en-US" altLang="ja-JP" dirty="0"/>
           </a:p>
           <a:p>
+            <a:r>
+              <a:rPr kumimoji="1" lang="en-US" altLang="ja-JP" dirty="0"/>
+              <a:t>(1)ID</a:t>
+            </a:r>
+            <a:r>
+              <a:rPr kumimoji="1" lang="ja-JP" altLang="en-US" dirty="0"/>
+              <a:t>入力欄　半角アルファベットか数字で</a:t>
+            </a:r>
+            <a:r>
+              <a:rPr kumimoji="1" lang="en-US" altLang="ja-JP" dirty="0"/>
+              <a:t>4</a:t>
+            </a:r>
+            <a:r>
+              <a:rPr kumimoji="1" lang="ja-JP" altLang="en-US" dirty="0"/>
+              <a:t>桁以上</a:t>
+            </a:r>
+            <a:r>
+              <a:rPr kumimoji="1" lang="en-US" altLang="ja-JP" dirty="0"/>
+              <a:t>18</a:t>
+            </a:r>
+            <a:r>
+              <a:rPr kumimoji="1" lang="ja-JP" altLang="en-US" dirty="0"/>
+              <a:t>文字以下</a:t>
+            </a:r>
+            <a:endParaRPr kumimoji="1" lang="en-US" altLang="ja-JP" dirty="0"/>
+          </a:p>
+          <a:p>
+            <a:r>
+              <a:rPr kumimoji="1" lang="en-US" altLang="ja-JP" dirty="0"/>
+              <a:t>(2)PW</a:t>
+            </a:r>
+            <a:r>
+              <a:rPr kumimoji="1" lang="ja-JP" altLang="en-US" dirty="0"/>
+              <a:t>入力欄　半角アルファベットか数字</a:t>
+            </a:r>
+          </a:p>
+          <a:p>
+            <a:r>
+              <a:rPr kumimoji="1" lang="en-US" altLang="ja-JP" dirty="0"/>
+              <a:t>(3) </a:t>
+            </a:r>
+            <a:r>
+              <a:rPr kumimoji="1" lang="ja-JP" altLang="en-US" dirty="0"/>
+              <a:t>ニックネーム入力欄 </a:t>
+            </a:r>
+            <a:endParaRPr kumimoji="1" lang="en-US" altLang="ja-JP" dirty="0"/>
+          </a:p>
+          <a:p>
+            <a:r>
+              <a:rPr kumimoji="1" lang="en-US" altLang="ja-JP" dirty="0"/>
+              <a:t>(4)</a:t>
+            </a:r>
+            <a:r>
+              <a:rPr kumimoji="1" lang="ja-JP" altLang="en-US" dirty="0"/>
+              <a:t>生年月日入力欄 </a:t>
+            </a:r>
+            <a:endParaRPr kumimoji="1" lang="en-US" altLang="ja-JP" dirty="0"/>
+          </a:p>
+          <a:p>
             <a:endParaRPr kumimoji="1" lang="ja-JP" altLang="en-US" dirty="0"/>
           </a:p>
         </p:txBody>
@@ -1151,7 +970,7 @@
           <a:p>
             <a:fld id="{1C5C6EC8-00C1-4CA7-9910-03F637DDAD38}" type="slidenum">
               <a:rPr kumimoji="1" lang="ja-JP" altLang="en-US" smtClean="0"/>
-              <a:t>4</a:t>
+              <a:t>5</a:t>
             </a:fld>
             <a:endParaRPr kumimoji="1" lang="ja-JP" altLang="en-US"/>
           </a:p>
@@ -1238,6 +1057,32 @@
               <a:t>メイン画面</a:t>
             </a:r>
           </a:p>
+          <a:p>
+            <a:r>
+              <a:rPr kumimoji="1" lang="ja-JP" altLang="en-US" dirty="0"/>
+              <a:t>メニューバー　</a:t>
+            </a:r>
+            <a:endParaRPr kumimoji="1" lang="en-US" altLang="ja-JP" dirty="0"/>
+          </a:p>
+          <a:p>
+            <a:pPr marL="228600" indent="-228600">
+              <a:buAutoNum type="arabicParenBoth"/>
+            </a:pPr>
+            <a:r>
+              <a:rPr kumimoji="1" lang="ja-JP" altLang="en-US" dirty="0"/>
+              <a:t>食事提案ページリンク</a:t>
+            </a:r>
+            <a:endParaRPr kumimoji="1" lang="en-US" altLang="ja-JP" dirty="0"/>
+          </a:p>
+          <a:p>
+            <a:pPr marL="228600" indent="-228600">
+              <a:buAutoNum type="arabicParenBoth"/>
+            </a:pPr>
+            <a:r>
+              <a:rPr kumimoji="1" lang="ja-JP" altLang="en-US" dirty="0"/>
+              <a:t>食事・食費管理ページリンク　　</a:t>
+            </a:r>
+          </a:p>
         </p:txBody>
       </p:sp>
       <p:sp>
@@ -1257,7 +1102,7 @@
           <a:p>
             <a:fld id="{1C5C6EC8-00C1-4CA7-9910-03F637DDAD38}" type="slidenum">
               <a:rPr kumimoji="1" lang="ja-JP" altLang="en-US" smtClean="0"/>
-              <a:t>5</a:t>
+              <a:t>8</a:t>
             </a:fld>
             <a:endParaRPr kumimoji="1" lang="ja-JP" altLang="en-US"/>
           </a:p>
@@ -1454,6 +1299,176 @@
               </a:rPr>
               <a:t>1</a:t>
             </a:r>
+          </a:p>
+          <a:p>
+            <a:pPr marL="0" marR="0" lvl="0" indent="0" algn="l" defTabSz="914400" rtl="0" eaLnBrk="1" fontAlgn="auto" latinLnBrk="0" hangingPunct="1">
+              <a:lnSpc>
+                <a:spcPct val="100000"/>
+              </a:lnSpc>
+              <a:spcBef>
+                <a:spcPts val="0"/>
+              </a:spcBef>
+              <a:spcAft>
+                <a:spcPts val="0"/>
+              </a:spcAft>
+              <a:buClrTx/>
+              <a:buSzTx/>
+              <a:buFontTx/>
+              <a:buNone/>
+              <a:tabLst/>
+              <a:defRPr/>
+            </a:pPr>
+            <a:endParaRPr kumimoji="1" lang="en-US" altLang="ja-JP" sz="1200" kern="50" dirty="0">
+              <a:effectLst/>
+              <a:latin typeface="Times New Roman" panose="02020603050405020304" pitchFamily="18" charset="0"/>
+              <a:ea typeface="ＭＳ ゴシック" panose="020B0609070205080204" pitchFamily="49" charset="-128"/>
+              <a:cs typeface="Mangal" panose="02040503050203030202" pitchFamily="18" charset="0"/>
+            </a:endParaRPr>
+          </a:p>
+          <a:p>
+            <a:pPr marL="0" marR="0" lvl="0" indent="0" algn="l" defTabSz="914400" rtl="0" eaLnBrk="1" fontAlgn="auto" latinLnBrk="0" hangingPunct="1">
+              <a:lnSpc>
+                <a:spcPct val="100000"/>
+              </a:lnSpc>
+              <a:spcBef>
+                <a:spcPts val="0"/>
+              </a:spcBef>
+              <a:spcAft>
+                <a:spcPts val="0"/>
+              </a:spcAft>
+              <a:buClrTx/>
+              <a:buSzTx/>
+              <a:buFontTx/>
+              <a:buNone/>
+              <a:tabLst/>
+              <a:defRPr/>
+            </a:pPr>
+            <a:r>
+              <a:rPr kumimoji="1" lang="ja-JP" altLang="en-US" sz="1200" kern="50" dirty="0">
+                <a:effectLst/>
+                <a:latin typeface="Times New Roman" panose="02020603050405020304" pitchFamily="18" charset="0"/>
+                <a:ea typeface="ＭＳ ゴシック" panose="020B0609070205080204" pitchFamily="49" charset="-128"/>
+                <a:cs typeface="Mangal" panose="02040503050203030202" pitchFamily="18" charset="0"/>
+              </a:rPr>
+              <a:t>質問</a:t>
+            </a:r>
+            <a:r>
+              <a:rPr kumimoji="1" lang="en-US" altLang="ja-JP" sz="1200" kern="50" dirty="0">
+                <a:effectLst/>
+                <a:latin typeface="Times New Roman" panose="02020603050405020304" pitchFamily="18" charset="0"/>
+                <a:ea typeface="ＭＳ ゴシック" panose="020B0609070205080204" pitchFamily="49" charset="-128"/>
+                <a:cs typeface="Mangal" panose="02040503050203030202" pitchFamily="18" charset="0"/>
+              </a:rPr>
+              <a:t>1</a:t>
+            </a:r>
+          </a:p>
+          <a:p>
+            <a:pPr marL="0" marR="0" lvl="0" indent="0" algn="l" defTabSz="914400" rtl="0" eaLnBrk="1" fontAlgn="auto" latinLnBrk="0" hangingPunct="1">
+              <a:lnSpc>
+                <a:spcPct val="100000"/>
+              </a:lnSpc>
+              <a:spcBef>
+                <a:spcPts val="0"/>
+              </a:spcBef>
+              <a:spcAft>
+                <a:spcPts val="0"/>
+              </a:spcAft>
+              <a:buClrTx/>
+              <a:buSzTx/>
+              <a:buFontTx/>
+              <a:buNone/>
+              <a:tabLst/>
+              <a:defRPr/>
+            </a:pPr>
+            <a:r>
+              <a:rPr kumimoji="1" lang="ja-JP" altLang="en-US" sz="1200" kern="50" dirty="0">
+                <a:effectLst/>
+                <a:latin typeface="Times New Roman" panose="02020603050405020304" pitchFamily="18" charset="0"/>
+                <a:ea typeface="ＭＳ ゴシック" panose="020B0609070205080204" pitchFamily="49" charset="-128"/>
+                <a:cs typeface="Mangal" panose="02040503050203030202" pitchFamily="18" charset="0"/>
+              </a:rPr>
+              <a:t>質問</a:t>
+            </a:r>
+            <a:r>
+              <a:rPr kumimoji="1" lang="en-US" altLang="ja-JP" sz="1200" kern="50" dirty="0">
+                <a:effectLst/>
+                <a:latin typeface="Times New Roman" panose="02020603050405020304" pitchFamily="18" charset="0"/>
+                <a:ea typeface="ＭＳ ゴシック" panose="020B0609070205080204" pitchFamily="49" charset="-128"/>
+                <a:cs typeface="Mangal" panose="02040503050203030202" pitchFamily="18" charset="0"/>
+              </a:rPr>
+              <a:t>2</a:t>
+            </a:r>
+          </a:p>
+          <a:p>
+            <a:pPr marL="0" marR="0" lvl="0" indent="0" algn="l" defTabSz="914400" rtl="0" eaLnBrk="1" fontAlgn="auto" latinLnBrk="0" hangingPunct="1">
+              <a:lnSpc>
+                <a:spcPct val="100000"/>
+              </a:lnSpc>
+              <a:spcBef>
+                <a:spcPts val="0"/>
+              </a:spcBef>
+              <a:spcAft>
+                <a:spcPts val="0"/>
+              </a:spcAft>
+              <a:buClrTx/>
+              <a:buSzTx/>
+              <a:buFontTx/>
+              <a:buNone/>
+              <a:tabLst/>
+              <a:defRPr/>
+            </a:pPr>
+            <a:r>
+              <a:rPr kumimoji="1" lang="ja-JP" altLang="en-US" sz="1200" kern="50" dirty="0">
+                <a:effectLst/>
+                <a:latin typeface="Times New Roman" panose="02020603050405020304" pitchFamily="18" charset="0"/>
+                <a:ea typeface="ＭＳ ゴシック" panose="020B0609070205080204" pitchFamily="49" charset="-128"/>
+                <a:cs typeface="Mangal" panose="02040503050203030202" pitchFamily="18" charset="0"/>
+              </a:rPr>
+              <a:t>質問</a:t>
+            </a:r>
+            <a:r>
+              <a:rPr kumimoji="1" lang="en-US" altLang="ja-JP" sz="1200" kern="50" dirty="0">
+                <a:effectLst/>
+                <a:latin typeface="Times New Roman" panose="02020603050405020304" pitchFamily="18" charset="0"/>
+                <a:ea typeface="ＭＳ ゴシック" panose="020B0609070205080204" pitchFamily="49" charset="-128"/>
+                <a:cs typeface="Mangal" panose="02040503050203030202" pitchFamily="18" charset="0"/>
+              </a:rPr>
+              <a:t>3 </a:t>
+            </a:r>
+            <a:r>
+              <a:rPr kumimoji="1" lang="ja-JP" altLang="en-US" sz="1200" kern="50" dirty="0">
+                <a:effectLst/>
+                <a:latin typeface="Times New Roman" panose="02020603050405020304" pitchFamily="18" charset="0"/>
+                <a:ea typeface="ＭＳ ゴシック" panose="020B0609070205080204" pitchFamily="49" charset="-128"/>
+                <a:cs typeface="Mangal" panose="02040503050203030202" pitchFamily="18" charset="0"/>
+              </a:rPr>
+              <a:t>・・・未定</a:t>
+            </a:r>
+            <a:endParaRPr kumimoji="1" lang="en-US" altLang="ja-JP" sz="1200" kern="50" dirty="0">
+              <a:effectLst/>
+              <a:latin typeface="Times New Roman" panose="02020603050405020304" pitchFamily="18" charset="0"/>
+              <a:ea typeface="ＭＳ ゴシック" panose="020B0609070205080204" pitchFamily="49" charset="-128"/>
+              <a:cs typeface="Mangal" panose="02040503050203030202" pitchFamily="18" charset="0"/>
+            </a:endParaRPr>
+          </a:p>
+          <a:p>
+            <a:pPr marL="0" marR="0" lvl="0" indent="0" algn="l" defTabSz="914400" rtl="0" eaLnBrk="1" fontAlgn="auto" latinLnBrk="0" hangingPunct="1">
+              <a:lnSpc>
+                <a:spcPct val="100000"/>
+              </a:lnSpc>
+              <a:spcBef>
+                <a:spcPts val="0"/>
+              </a:spcBef>
+              <a:spcAft>
+                <a:spcPts val="0"/>
+              </a:spcAft>
+              <a:buClrTx/>
+              <a:buSzTx/>
+              <a:buFontTx/>
+              <a:buNone/>
+              <a:tabLst/>
+              <a:defRPr/>
+            </a:pPr>
             <a:endParaRPr kumimoji="1" lang="ja-JP" altLang="en-US" dirty="0"/>
           </a:p>
           <a:p>
@@ -1478,7 +1493,7 @@
           <a:p>
             <a:fld id="{1C5C6EC8-00C1-4CA7-9910-03F637DDAD38}" type="slidenum">
               <a:rPr kumimoji="1" lang="ja-JP" altLang="en-US" smtClean="0"/>
-              <a:t>6</a:t>
+              <a:t>9</a:t>
             </a:fld>
             <a:endParaRPr kumimoji="1" lang="ja-JP" altLang="en-US"/>
           </a:p>
@@ -1699,7 +1714,7 @@
           <a:p>
             <a:fld id="{1C5C6EC8-00C1-4CA7-9910-03F637DDAD38}" type="slidenum">
               <a:rPr kumimoji="1" lang="ja-JP" altLang="en-US" smtClean="0"/>
-              <a:t>7</a:t>
+              <a:t>10</a:t>
             </a:fld>
             <a:endParaRPr kumimoji="1" lang="ja-JP" altLang="en-US"/>
           </a:p>
@@ -1891,6 +1906,59 @@
               </a:rPr>
               <a:t>)</a:t>
             </a:r>
+          </a:p>
+          <a:p>
+            <a:pPr marL="0" marR="0" lvl="0" indent="0" algn="l" defTabSz="914400" rtl="0" eaLnBrk="1" fontAlgn="auto" latinLnBrk="0" hangingPunct="1">
+              <a:lnSpc>
+                <a:spcPct val="100000"/>
+              </a:lnSpc>
+              <a:spcBef>
+                <a:spcPts val="0"/>
+              </a:spcBef>
+              <a:spcAft>
+                <a:spcPts val="0"/>
+              </a:spcAft>
+              <a:buClrTx/>
+              <a:buSzTx/>
+              <a:buFontTx/>
+              <a:buNone/>
+              <a:tabLst/>
+              <a:defRPr/>
+            </a:pPr>
+            <a:endParaRPr kumimoji="1" lang="en-US" altLang="ja-JP" sz="1200" kern="50" dirty="0">
+              <a:effectLst/>
+              <a:latin typeface="Times New Roman" panose="02020603050405020304" pitchFamily="18" charset="0"/>
+              <a:ea typeface="ＭＳ ゴシック" panose="020B0609070205080204" pitchFamily="49" charset="-128"/>
+              <a:cs typeface="Mangal" panose="02040503050203030202" pitchFamily="18" charset="0"/>
+            </a:endParaRPr>
+          </a:p>
+          <a:p>
+            <a:pPr marL="0" marR="0" lvl="0" indent="0" algn="l" defTabSz="914400" rtl="0" eaLnBrk="1" fontAlgn="auto" latinLnBrk="0" hangingPunct="1">
+              <a:lnSpc>
+                <a:spcPct val="100000"/>
+              </a:lnSpc>
+              <a:spcBef>
+                <a:spcPts val="0"/>
+              </a:spcBef>
+              <a:spcAft>
+                <a:spcPts val="0"/>
+              </a:spcAft>
+              <a:buClrTx/>
+              <a:buSzTx/>
+              <a:buFontTx/>
+              <a:buNone/>
+              <a:tabLst/>
+              <a:defRPr/>
+            </a:pPr>
+            <a:r>
+              <a:rPr kumimoji="1" lang="ja-JP" altLang="en-US" sz="1200" kern="50" dirty="0">
+                <a:effectLst/>
+                <a:latin typeface="Times New Roman" panose="02020603050405020304" pitchFamily="18" charset="0"/>
+                <a:ea typeface="ＭＳ ゴシック" panose="020B0609070205080204" pitchFamily="49" charset="-128"/>
+                <a:cs typeface="Mangal" panose="02040503050203030202" pitchFamily="18" charset="0"/>
+              </a:rPr>
+              <a:t>カレンダーを押すとその日の登録ページに飛ぶ</a:t>
+            </a:r>
             <a:endParaRPr kumimoji="1" lang="ja-JP" altLang="en-US" dirty="0"/>
           </a:p>
           <a:p>
@@ -1960,7 +2028,7 @@
           <a:p>
             <a:fld id="{1C5C6EC8-00C1-4CA7-9910-03F637DDAD38}" type="slidenum">
               <a:rPr kumimoji="1" lang="ja-JP" altLang="en-US" smtClean="0"/>
-              <a:t>8</a:t>
+              <a:t>11</a:t>
             </a:fld>
             <a:endParaRPr kumimoji="1" lang="ja-JP" altLang="en-US"/>
           </a:p>
@@ -2142,6 +2210,59 @@
               <a:rPr kumimoji="1" lang="en-US" altLang="ja-JP" dirty="0"/>
               <a:t>)</a:t>
             </a:r>
+          </a:p>
+          <a:p>
+            <a:pPr marL="0" marR="0" lvl="0" indent="0" algn="l" defTabSz="914400" rtl="0" eaLnBrk="1" fontAlgn="auto" latinLnBrk="0" hangingPunct="1">
+              <a:lnSpc>
+                <a:spcPct val="100000"/>
+              </a:lnSpc>
+              <a:spcBef>
+                <a:spcPts val="0"/>
+              </a:spcBef>
+              <a:spcAft>
+                <a:spcPts val="0"/>
+              </a:spcAft>
+              <a:buClrTx/>
+              <a:buSzTx/>
+              <a:buFontTx/>
+              <a:buNone/>
+              <a:tabLst/>
+              <a:defRPr/>
+            </a:pPr>
+            <a:endParaRPr kumimoji="1" lang="en-US" altLang="ja-JP" sz="1200" kern="50" dirty="0">
+              <a:effectLst/>
+              <a:latin typeface="Times New Roman" panose="02020603050405020304" pitchFamily="18" charset="0"/>
+              <a:ea typeface="ＭＳ ゴシック" panose="020B0609070205080204" pitchFamily="49" charset="-128"/>
+              <a:cs typeface="Mangal" panose="02040503050203030202" pitchFamily="18" charset="0"/>
+            </a:endParaRPr>
+          </a:p>
+          <a:p>
+            <a:pPr marL="0" marR="0" lvl="0" indent="0" algn="l" defTabSz="914400" rtl="0" eaLnBrk="1" fontAlgn="auto" latinLnBrk="0" hangingPunct="1">
+              <a:lnSpc>
+                <a:spcPct val="100000"/>
+              </a:lnSpc>
+              <a:spcBef>
+                <a:spcPts val="0"/>
+              </a:spcBef>
+              <a:spcAft>
+                <a:spcPts val="0"/>
+              </a:spcAft>
+              <a:buClrTx/>
+              <a:buSzTx/>
+              <a:buFontTx/>
+              <a:buNone/>
+              <a:tabLst/>
+              <a:defRPr/>
+            </a:pPr>
+            <a:r>
+              <a:rPr lang="ja-JP" altLang="en-US" sz="1200" kern="50" dirty="0">
+                <a:effectLst/>
+                <a:latin typeface="Times New Roman" panose="02020603050405020304" pitchFamily="18" charset="0"/>
+                <a:ea typeface="ＭＳ ゴシック" panose="020B0609070205080204" pitchFamily="49" charset="-128"/>
+                <a:cs typeface="Mangal" panose="02040503050203030202" pitchFamily="18" charset="0"/>
+              </a:rPr>
+              <a:t>登録項目 ・・・　未定</a:t>
+            </a:r>
             <a:endParaRPr lang="en-US" altLang="ja-JP" sz="1200" kern="50" dirty="0">
               <a:effectLst/>
               <a:latin typeface="Times New Roman" panose="02020603050405020304" pitchFamily="18" charset="0"/>
@@ -2171,7 +2292,7 @@
           <a:p>
             <a:fld id="{1C5C6EC8-00C1-4CA7-9910-03F637DDAD38}" type="slidenum">
               <a:rPr kumimoji="1" lang="ja-JP" altLang="en-US" smtClean="0"/>
-              <a:t>9</a:t>
+              <a:t>12</a:t>
             </a:fld>
             <a:endParaRPr kumimoji="1" lang="ja-JP" altLang="en-US"/>
           </a:p>
@@ -5784,38 +5905,320 @@
       </p:grpSpPr>
       <p:sp>
         <p:nvSpPr>
-          <p:cNvPr id="2" name="タイトル 1">
-            <a:extLst>
-              <a:ext uri="{FF2B5EF4-FFF2-40B4-BE49-F238E27FC236}">
-                <a16:creationId xmlns:a16="http://schemas.microsoft.com/office/drawing/2014/main" id="{F4612EB6-B9F5-4547-B1AB-0813E10DADD5}"/>
-              </a:ext>
-            </a:extLst>
-          </p:cNvPr>
-          <p:cNvSpPr>
-            <a:spLocks noGrp="1"/>
-          </p:cNvSpPr>
-          <p:nvPr>
-            <p:ph type="title"/>
-          </p:nvPr>
-        </p:nvSpPr>
-        <p:spPr/>
-        <p:txBody>
-          <a:bodyPr/>
-          <a:lstStyle/>
-          <a:p>
+          <p:cNvPr id="4" name="正方形/長方形 3">
+            <a:extLst>
+              <a:ext uri="{FF2B5EF4-FFF2-40B4-BE49-F238E27FC236}">
+                <a16:creationId xmlns:a16="http://schemas.microsoft.com/office/drawing/2014/main" id="{27ED228B-B880-4301-96EF-93ED3C3E94DA}"/>
+              </a:ext>
+            </a:extLst>
+          </p:cNvPr>
+          <p:cNvSpPr/>
+          <p:nvPr/>
+        </p:nvSpPr>
+        <p:spPr>
+          <a:xfrm>
+            <a:off x="1171254" y="1130157"/>
+            <a:ext cx="9965933" cy="5065160"/>
+          </a:xfrm>
+          <a:prstGeom prst="rect">
+            <a:avLst/>
+          </a:prstGeom>
+          <a:noFill/>
+          <a:ln w="57150"/>
+        </p:spPr>
+        <p:style>
+          <a:lnRef idx="2">
+            <a:schemeClr val="accent1">
+              <a:shade val="50000"/>
+            </a:schemeClr>
+          </a:lnRef>
+          <a:fillRef idx="1">
+            <a:schemeClr val="accent1"/>
+          </a:fillRef>
+          <a:effectRef idx="0">
+            <a:schemeClr val="accent1"/>
+          </a:effectRef>
+          <a:fontRef idx="minor">
+            <a:schemeClr val="lt1"/>
+          </a:fontRef>
+        </p:style>
+        <p:txBody>
+          <a:bodyPr rtlCol="0" anchor="ctr"/>
+          <a:lstStyle/>
+          <a:p>
+            <a:pPr algn="ctr"/>
+            <a:endParaRPr kumimoji="1" lang="ja-JP" altLang="en-US"/>
+          </a:p>
+        </p:txBody>
+      </p:sp>
+      <p:cxnSp>
+        <p:nvCxnSpPr>
+          <p:cNvPr id="11" name="直線コネクタ 10">
+            <a:extLst>
+              <a:ext uri="{FF2B5EF4-FFF2-40B4-BE49-F238E27FC236}">
+                <a16:creationId xmlns:a16="http://schemas.microsoft.com/office/drawing/2014/main" id="{29E32288-CB64-42B9-A8F0-B1FE888D765F}"/>
+              </a:ext>
+            </a:extLst>
+          </p:cNvPr>
+          <p:cNvCxnSpPr/>
+          <p:nvPr/>
+        </p:nvCxnSpPr>
+        <p:spPr>
+          <a:xfrm>
+            <a:off x="1171254" y="1849348"/>
+            <a:ext cx="9965933" cy="0"/>
+          </a:xfrm>
+          <a:prstGeom prst="line">
+            <a:avLst/>
+          </a:prstGeom>
+          <a:ln w="38100"/>
+        </p:spPr>
+        <p:style>
+          <a:lnRef idx="1">
+            <a:schemeClr val="accent1"/>
+          </a:lnRef>
+          <a:fillRef idx="0">
+            <a:schemeClr val="accent1"/>
+          </a:fillRef>
+          <a:effectRef idx="0">
+            <a:schemeClr val="accent1"/>
+          </a:effectRef>
+          <a:fontRef idx="minor">
+            <a:schemeClr val="tx1"/>
+          </a:fontRef>
+        </p:style>
+      </p:cxnSp>
+      <p:sp>
+        <p:nvSpPr>
+          <p:cNvPr id="12" name="テキスト ボックス 11">
+            <a:extLst>
+              <a:ext uri="{FF2B5EF4-FFF2-40B4-BE49-F238E27FC236}">
+                <a16:creationId xmlns:a16="http://schemas.microsoft.com/office/drawing/2014/main" id="{9B04BE3B-F41E-4399-9767-4678CEE9671F}"/>
+              </a:ext>
+            </a:extLst>
+          </p:cNvPr>
+          <p:cNvSpPr txBox="1"/>
+          <p:nvPr/>
+        </p:nvSpPr>
+        <p:spPr>
+          <a:xfrm>
+            <a:off x="3986373" y="1866528"/>
+            <a:ext cx="3811712" cy="369332"/>
+          </a:xfrm>
+          <a:prstGeom prst="rect">
+            <a:avLst/>
+          </a:prstGeom>
+          <a:noFill/>
+        </p:spPr>
+        <p:txBody>
+          <a:bodyPr wrap="square" rtlCol="0">
+            <a:spAutoFit/>
+          </a:bodyPr>
+          <a:lstStyle/>
+          <a:p>
+            <a:pPr algn="ctr"/>
+            <a:r>
+              <a:rPr lang="ja-JP" altLang="en-US" dirty="0"/>
+              <a:t>メニューバー</a:t>
+            </a:r>
+            <a:endParaRPr kumimoji="1" lang="ja-JP" altLang="en-US" dirty="0"/>
+          </a:p>
+        </p:txBody>
+      </p:sp>
+      <p:cxnSp>
+        <p:nvCxnSpPr>
+          <p:cNvPr id="15" name="直線コネクタ 14">
+            <a:extLst>
+              <a:ext uri="{FF2B5EF4-FFF2-40B4-BE49-F238E27FC236}">
+                <a16:creationId xmlns:a16="http://schemas.microsoft.com/office/drawing/2014/main" id="{0031865C-53E6-40DF-A119-F179FA0ED75B}"/>
+              </a:ext>
+            </a:extLst>
+          </p:cNvPr>
+          <p:cNvCxnSpPr/>
+          <p:nvPr/>
+        </p:nvCxnSpPr>
+        <p:spPr>
+          <a:xfrm>
+            <a:off x="1171254" y="5484687"/>
+            <a:ext cx="9965933" cy="0"/>
+          </a:xfrm>
+          <a:prstGeom prst="line">
+            <a:avLst/>
+          </a:prstGeom>
+          <a:ln w="38100"/>
+        </p:spPr>
+        <p:style>
+          <a:lnRef idx="1">
+            <a:schemeClr val="accent1"/>
+          </a:lnRef>
+          <a:fillRef idx="0">
+            <a:schemeClr val="accent1"/>
+          </a:fillRef>
+          <a:effectRef idx="0">
+            <a:schemeClr val="accent1"/>
+          </a:effectRef>
+          <a:fontRef idx="minor">
+            <a:schemeClr val="tx1"/>
+          </a:fontRef>
+        </p:style>
+      </p:cxnSp>
+      <p:sp>
+        <p:nvSpPr>
+          <p:cNvPr id="17" name="テキスト ボックス 16">
+            <a:extLst>
+              <a:ext uri="{FF2B5EF4-FFF2-40B4-BE49-F238E27FC236}">
+                <a16:creationId xmlns:a16="http://schemas.microsoft.com/office/drawing/2014/main" id="{875D9250-3F14-4CCC-A0E1-8FFA238ECB18}"/>
+              </a:ext>
+            </a:extLst>
+          </p:cNvPr>
+          <p:cNvSpPr txBox="1"/>
+          <p:nvPr/>
+        </p:nvSpPr>
+        <p:spPr>
+          <a:xfrm>
+            <a:off x="4190144" y="5579349"/>
+            <a:ext cx="3811712" cy="369332"/>
+          </a:xfrm>
+          <a:prstGeom prst="rect">
+            <a:avLst/>
+          </a:prstGeom>
+          <a:noFill/>
+        </p:spPr>
+        <p:txBody>
+          <a:bodyPr wrap="square" rtlCol="0">
+            <a:spAutoFit/>
+          </a:bodyPr>
+          <a:lstStyle/>
+          <a:p>
+            <a:pPr algn="ctr"/>
+            <a:r>
+              <a:rPr lang="ja-JP" altLang="en-US" dirty="0"/>
+              <a:t>フッター</a:t>
+            </a:r>
+            <a:endParaRPr kumimoji="1" lang="ja-JP" altLang="en-US" dirty="0"/>
+          </a:p>
+        </p:txBody>
+      </p:sp>
+      <p:cxnSp>
+        <p:nvCxnSpPr>
+          <p:cNvPr id="13" name="直線コネクタ 12">
+            <a:extLst>
+              <a:ext uri="{FF2B5EF4-FFF2-40B4-BE49-F238E27FC236}">
+                <a16:creationId xmlns:a16="http://schemas.microsoft.com/office/drawing/2014/main" id="{D3105F0F-41D4-46A9-9AFB-411DD1FB0212}"/>
+              </a:ext>
+            </a:extLst>
+          </p:cNvPr>
+          <p:cNvCxnSpPr/>
+          <p:nvPr/>
+        </p:nvCxnSpPr>
+        <p:spPr>
+          <a:xfrm>
+            <a:off x="1171254" y="2330521"/>
+            <a:ext cx="9965933" cy="0"/>
+          </a:xfrm>
+          <a:prstGeom prst="line">
+            <a:avLst/>
+          </a:prstGeom>
+          <a:ln w="38100"/>
+        </p:spPr>
+        <p:style>
+          <a:lnRef idx="1">
+            <a:schemeClr val="accent1"/>
+          </a:lnRef>
+          <a:fillRef idx="0">
+            <a:schemeClr val="accent1"/>
+          </a:fillRef>
+          <a:effectRef idx="0">
+            <a:schemeClr val="accent1"/>
+          </a:effectRef>
+          <a:fontRef idx="minor">
+            <a:schemeClr val="tx1"/>
+          </a:fontRef>
+        </p:style>
+      </p:cxnSp>
+      <p:sp>
+        <p:nvSpPr>
+          <p:cNvPr id="14" name="テキスト ボックス 13">
+            <a:extLst>
+              <a:ext uri="{FF2B5EF4-FFF2-40B4-BE49-F238E27FC236}">
+                <a16:creationId xmlns:a16="http://schemas.microsoft.com/office/drawing/2014/main" id="{0112ACB5-88B9-448E-A17F-6BBAE282D98D}"/>
+              </a:ext>
+            </a:extLst>
+          </p:cNvPr>
+          <p:cNvSpPr txBox="1"/>
+          <p:nvPr/>
+        </p:nvSpPr>
+        <p:spPr>
+          <a:xfrm>
+            <a:off x="4138773" y="1388478"/>
+            <a:ext cx="3811712" cy="369332"/>
+          </a:xfrm>
+          <a:prstGeom prst="rect">
+            <a:avLst/>
+          </a:prstGeom>
+          <a:noFill/>
+        </p:spPr>
+        <p:txBody>
+          <a:bodyPr wrap="square" rtlCol="0">
+            <a:spAutoFit/>
+          </a:bodyPr>
+          <a:lstStyle/>
+          <a:p>
+            <a:pPr algn="ctr"/>
             <a:r>
               <a:rPr kumimoji="1" lang="ja-JP" altLang="en-US" dirty="0"/>
-              <a:t>上　採用　下　メモ</a:t>
-            </a:r>
-          </a:p>
-        </p:txBody>
-      </p:sp>
-      <p:sp>
-        <p:nvSpPr>
-          <p:cNvPr id="5" name="スライド番号プレースホルダー 4">
-            <a:extLst>
-              <a:ext uri="{FF2B5EF4-FFF2-40B4-BE49-F238E27FC236}">
-                <a16:creationId xmlns:a16="http://schemas.microsoft.com/office/drawing/2014/main" id="{022D84FE-2F20-4CFF-B544-366D453288D1}"/>
+              <a:t>ヘッダー</a:t>
+            </a:r>
+          </a:p>
+        </p:txBody>
+      </p:sp>
+      <p:sp>
+        <p:nvSpPr>
+          <p:cNvPr id="18" name="テキスト ボックス 17">
+            <a:extLst>
+              <a:ext uri="{FF2B5EF4-FFF2-40B4-BE49-F238E27FC236}">
+                <a16:creationId xmlns:a16="http://schemas.microsoft.com/office/drawing/2014/main" id="{FE7AC758-0DE5-4E93-8482-6FEFF6FC111B}"/>
+              </a:ext>
+            </a:extLst>
+          </p:cNvPr>
+          <p:cNvSpPr txBox="1"/>
+          <p:nvPr/>
+        </p:nvSpPr>
+        <p:spPr>
+          <a:xfrm>
+            <a:off x="4376791" y="2931559"/>
+            <a:ext cx="3421294" cy="1595919"/>
+          </a:xfrm>
+          <a:prstGeom prst="rect">
+            <a:avLst/>
+          </a:prstGeom>
+          <a:noFill/>
+          <a:ln w="38100">
+            <a:solidFill>
+              <a:schemeClr val="accent4"/>
+            </a:solidFill>
+          </a:ln>
+        </p:spPr>
+        <p:txBody>
+          <a:bodyPr wrap="square" rtlCol="0">
+            <a:noAutofit/>
+          </a:bodyPr>
+          <a:lstStyle/>
+          <a:p>
+            <a:r>
+              <a:rPr lang="ja-JP" altLang="en-US" dirty="0"/>
+              <a:t>質問結果から提案を表示</a:t>
+            </a:r>
+            <a:endParaRPr lang="en-US" altLang="ja-JP" dirty="0"/>
+          </a:p>
+        </p:txBody>
+      </p:sp>
+      <p:sp>
+        <p:nvSpPr>
+          <p:cNvPr id="3" name="スライド番号プレースホルダー 2">
+            <a:extLst>
+              <a:ext uri="{FF2B5EF4-FFF2-40B4-BE49-F238E27FC236}">
+                <a16:creationId xmlns:a16="http://schemas.microsoft.com/office/drawing/2014/main" id="{244A8080-6B6C-41BB-8808-5B30B830FA7D}"/>
               </a:ext>
             </a:extLst>
           </p:cNvPr>
@@ -5839,10 +6242,90 @@
           </a:p>
         </p:txBody>
       </p:sp>
+      <p:sp>
+        <p:nvSpPr>
+          <p:cNvPr id="16" name="テキスト ボックス 15">
+            <a:extLst>
+              <a:ext uri="{FF2B5EF4-FFF2-40B4-BE49-F238E27FC236}">
+                <a16:creationId xmlns:a16="http://schemas.microsoft.com/office/drawing/2014/main" id="{481A733C-3CBD-44DB-9340-5A1CE5F5A739}"/>
+              </a:ext>
+            </a:extLst>
+          </p:cNvPr>
+          <p:cNvSpPr txBox="1"/>
+          <p:nvPr/>
+        </p:nvSpPr>
+        <p:spPr>
+          <a:xfrm>
+            <a:off x="558139" y="358743"/>
+            <a:ext cx="4335783" cy="800219"/>
+          </a:xfrm>
+          <a:prstGeom prst="rect">
+            <a:avLst/>
+          </a:prstGeom>
+          <a:noFill/>
+        </p:spPr>
+        <p:txBody>
+          <a:bodyPr wrap="square" rtlCol="0">
+            <a:spAutoFit/>
+          </a:bodyPr>
+          <a:lstStyle/>
+          <a:p>
+            <a:r>
+              <a:rPr lang="en-US" altLang="ja-JP" sz="2800" kern="50" dirty="0">
+                <a:effectLst/>
+                <a:latin typeface="Times New Roman" panose="02020603050405020304" pitchFamily="18" charset="0"/>
+                <a:ea typeface="ＭＳ ゴシック" panose="020B0609070205080204" pitchFamily="49" charset="-128"/>
+                <a:cs typeface="Mangal" panose="02040503050203030202" pitchFamily="18" charset="0"/>
+              </a:rPr>
+              <a:t>4.1 </a:t>
+            </a:r>
+            <a:r>
+              <a:rPr lang="ja-JP" altLang="ja-JP" sz="2800" kern="50" dirty="0">
+                <a:effectLst/>
+                <a:latin typeface="Times New Roman" panose="02020603050405020304" pitchFamily="18" charset="0"/>
+                <a:ea typeface="ＭＳ ゴシック" panose="020B0609070205080204" pitchFamily="49" charset="-128"/>
+                <a:cs typeface="Mangal" panose="02040503050203030202" pitchFamily="18" charset="0"/>
+              </a:rPr>
+              <a:t>お酒</a:t>
+            </a:r>
+            <a:r>
+              <a:rPr lang="en-US" altLang="ja-JP" sz="2800" kern="50" dirty="0">
+                <a:effectLst/>
+                <a:latin typeface="Times New Roman" panose="02020603050405020304" pitchFamily="18" charset="0"/>
+                <a:ea typeface="ＭＳ ゴシック" panose="020B0609070205080204" pitchFamily="49" charset="-128"/>
+                <a:cs typeface="Mangal" panose="02040503050203030202" pitchFamily="18" charset="0"/>
+              </a:rPr>
+              <a:t>/</a:t>
+            </a:r>
+            <a:r>
+              <a:rPr lang="ja-JP" altLang="ja-JP" sz="2800" kern="50" dirty="0">
+                <a:effectLst/>
+                <a:latin typeface="Times New Roman" panose="02020603050405020304" pitchFamily="18" charset="0"/>
+                <a:ea typeface="ＭＳ ゴシック" panose="020B0609070205080204" pitchFamily="49" charset="-128"/>
+                <a:cs typeface="Mangal" panose="02040503050203030202" pitchFamily="18" charset="0"/>
+              </a:rPr>
+              <a:t>食事提案</a:t>
+            </a:r>
+            <a:r>
+              <a:rPr lang="ja-JP" altLang="en-US" sz="2800" kern="50" dirty="0">
+                <a:effectLst/>
+                <a:latin typeface="Times New Roman" panose="02020603050405020304" pitchFamily="18" charset="0"/>
+                <a:ea typeface="ＭＳ ゴシック" panose="020B0609070205080204" pitchFamily="49" charset="-128"/>
+                <a:cs typeface="Mangal" panose="02040503050203030202" pitchFamily="18" charset="0"/>
+              </a:rPr>
+              <a:t>ページ</a:t>
+            </a:r>
+            <a:endParaRPr kumimoji="1" lang="ja-JP" altLang="en-US" dirty="0"/>
+          </a:p>
+          <a:p>
+            <a:endParaRPr kumimoji="1" lang="ja-JP" altLang="en-US" dirty="0"/>
+          </a:p>
+        </p:txBody>
+      </p:sp>
     </p:spTree>
     <p:extLst>
       <p:ext uri="{BB962C8B-B14F-4D97-AF65-F5344CB8AC3E}">
-        <p14:creationId xmlns:p14="http://schemas.microsoft.com/office/powerpoint/2010/main" val="336887689"/>
+        <p14:creationId xmlns:p14="http://schemas.microsoft.com/office/powerpoint/2010/main" val="2389062197"/>
       </p:ext>
     </p:extLst>
   </p:cSld>
@@ -5871,673 +6354,26 @@
       </p:grpSpPr>
       <p:sp>
         <p:nvSpPr>
-          <p:cNvPr id="4" name="テキスト ボックス 3">
-            <a:extLst>
-              <a:ext uri="{FF2B5EF4-FFF2-40B4-BE49-F238E27FC236}">
-                <a16:creationId xmlns:a16="http://schemas.microsoft.com/office/drawing/2014/main" id="{273E587B-A054-45C6-AADF-903C0957AFF8}"/>
-              </a:ext>
-            </a:extLst>
-          </p:cNvPr>
-          <p:cNvSpPr txBox="1"/>
+          <p:cNvPr id="4" name="正方形/長方形 3">
+            <a:extLst>
+              <a:ext uri="{FF2B5EF4-FFF2-40B4-BE49-F238E27FC236}">
+                <a16:creationId xmlns:a16="http://schemas.microsoft.com/office/drawing/2014/main" id="{3C6D8A53-A15A-4049-A4FA-75411757CE14}"/>
+              </a:ext>
+            </a:extLst>
+          </p:cNvPr>
+          <p:cNvSpPr/>
           <p:nvPr/>
         </p:nvSpPr>
         <p:spPr>
           <a:xfrm>
-            <a:off x="904125" y="1921267"/>
-            <a:ext cx="1797977" cy="369332"/>
+            <a:off x="1171254" y="1130157"/>
+            <a:ext cx="9965933" cy="5065160"/>
           </a:xfrm>
           <a:prstGeom prst="rect">
             <a:avLst/>
           </a:prstGeom>
           <a:noFill/>
-          <a:ln>
-            <a:solidFill>
-              <a:schemeClr val="accent1"/>
-            </a:solidFill>
-          </a:ln>
-        </p:spPr>
-        <p:txBody>
-          <a:bodyPr wrap="square" rtlCol="0">
-            <a:spAutoFit/>
-          </a:bodyPr>
-          <a:lstStyle/>
-          <a:p>
-            <a:r>
-              <a:rPr kumimoji="1" lang="ja-JP" altLang="en-US" dirty="0"/>
-              <a:t>メインページ</a:t>
-            </a:r>
-          </a:p>
-        </p:txBody>
-      </p:sp>
-      <p:cxnSp>
-        <p:nvCxnSpPr>
-          <p:cNvPr id="5" name="直線矢印コネクタ 4">
-            <a:extLst>
-              <a:ext uri="{FF2B5EF4-FFF2-40B4-BE49-F238E27FC236}">
-                <a16:creationId xmlns:a16="http://schemas.microsoft.com/office/drawing/2014/main" id="{21B1CA58-390C-4C90-883C-F6AC67701E4D}"/>
-              </a:ext>
-            </a:extLst>
-          </p:cNvPr>
-          <p:cNvCxnSpPr>
-            <a:stCxn id="4" idx="3"/>
-          </p:cNvCxnSpPr>
-          <p:nvPr/>
-        </p:nvCxnSpPr>
-        <p:spPr>
-          <a:xfrm flipV="1">
-            <a:off x="2702102" y="2075380"/>
-            <a:ext cx="1695237" cy="30553"/>
-          </a:xfrm>
-          <a:prstGeom prst="straightConnector1">
-            <a:avLst/>
-          </a:prstGeom>
-          <a:ln>
-            <a:tailEnd type="triangle"/>
-          </a:ln>
-        </p:spPr>
-        <p:style>
-          <a:lnRef idx="1">
-            <a:schemeClr val="accent1"/>
-          </a:lnRef>
-          <a:fillRef idx="0">
-            <a:schemeClr val="accent1"/>
-          </a:fillRef>
-          <a:effectRef idx="0">
-            <a:schemeClr val="accent1"/>
-          </a:effectRef>
-          <a:fontRef idx="minor">
-            <a:schemeClr val="tx1"/>
-          </a:fontRef>
-        </p:style>
-      </p:cxnSp>
-      <p:sp>
-        <p:nvSpPr>
-          <p:cNvPr id="6" name="テキスト ボックス 5">
-            <a:extLst>
-              <a:ext uri="{FF2B5EF4-FFF2-40B4-BE49-F238E27FC236}">
-                <a16:creationId xmlns:a16="http://schemas.microsoft.com/office/drawing/2014/main" id="{A7A66717-82DC-4D56-BAF8-F2BF76B15945}"/>
-              </a:ext>
-            </a:extLst>
-          </p:cNvPr>
-          <p:cNvSpPr txBox="1"/>
-          <p:nvPr/>
-        </p:nvSpPr>
-        <p:spPr>
-          <a:xfrm>
-            <a:off x="4417887" y="1929829"/>
-            <a:ext cx="1797977" cy="369332"/>
-          </a:xfrm>
-          <a:prstGeom prst="rect">
-            <a:avLst/>
-          </a:prstGeom>
-          <a:noFill/>
-          <a:ln>
-            <a:solidFill>
-              <a:schemeClr val="accent1"/>
-            </a:solidFill>
-          </a:ln>
-        </p:spPr>
-        <p:txBody>
-          <a:bodyPr wrap="square" rtlCol="0">
-            <a:spAutoFit/>
-          </a:bodyPr>
-          <a:lstStyle/>
-          <a:p>
-            <a:r>
-              <a:rPr lang="ja-JP" altLang="en-US" dirty="0"/>
-              <a:t>管理ページ</a:t>
-            </a:r>
-            <a:endParaRPr kumimoji="1" lang="ja-JP" altLang="en-US" dirty="0"/>
-          </a:p>
-        </p:txBody>
-      </p:sp>
-      <p:cxnSp>
-        <p:nvCxnSpPr>
-          <p:cNvPr id="7" name="直線矢印コネクタ 6">
-            <a:extLst>
-              <a:ext uri="{FF2B5EF4-FFF2-40B4-BE49-F238E27FC236}">
-                <a16:creationId xmlns:a16="http://schemas.microsoft.com/office/drawing/2014/main" id="{256F4E52-66BC-44F6-9B0A-B34F8F50B4D5}"/>
-              </a:ext>
-            </a:extLst>
-          </p:cNvPr>
-          <p:cNvCxnSpPr>
-            <a:cxnSpLocks/>
-            <a:endCxn id="8" idx="1"/>
-          </p:cNvCxnSpPr>
-          <p:nvPr/>
-        </p:nvCxnSpPr>
-        <p:spPr>
-          <a:xfrm>
-            <a:off x="6236412" y="2064569"/>
-            <a:ext cx="1715785" cy="261721"/>
-          </a:xfrm>
-          <a:prstGeom prst="straightConnector1">
-            <a:avLst/>
-          </a:prstGeom>
-          <a:ln>
-            <a:tailEnd type="triangle"/>
-          </a:ln>
-        </p:spPr>
-        <p:style>
-          <a:lnRef idx="1">
-            <a:schemeClr val="accent1"/>
-          </a:lnRef>
-          <a:fillRef idx="0">
-            <a:schemeClr val="accent1"/>
-          </a:fillRef>
-          <a:effectRef idx="0">
-            <a:schemeClr val="accent1"/>
-          </a:effectRef>
-          <a:fontRef idx="minor">
-            <a:schemeClr val="tx1"/>
-          </a:fontRef>
-        </p:style>
-      </p:cxnSp>
-      <p:sp>
-        <p:nvSpPr>
-          <p:cNvPr id="8" name="テキスト ボックス 7">
-            <a:extLst>
-              <a:ext uri="{FF2B5EF4-FFF2-40B4-BE49-F238E27FC236}">
-                <a16:creationId xmlns:a16="http://schemas.microsoft.com/office/drawing/2014/main" id="{830219E2-847A-49E7-B227-89700504DA1E}"/>
-              </a:ext>
-            </a:extLst>
-          </p:cNvPr>
-          <p:cNvSpPr txBox="1"/>
-          <p:nvPr/>
-        </p:nvSpPr>
-        <p:spPr>
-          <a:xfrm>
-            <a:off x="7952197" y="1864625"/>
-            <a:ext cx="1797977" cy="923330"/>
-          </a:xfrm>
-          <a:prstGeom prst="rect">
-            <a:avLst/>
-          </a:prstGeom>
-          <a:noFill/>
-          <a:ln>
-            <a:solidFill>
-              <a:schemeClr val="accent1"/>
-            </a:solidFill>
-          </a:ln>
-        </p:spPr>
-        <p:txBody>
-          <a:bodyPr wrap="square" rtlCol="0">
-            <a:spAutoFit/>
-          </a:bodyPr>
-          <a:lstStyle/>
-          <a:p>
-            <a:r>
-              <a:rPr lang="ja-JP" altLang="en-US" dirty="0"/>
-              <a:t>登録ページ、</a:t>
-            </a:r>
-            <a:endParaRPr lang="en-US" altLang="ja-JP" dirty="0"/>
-          </a:p>
-          <a:p>
-            <a:r>
-              <a:rPr lang="ja-JP" altLang="en-US" dirty="0"/>
-              <a:t>登録出力ページ</a:t>
-            </a:r>
-            <a:endParaRPr kumimoji="1" lang="ja-JP" altLang="en-US" dirty="0"/>
-          </a:p>
-          <a:p>
-            <a:endParaRPr kumimoji="1" lang="ja-JP" altLang="en-US" dirty="0"/>
-          </a:p>
-        </p:txBody>
-      </p:sp>
-      <p:sp>
-        <p:nvSpPr>
-          <p:cNvPr id="13" name="テキスト ボックス 12">
-            <a:extLst>
-              <a:ext uri="{FF2B5EF4-FFF2-40B4-BE49-F238E27FC236}">
-                <a16:creationId xmlns:a16="http://schemas.microsoft.com/office/drawing/2014/main" id="{C384DFF4-2AD2-4C6D-9339-7F01D265CD20}"/>
-              </a:ext>
-            </a:extLst>
-          </p:cNvPr>
-          <p:cNvSpPr txBox="1"/>
-          <p:nvPr/>
-        </p:nvSpPr>
-        <p:spPr>
-          <a:xfrm>
-            <a:off x="565079" y="593333"/>
-            <a:ext cx="1797977" cy="707886"/>
-          </a:xfrm>
-          <a:prstGeom prst="rect">
-            <a:avLst/>
-          </a:prstGeom>
-          <a:noFill/>
-        </p:spPr>
-        <p:txBody>
-          <a:bodyPr wrap="square" rtlCol="0">
-            <a:spAutoFit/>
-          </a:bodyPr>
-          <a:lstStyle/>
-          <a:p>
-            <a:r>
-              <a:rPr kumimoji="1" lang="en-US" altLang="ja-JP" sz="4000" dirty="0"/>
-              <a:t>C</a:t>
-            </a:r>
-            <a:endParaRPr kumimoji="1" lang="ja-JP" altLang="en-US" sz="4000" dirty="0"/>
-          </a:p>
-        </p:txBody>
-      </p:sp>
-      <p:sp>
-        <p:nvSpPr>
-          <p:cNvPr id="22" name="テキスト ボックス 21">
-            <a:extLst>
-              <a:ext uri="{FF2B5EF4-FFF2-40B4-BE49-F238E27FC236}">
-                <a16:creationId xmlns:a16="http://schemas.microsoft.com/office/drawing/2014/main" id="{F0E27AC2-93DC-4F45-B449-2B837FDD12C8}"/>
-              </a:ext>
-            </a:extLst>
-          </p:cNvPr>
-          <p:cNvSpPr txBox="1"/>
-          <p:nvPr/>
-        </p:nvSpPr>
-        <p:spPr>
-          <a:xfrm>
-            <a:off x="977756" y="4602822"/>
-            <a:ext cx="1797977" cy="369332"/>
-          </a:xfrm>
-          <a:prstGeom prst="rect">
-            <a:avLst/>
-          </a:prstGeom>
-          <a:noFill/>
-          <a:ln>
-            <a:solidFill>
-              <a:schemeClr val="accent1"/>
-            </a:solidFill>
-          </a:ln>
-        </p:spPr>
-        <p:txBody>
-          <a:bodyPr wrap="square" rtlCol="0">
-            <a:spAutoFit/>
-          </a:bodyPr>
-          <a:lstStyle/>
-          <a:p>
-            <a:r>
-              <a:rPr kumimoji="1" lang="ja-JP" altLang="en-US" dirty="0"/>
-              <a:t>メインページ</a:t>
-            </a:r>
-          </a:p>
-        </p:txBody>
-      </p:sp>
-      <p:cxnSp>
-        <p:nvCxnSpPr>
-          <p:cNvPr id="23" name="直線矢印コネクタ 22">
-            <a:extLst>
-              <a:ext uri="{FF2B5EF4-FFF2-40B4-BE49-F238E27FC236}">
-                <a16:creationId xmlns:a16="http://schemas.microsoft.com/office/drawing/2014/main" id="{AF75747C-647A-4CC0-AC4C-E20DE2BB4B72}"/>
-              </a:ext>
-            </a:extLst>
-          </p:cNvPr>
-          <p:cNvCxnSpPr>
-            <a:stCxn id="22" idx="3"/>
-          </p:cNvCxnSpPr>
-          <p:nvPr/>
-        </p:nvCxnSpPr>
-        <p:spPr>
-          <a:xfrm flipV="1">
-            <a:off x="2775733" y="4756935"/>
-            <a:ext cx="1695237" cy="30553"/>
-          </a:xfrm>
-          <a:prstGeom prst="straightConnector1">
-            <a:avLst/>
-          </a:prstGeom>
-          <a:ln>
-            <a:tailEnd type="triangle"/>
-          </a:ln>
-        </p:spPr>
-        <p:style>
-          <a:lnRef idx="1">
-            <a:schemeClr val="accent1"/>
-          </a:lnRef>
-          <a:fillRef idx="0">
-            <a:schemeClr val="accent1"/>
-          </a:fillRef>
-          <a:effectRef idx="0">
-            <a:schemeClr val="accent1"/>
-          </a:effectRef>
-          <a:fontRef idx="minor">
-            <a:schemeClr val="tx1"/>
-          </a:fontRef>
-        </p:style>
-      </p:cxnSp>
-      <p:sp>
-        <p:nvSpPr>
-          <p:cNvPr id="24" name="テキスト ボックス 23">
-            <a:extLst>
-              <a:ext uri="{FF2B5EF4-FFF2-40B4-BE49-F238E27FC236}">
-                <a16:creationId xmlns:a16="http://schemas.microsoft.com/office/drawing/2014/main" id="{CC0AAAA5-0F93-4419-92DE-D425373B7232}"/>
-              </a:ext>
-            </a:extLst>
-          </p:cNvPr>
-          <p:cNvSpPr txBox="1"/>
-          <p:nvPr/>
-        </p:nvSpPr>
-        <p:spPr>
-          <a:xfrm>
-            <a:off x="4491518" y="4611384"/>
-            <a:ext cx="1797977" cy="369332"/>
-          </a:xfrm>
-          <a:prstGeom prst="rect">
-            <a:avLst/>
-          </a:prstGeom>
-          <a:noFill/>
-          <a:ln>
-            <a:solidFill>
-              <a:schemeClr val="accent1"/>
-            </a:solidFill>
-          </a:ln>
-        </p:spPr>
-        <p:txBody>
-          <a:bodyPr wrap="square" rtlCol="0">
-            <a:spAutoFit/>
-          </a:bodyPr>
-          <a:lstStyle/>
-          <a:p>
-            <a:r>
-              <a:rPr lang="ja-JP" altLang="en-US" dirty="0"/>
-              <a:t>管理ページ</a:t>
-            </a:r>
-            <a:endParaRPr kumimoji="1" lang="ja-JP" altLang="en-US" dirty="0"/>
-          </a:p>
-        </p:txBody>
-      </p:sp>
-      <p:cxnSp>
-        <p:nvCxnSpPr>
-          <p:cNvPr id="25" name="直線矢印コネクタ 24">
-            <a:extLst>
-              <a:ext uri="{FF2B5EF4-FFF2-40B4-BE49-F238E27FC236}">
-                <a16:creationId xmlns:a16="http://schemas.microsoft.com/office/drawing/2014/main" id="{8AD709DD-EF81-4163-8257-DF335AC7A957}"/>
-              </a:ext>
-            </a:extLst>
-          </p:cNvPr>
-          <p:cNvCxnSpPr/>
-          <p:nvPr/>
-        </p:nvCxnSpPr>
-        <p:spPr>
-          <a:xfrm flipV="1">
-            <a:off x="6310043" y="4715570"/>
-            <a:ext cx="1695237" cy="30553"/>
-          </a:xfrm>
-          <a:prstGeom prst="straightConnector1">
-            <a:avLst/>
-          </a:prstGeom>
-          <a:ln>
-            <a:tailEnd type="triangle"/>
-          </a:ln>
-        </p:spPr>
-        <p:style>
-          <a:lnRef idx="1">
-            <a:schemeClr val="accent1"/>
-          </a:lnRef>
-          <a:fillRef idx="0">
-            <a:schemeClr val="accent1"/>
-          </a:fillRef>
-          <a:effectRef idx="0">
-            <a:schemeClr val="accent1"/>
-          </a:effectRef>
-          <a:fontRef idx="minor">
-            <a:schemeClr val="tx1"/>
-          </a:fontRef>
-        </p:style>
-      </p:cxnSp>
-      <p:sp>
-        <p:nvSpPr>
-          <p:cNvPr id="26" name="テキスト ボックス 25">
-            <a:extLst>
-              <a:ext uri="{FF2B5EF4-FFF2-40B4-BE49-F238E27FC236}">
-                <a16:creationId xmlns:a16="http://schemas.microsoft.com/office/drawing/2014/main" id="{A8AE6FF9-6EE5-4EA5-98E3-6C83EC4D02FC}"/>
-              </a:ext>
-            </a:extLst>
-          </p:cNvPr>
-          <p:cNvSpPr txBox="1"/>
-          <p:nvPr/>
-        </p:nvSpPr>
-        <p:spPr>
-          <a:xfrm>
-            <a:off x="8025828" y="4546180"/>
-            <a:ext cx="1797977" cy="369332"/>
-          </a:xfrm>
-          <a:prstGeom prst="rect">
-            <a:avLst/>
-          </a:prstGeom>
-          <a:noFill/>
-          <a:ln>
-            <a:solidFill>
-              <a:schemeClr val="accent1"/>
-            </a:solidFill>
-          </a:ln>
-        </p:spPr>
-        <p:txBody>
-          <a:bodyPr wrap="square" rtlCol="0">
-            <a:spAutoFit/>
-          </a:bodyPr>
-          <a:lstStyle/>
-          <a:p>
-            <a:r>
-              <a:rPr lang="ja-JP" altLang="en-US" dirty="0"/>
-              <a:t>登録ページ</a:t>
-            </a:r>
-            <a:endParaRPr kumimoji="1" lang="ja-JP" altLang="en-US" dirty="0"/>
-          </a:p>
-        </p:txBody>
-      </p:sp>
-      <p:cxnSp>
-        <p:nvCxnSpPr>
-          <p:cNvPr id="27" name="コネクタ: カギ線 26">
-            <a:extLst>
-              <a:ext uri="{FF2B5EF4-FFF2-40B4-BE49-F238E27FC236}">
-                <a16:creationId xmlns:a16="http://schemas.microsoft.com/office/drawing/2014/main" id="{1D3260C7-EF27-4861-877C-F3512EDE2E40}"/>
-              </a:ext>
-            </a:extLst>
-          </p:cNvPr>
-          <p:cNvCxnSpPr>
-            <a:cxnSpLocks/>
-            <a:stCxn id="24" idx="2"/>
-          </p:cNvCxnSpPr>
-          <p:nvPr/>
-        </p:nvCxnSpPr>
-        <p:spPr>
-          <a:xfrm rot="16200000" flipH="1">
-            <a:off x="6287649" y="4083573"/>
-            <a:ext cx="841037" cy="2635321"/>
-          </a:xfrm>
-          <a:prstGeom prst="bentConnector2">
-            <a:avLst/>
-          </a:prstGeom>
-          <a:ln>
-            <a:tailEnd type="triangle"/>
-          </a:ln>
-        </p:spPr>
-        <p:style>
-          <a:lnRef idx="1">
-            <a:schemeClr val="accent1"/>
-          </a:lnRef>
-          <a:fillRef idx="0">
-            <a:schemeClr val="accent1"/>
-          </a:fillRef>
-          <a:effectRef idx="0">
-            <a:schemeClr val="accent1"/>
-          </a:effectRef>
-          <a:fontRef idx="minor">
-            <a:schemeClr val="tx1"/>
-          </a:fontRef>
-        </p:style>
-      </p:cxnSp>
-      <p:cxnSp>
-        <p:nvCxnSpPr>
-          <p:cNvPr id="28" name="直線矢印コネクタ 27">
-            <a:extLst>
-              <a:ext uri="{FF2B5EF4-FFF2-40B4-BE49-F238E27FC236}">
-                <a16:creationId xmlns:a16="http://schemas.microsoft.com/office/drawing/2014/main" id="{94F78C04-1EB3-47C8-8168-1F08E75EF618}"/>
-              </a:ext>
-            </a:extLst>
-          </p:cNvPr>
-          <p:cNvCxnSpPr>
-            <a:stCxn id="26" idx="2"/>
-          </p:cNvCxnSpPr>
-          <p:nvPr/>
-        </p:nvCxnSpPr>
-        <p:spPr>
-          <a:xfrm>
-            <a:off x="8924817" y="4915512"/>
-            <a:ext cx="0" cy="721575"/>
-          </a:xfrm>
-          <a:prstGeom prst="straightConnector1">
-            <a:avLst/>
-          </a:prstGeom>
-          <a:ln>
-            <a:tailEnd type="triangle"/>
-          </a:ln>
-        </p:spPr>
-        <p:style>
-          <a:lnRef idx="1">
-            <a:schemeClr val="accent1"/>
-          </a:lnRef>
-          <a:fillRef idx="0">
-            <a:schemeClr val="accent1"/>
-          </a:fillRef>
-          <a:effectRef idx="0">
-            <a:schemeClr val="accent1"/>
-          </a:effectRef>
-          <a:fontRef idx="minor">
-            <a:schemeClr val="tx1"/>
-          </a:fontRef>
-        </p:style>
-      </p:cxnSp>
-      <p:sp>
-        <p:nvSpPr>
-          <p:cNvPr id="29" name="テキスト ボックス 28">
-            <a:extLst>
-              <a:ext uri="{FF2B5EF4-FFF2-40B4-BE49-F238E27FC236}">
-                <a16:creationId xmlns:a16="http://schemas.microsoft.com/office/drawing/2014/main" id="{CDD9AA60-6AFE-4F9D-97EB-89F337BA4AAB}"/>
-              </a:ext>
-            </a:extLst>
-          </p:cNvPr>
-          <p:cNvSpPr txBox="1"/>
-          <p:nvPr/>
-        </p:nvSpPr>
-        <p:spPr>
-          <a:xfrm>
-            <a:off x="904125" y="3583968"/>
-            <a:ext cx="1797977" cy="707886"/>
-          </a:xfrm>
-          <a:prstGeom prst="rect">
-            <a:avLst/>
-          </a:prstGeom>
-          <a:noFill/>
-        </p:spPr>
-        <p:txBody>
-          <a:bodyPr wrap="square" rtlCol="0">
-            <a:spAutoFit/>
-          </a:bodyPr>
-          <a:lstStyle/>
-          <a:p>
-            <a:r>
-              <a:rPr kumimoji="1" lang="en-US" altLang="ja-JP" sz="4000" dirty="0"/>
-              <a:t>A</a:t>
-            </a:r>
-            <a:endParaRPr kumimoji="1" lang="ja-JP" altLang="en-US" sz="4000" dirty="0"/>
-          </a:p>
-        </p:txBody>
-      </p:sp>
-      <p:sp>
-        <p:nvSpPr>
-          <p:cNvPr id="30" name="テキスト ボックス 29">
-            <a:extLst>
-              <a:ext uri="{FF2B5EF4-FFF2-40B4-BE49-F238E27FC236}">
-                <a16:creationId xmlns:a16="http://schemas.microsoft.com/office/drawing/2014/main" id="{403D7625-468F-44C9-AC41-6D810173AC92}"/>
-              </a:ext>
-            </a:extLst>
-          </p:cNvPr>
-          <p:cNvSpPr txBox="1"/>
-          <p:nvPr/>
-        </p:nvSpPr>
-        <p:spPr>
-          <a:xfrm>
-            <a:off x="7952197" y="5637087"/>
-            <a:ext cx="1797977" cy="369332"/>
-          </a:xfrm>
-          <a:prstGeom prst="rect">
-            <a:avLst/>
-          </a:prstGeom>
-          <a:noFill/>
-          <a:ln>
-            <a:solidFill>
-              <a:schemeClr val="accent1"/>
-            </a:solidFill>
-          </a:ln>
-        </p:spPr>
-        <p:txBody>
-          <a:bodyPr wrap="square" rtlCol="0">
-            <a:spAutoFit/>
-          </a:bodyPr>
-          <a:lstStyle/>
-          <a:p>
-            <a:r>
-              <a:rPr lang="ja-JP" altLang="en-US" dirty="0"/>
-              <a:t>登録出力ページ</a:t>
-            </a:r>
-            <a:endParaRPr kumimoji="1" lang="ja-JP" altLang="en-US" dirty="0"/>
-          </a:p>
-        </p:txBody>
-      </p:sp>
-      <p:sp>
-        <p:nvSpPr>
-          <p:cNvPr id="31" name="テキスト ボックス 30">
-            <a:extLst>
-              <a:ext uri="{FF2B5EF4-FFF2-40B4-BE49-F238E27FC236}">
-                <a16:creationId xmlns:a16="http://schemas.microsoft.com/office/drawing/2014/main" id="{07086B72-73EA-42B6-B333-96C9F4271EAF}"/>
-              </a:ext>
-            </a:extLst>
-          </p:cNvPr>
-          <p:cNvSpPr txBox="1"/>
-          <p:nvPr/>
-        </p:nvSpPr>
-        <p:spPr>
-          <a:xfrm>
-            <a:off x="2013735" y="441789"/>
-            <a:ext cx="4082265" cy="369332"/>
-          </a:xfrm>
-          <a:prstGeom prst="rect">
-            <a:avLst/>
-          </a:prstGeom>
-          <a:noFill/>
-        </p:spPr>
-        <p:txBody>
-          <a:bodyPr wrap="square" rtlCol="0">
-            <a:spAutoFit/>
-          </a:bodyPr>
-          <a:lstStyle/>
-          <a:p>
-            <a:r>
-              <a:rPr kumimoji="1" lang="ja-JP" altLang="en-US" dirty="0"/>
-              <a:t>管理ページはカレンダーのあるページ</a:t>
-            </a:r>
-          </a:p>
-        </p:txBody>
-      </p:sp>
-      <p:sp>
-        <p:nvSpPr>
-          <p:cNvPr id="32" name="正方形/長方形 31">
-            <a:extLst>
-              <a:ext uri="{FF2B5EF4-FFF2-40B4-BE49-F238E27FC236}">
-                <a16:creationId xmlns:a16="http://schemas.microsoft.com/office/drawing/2014/main" id="{AFB96BE4-A43A-430F-A8F8-FE1A863980AF}"/>
-              </a:ext>
-            </a:extLst>
-          </p:cNvPr>
-          <p:cNvSpPr/>
-          <p:nvPr/>
-        </p:nvSpPr>
-        <p:spPr>
-          <a:xfrm>
-            <a:off x="452063" y="441789"/>
-            <a:ext cx="10835812" cy="3076977"/>
-          </a:xfrm>
-          <a:prstGeom prst="rect">
-            <a:avLst/>
-          </a:prstGeom>
-          <a:noFill/>
+          <a:ln w="57150"/>
         </p:spPr>
         <p:style>
           <a:lnRef idx="2">
@@ -6564,12 +6400,289 @@
           </a:p>
         </p:txBody>
       </p:sp>
+      <p:cxnSp>
+        <p:nvCxnSpPr>
+          <p:cNvPr id="11" name="直線コネクタ 10">
+            <a:extLst>
+              <a:ext uri="{FF2B5EF4-FFF2-40B4-BE49-F238E27FC236}">
+                <a16:creationId xmlns:a16="http://schemas.microsoft.com/office/drawing/2014/main" id="{A8C310A0-5E9F-484F-9763-3CA50CF99089}"/>
+              </a:ext>
+            </a:extLst>
+          </p:cNvPr>
+          <p:cNvCxnSpPr/>
+          <p:nvPr/>
+        </p:nvCxnSpPr>
+        <p:spPr>
+          <a:xfrm>
+            <a:off x="1171254" y="1849348"/>
+            <a:ext cx="9965933" cy="0"/>
+          </a:xfrm>
+          <a:prstGeom prst="line">
+            <a:avLst/>
+          </a:prstGeom>
+          <a:ln w="38100"/>
+        </p:spPr>
+        <p:style>
+          <a:lnRef idx="1">
+            <a:schemeClr val="accent1"/>
+          </a:lnRef>
+          <a:fillRef idx="0">
+            <a:schemeClr val="accent1"/>
+          </a:fillRef>
+          <a:effectRef idx="0">
+            <a:schemeClr val="accent1"/>
+          </a:effectRef>
+          <a:fontRef idx="minor">
+            <a:schemeClr val="tx1"/>
+          </a:fontRef>
+        </p:style>
+      </p:cxnSp>
+      <p:sp>
+        <p:nvSpPr>
+          <p:cNvPr id="12" name="テキスト ボックス 11">
+            <a:extLst>
+              <a:ext uri="{FF2B5EF4-FFF2-40B4-BE49-F238E27FC236}">
+                <a16:creationId xmlns:a16="http://schemas.microsoft.com/office/drawing/2014/main" id="{69ED5589-DDD5-48C2-8EE0-B8A33CFD81F3}"/>
+              </a:ext>
+            </a:extLst>
+          </p:cNvPr>
+          <p:cNvSpPr txBox="1"/>
+          <p:nvPr/>
+        </p:nvSpPr>
+        <p:spPr>
+          <a:xfrm>
+            <a:off x="2835667" y="1385355"/>
+            <a:ext cx="3811712" cy="369332"/>
+          </a:xfrm>
+          <a:prstGeom prst="rect">
+            <a:avLst/>
+          </a:prstGeom>
+          <a:noFill/>
+        </p:spPr>
+        <p:txBody>
+          <a:bodyPr wrap="square" rtlCol="0">
+            <a:spAutoFit/>
+          </a:bodyPr>
+          <a:lstStyle/>
+          <a:p>
+            <a:pPr algn="ctr"/>
+            <a:r>
+              <a:rPr kumimoji="1" lang="ja-JP" altLang="en-US" dirty="0"/>
+              <a:t>ヘッダー</a:t>
+            </a:r>
+          </a:p>
+        </p:txBody>
+      </p:sp>
+      <p:cxnSp>
+        <p:nvCxnSpPr>
+          <p:cNvPr id="13" name="直線コネクタ 12">
+            <a:extLst>
+              <a:ext uri="{FF2B5EF4-FFF2-40B4-BE49-F238E27FC236}">
+                <a16:creationId xmlns:a16="http://schemas.microsoft.com/office/drawing/2014/main" id="{6C816E15-FC7B-4EE8-8030-37868A891D3A}"/>
+              </a:ext>
+            </a:extLst>
+          </p:cNvPr>
+          <p:cNvCxnSpPr/>
+          <p:nvPr/>
+        </p:nvCxnSpPr>
+        <p:spPr>
+          <a:xfrm>
+            <a:off x="1171254" y="5484687"/>
+            <a:ext cx="9965933" cy="0"/>
+          </a:xfrm>
+          <a:prstGeom prst="line">
+            <a:avLst/>
+          </a:prstGeom>
+          <a:ln w="38100"/>
+        </p:spPr>
+        <p:style>
+          <a:lnRef idx="1">
+            <a:schemeClr val="accent1"/>
+          </a:lnRef>
+          <a:fillRef idx="0">
+            <a:schemeClr val="accent1"/>
+          </a:fillRef>
+          <a:effectRef idx="0">
+            <a:schemeClr val="accent1"/>
+          </a:effectRef>
+          <a:fontRef idx="minor">
+            <a:schemeClr val="tx1"/>
+          </a:fontRef>
+        </p:style>
+      </p:cxnSp>
+      <p:sp>
+        <p:nvSpPr>
+          <p:cNvPr id="14" name="テキスト ボックス 13">
+            <a:extLst>
+              <a:ext uri="{FF2B5EF4-FFF2-40B4-BE49-F238E27FC236}">
+                <a16:creationId xmlns:a16="http://schemas.microsoft.com/office/drawing/2014/main" id="{16355F24-9725-4CA6-BA28-DA9D76289296}"/>
+              </a:ext>
+            </a:extLst>
+          </p:cNvPr>
+          <p:cNvSpPr txBox="1"/>
+          <p:nvPr/>
+        </p:nvSpPr>
+        <p:spPr>
+          <a:xfrm>
+            <a:off x="4190144" y="5579349"/>
+            <a:ext cx="3811712" cy="369332"/>
+          </a:xfrm>
+          <a:prstGeom prst="rect">
+            <a:avLst/>
+          </a:prstGeom>
+          <a:noFill/>
+        </p:spPr>
+        <p:txBody>
+          <a:bodyPr wrap="square" rtlCol="0">
+            <a:spAutoFit/>
+          </a:bodyPr>
+          <a:lstStyle/>
+          <a:p>
+            <a:pPr algn="ctr"/>
+            <a:r>
+              <a:rPr lang="ja-JP" altLang="en-US" dirty="0"/>
+              <a:t>フッター</a:t>
+            </a:r>
+            <a:endParaRPr kumimoji="1" lang="ja-JP" altLang="en-US" dirty="0"/>
+          </a:p>
+        </p:txBody>
+      </p:sp>
+      <p:sp>
+        <p:nvSpPr>
+          <p:cNvPr id="7" name="テキスト ボックス 6">
+            <a:extLst>
+              <a:ext uri="{FF2B5EF4-FFF2-40B4-BE49-F238E27FC236}">
+                <a16:creationId xmlns:a16="http://schemas.microsoft.com/office/drawing/2014/main" id="{2B3E02B6-5191-4768-808E-4AD145CA1A8C}"/>
+              </a:ext>
+            </a:extLst>
+          </p:cNvPr>
+          <p:cNvSpPr txBox="1"/>
+          <p:nvPr/>
+        </p:nvSpPr>
+        <p:spPr>
+          <a:xfrm>
+            <a:off x="4842552" y="2674705"/>
+            <a:ext cx="2301411" cy="1952090"/>
+          </a:xfrm>
+          <a:prstGeom prst="rect">
+            <a:avLst/>
+          </a:prstGeom>
+          <a:noFill/>
+          <a:ln w="38100">
+            <a:solidFill>
+              <a:srgbClr val="00B050"/>
+            </a:solidFill>
+          </a:ln>
+        </p:spPr>
+        <p:txBody>
+          <a:bodyPr wrap="square" rtlCol="0">
+            <a:noAutofit/>
+          </a:bodyPr>
+          <a:lstStyle/>
+          <a:p>
+            <a:r>
+              <a:rPr lang="ja-JP" altLang="en-US" dirty="0"/>
+              <a:t>カレンダー</a:t>
+            </a:r>
+            <a:endParaRPr lang="en-US" altLang="ja-JP" dirty="0"/>
+          </a:p>
+          <a:p>
+            <a:r>
+              <a:rPr lang="en-US" altLang="ja-JP" dirty="0"/>
+              <a:t>(</a:t>
+            </a:r>
+            <a:r>
+              <a:rPr lang="ja-JP" altLang="en-US" dirty="0"/>
+              <a:t>月かその日か？</a:t>
+            </a:r>
+            <a:r>
+              <a:rPr lang="en-US" altLang="ja-JP" dirty="0"/>
+              <a:t>)</a:t>
+            </a:r>
+            <a:endParaRPr kumimoji="1" lang="ja-JP" altLang="en-US" dirty="0"/>
+          </a:p>
+        </p:txBody>
+      </p:sp>
+      <p:sp>
+        <p:nvSpPr>
+          <p:cNvPr id="8" name="テキスト ボックス 7">
+            <a:extLst>
+              <a:ext uri="{FF2B5EF4-FFF2-40B4-BE49-F238E27FC236}">
+                <a16:creationId xmlns:a16="http://schemas.microsoft.com/office/drawing/2014/main" id="{06B67BA8-E3C5-4635-9784-CB0773E2FCFA}"/>
+              </a:ext>
+            </a:extLst>
+          </p:cNvPr>
+          <p:cNvSpPr txBox="1"/>
+          <p:nvPr/>
+        </p:nvSpPr>
+        <p:spPr>
+          <a:xfrm>
+            <a:off x="3986373" y="1866528"/>
+            <a:ext cx="3811712" cy="369332"/>
+          </a:xfrm>
+          <a:prstGeom prst="rect">
+            <a:avLst/>
+          </a:prstGeom>
+          <a:noFill/>
+        </p:spPr>
+        <p:txBody>
+          <a:bodyPr wrap="square" rtlCol="0">
+            <a:spAutoFit/>
+          </a:bodyPr>
+          <a:lstStyle/>
+          <a:p>
+            <a:pPr algn="ctr"/>
+            <a:r>
+              <a:rPr lang="ja-JP" altLang="en-US" dirty="0"/>
+              <a:t>メニューバー</a:t>
+            </a:r>
+            <a:endParaRPr kumimoji="1" lang="ja-JP" altLang="en-US" dirty="0"/>
+          </a:p>
+        </p:txBody>
+      </p:sp>
+      <p:cxnSp>
+        <p:nvCxnSpPr>
+          <p:cNvPr id="9" name="直線コネクタ 8">
+            <a:extLst>
+              <a:ext uri="{FF2B5EF4-FFF2-40B4-BE49-F238E27FC236}">
+                <a16:creationId xmlns:a16="http://schemas.microsoft.com/office/drawing/2014/main" id="{1A3D05D6-BABD-4293-9890-76E7D2C12ACA}"/>
+              </a:ext>
+            </a:extLst>
+          </p:cNvPr>
+          <p:cNvCxnSpPr/>
+          <p:nvPr/>
+        </p:nvCxnSpPr>
+        <p:spPr>
+          <a:xfrm>
+            <a:off x="1171254" y="2330521"/>
+            <a:ext cx="9965933" cy="0"/>
+          </a:xfrm>
+          <a:prstGeom prst="line">
+            <a:avLst/>
+          </a:prstGeom>
+          <a:ln w="38100"/>
+        </p:spPr>
+        <p:style>
+          <a:lnRef idx="1">
+            <a:schemeClr val="accent1"/>
+          </a:lnRef>
+          <a:fillRef idx="0">
+            <a:schemeClr val="accent1"/>
+          </a:fillRef>
+          <a:effectRef idx="0">
+            <a:schemeClr val="accent1"/>
+          </a:effectRef>
+          <a:fontRef idx="minor">
+            <a:schemeClr val="tx1"/>
+          </a:fontRef>
+        </p:style>
+      </p:cxnSp>
       <p:sp>
         <p:nvSpPr>
           <p:cNvPr id="3" name="スライド番号プレースホルダー 2">
             <a:extLst>
               <a:ext uri="{FF2B5EF4-FFF2-40B4-BE49-F238E27FC236}">
-                <a16:creationId xmlns:a16="http://schemas.microsoft.com/office/drawing/2014/main" id="{A31AD057-A9F9-42FD-A5D0-274275A659A6}"/>
+                <a16:creationId xmlns:a16="http://schemas.microsoft.com/office/drawing/2014/main" id="{DB8E4652-8BEA-49AF-8BF7-18EA382BB71A}"/>
               </a:ext>
             </a:extLst>
           </p:cNvPr>
@@ -6593,10 +6706,98 @@
           </a:p>
         </p:txBody>
       </p:sp>
+      <p:sp>
+        <p:nvSpPr>
+          <p:cNvPr id="15" name="テキスト ボックス 14">
+            <a:extLst>
+              <a:ext uri="{FF2B5EF4-FFF2-40B4-BE49-F238E27FC236}">
+                <a16:creationId xmlns:a16="http://schemas.microsoft.com/office/drawing/2014/main" id="{100AE17D-1A0A-4288-8EE7-9E1AE885A010}"/>
+              </a:ext>
+            </a:extLst>
+          </p:cNvPr>
+          <p:cNvSpPr txBox="1"/>
+          <p:nvPr/>
+        </p:nvSpPr>
+        <p:spPr>
+          <a:xfrm>
+            <a:off x="558139" y="358743"/>
+            <a:ext cx="6923316" cy="800219"/>
+          </a:xfrm>
+          <a:prstGeom prst="rect">
+            <a:avLst/>
+          </a:prstGeom>
+          <a:noFill/>
+        </p:spPr>
+        <p:txBody>
+          <a:bodyPr wrap="square" rtlCol="0">
+            <a:spAutoFit/>
+          </a:bodyPr>
+          <a:lstStyle/>
+          <a:p>
+            <a:r>
+              <a:rPr lang="en-US" altLang="zh-TW" sz="2800" kern="50" dirty="0">
+                <a:latin typeface="Times New Roman" panose="02020603050405020304" pitchFamily="18" charset="0"/>
+                <a:ea typeface="ＭＳ ゴシック" panose="020B0609070205080204" pitchFamily="49" charset="-128"/>
+                <a:cs typeface="Mangal" panose="02040503050203030202" pitchFamily="18" charset="0"/>
+              </a:rPr>
+              <a:t>5.0 </a:t>
+            </a:r>
+            <a:r>
+              <a:rPr lang="zh-TW" altLang="en-US" sz="2800" kern="50" dirty="0">
+                <a:effectLst/>
+                <a:latin typeface="Times New Roman" panose="02020603050405020304" pitchFamily="18" charset="0"/>
+                <a:ea typeface="ＭＳ ゴシック" panose="020B0609070205080204" pitchFamily="49" charset="-128"/>
+                <a:cs typeface="Mangal" panose="02040503050203030202" pitchFamily="18" charset="0"/>
+              </a:rPr>
+              <a:t>食事、食費管理</a:t>
+            </a:r>
+            <a:r>
+              <a:rPr lang="ja-JP" altLang="en-US" sz="2800" kern="50" dirty="0">
+                <a:effectLst/>
+                <a:latin typeface="Times New Roman" panose="02020603050405020304" pitchFamily="18" charset="0"/>
+                <a:ea typeface="ＭＳ ゴシック" panose="020B0609070205080204" pitchFamily="49" charset="-128"/>
+                <a:cs typeface="Mangal" panose="02040503050203030202" pitchFamily="18" charset="0"/>
+              </a:rPr>
+              <a:t>ページ</a:t>
+            </a:r>
+            <a:r>
+              <a:rPr lang="en-US" altLang="ja-JP" sz="2800" kern="50" dirty="0">
+                <a:effectLst/>
+                <a:latin typeface="Times New Roman" panose="02020603050405020304" pitchFamily="18" charset="0"/>
+                <a:ea typeface="ＭＳ ゴシック" panose="020B0609070205080204" pitchFamily="49" charset="-128"/>
+                <a:cs typeface="Mangal" panose="02040503050203030202" pitchFamily="18" charset="0"/>
+              </a:rPr>
+              <a:t>(</a:t>
+            </a:r>
+            <a:r>
+              <a:rPr lang="ja-JP" altLang="en-US" sz="2800" kern="50" dirty="0">
+                <a:effectLst/>
+                <a:latin typeface="Times New Roman" panose="02020603050405020304" pitchFamily="18" charset="0"/>
+                <a:ea typeface="ＭＳ ゴシック" panose="020B0609070205080204" pitchFamily="49" charset="-128"/>
+                <a:cs typeface="Mangal" panose="02040503050203030202" pitchFamily="18" charset="0"/>
+              </a:rPr>
+              <a:t>カレンダー</a:t>
+            </a:r>
+            <a:r>
+              <a:rPr lang="en-US" altLang="ja-JP" sz="2800" kern="50" dirty="0">
+                <a:effectLst/>
+                <a:latin typeface="Times New Roman" panose="02020603050405020304" pitchFamily="18" charset="0"/>
+                <a:ea typeface="ＭＳ ゴシック" panose="020B0609070205080204" pitchFamily="49" charset="-128"/>
+                <a:cs typeface="Mangal" panose="02040503050203030202" pitchFamily="18" charset="0"/>
+              </a:rPr>
+              <a:t>)</a:t>
+            </a:r>
+            <a:endParaRPr kumimoji="1" lang="ja-JP" altLang="en-US" dirty="0"/>
+          </a:p>
+          <a:p>
+            <a:endParaRPr kumimoji="1" lang="ja-JP" altLang="en-US" dirty="0"/>
+          </a:p>
+        </p:txBody>
+      </p:sp>
     </p:spTree>
     <p:extLst>
       <p:ext uri="{BB962C8B-B14F-4D97-AF65-F5344CB8AC3E}">
-        <p14:creationId xmlns:p14="http://schemas.microsoft.com/office/powerpoint/2010/main" val="2726363637"/>
+        <p14:creationId xmlns:p14="http://schemas.microsoft.com/office/powerpoint/2010/main" val="1516424337"/>
       </p:ext>
     </p:extLst>
   </p:cSld>
@@ -6628,7 +6829,7 @@
           <p:cNvPr id="4" name="正方形/長方形 3">
             <a:extLst>
               <a:ext uri="{FF2B5EF4-FFF2-40B4-BE49-F238E27FC236}">
-                <a16:creationId xmlns:a16="http://schemas.microsoft.com/office/drawing/2014/main" id="{27ED228B-B880-4301-96EF-93ED3C3E94DA}"/>
+                <a16:creationId xmlns:a16="http://schemas.microsoft.com/office/drawing/2014/main" id="{3C6D8A53-A15A-4049-A4FA-75411757CE14}"/>
               </a:ext>
             </a:extLst>
           </p:cNvPr>
@@ -6676,7 +6877,7 @@
           <p:cNvPr id="11" name="直線コネクタ 10">
             <a:extLst>
               <a:ext uri="{FF2B5EF4-FFF2-40B4-BE49-F238E27FC236}">
-                <a16:creationId xmlns:a16="http://schemas.microsoft.com/office/drawing/2014/main" id="{29E32288-CB64-42B9-A8F0-B1FE888D765F}"/>
+                <a16:creationId xmlns:a16="http://schemas.microsoft.com/office/drawing/2014/main" id="{A8C310A0-5E9F-484F-9763-3CA50CF99089}"/>
               </a:ext>
             </a:extLst>
           </p:cNvPr>
@@ -6713,7 +6914,7 @@
           <p:cNvPr id="12" name="テキスト ボックス 11">
             <a:extLst>
               <a:ext uri="{FF2B5EF4-FFF2-40B4-BE49-F238E27FC236}">
-                <a16:creationId xmlns:a16="http://schemas.microsoft.com/office/drawing/2014/main" id="{9B04BE3B-F41E-4399-9767-4678CEE9671F}"/>
+                <a16:creationId xmlns:a16="http://schemas.microsoft.com/office/drawing/2014/main" id="{69ED5589-DDD5-48C2-8EE0-B8A33CFD81F3}"/>
               </a:ext>
             </a:extLst>
           </p:cNvPr>
@@ -6722,7 +6923,7 @@
         </p:nvSpPr>
         <p:spPr>
           <a:xfrm>
-            <a:off x="3986373" y="1866528"/>
+            <a:off x="2835667" y="1385355"/>
             <a:ext cx="3811712" cy="369332"/>
           </a:xfrm>
           <a:prstGeom prst="rect">
@@ -6738,19 +6939,18 @@
           <a:p>
             <a:pPr algn="ctr"/>
             <a:r>
-              <a:rPr lang="ja-JP" altLang="en-US" dirty="0"/>
-              <a:t>メニューバー</a:t>
-            </a:r>
-            <a:endParaRPr kumimoji="1" lang="ja-JP" altLang="en-US" dirty="0"/>
+              <a:rPr kumimoji="1" lang="ja-JP" altLang="en-US" dirty="0"/>
+              <a:t>ヘッダー</a:t>
+            </a:r>
           </a:p>
         </p:txBody>
       </p:sp>
       <p:cxnSp>
         <p:nvCxnSpPr>
-          <p:cNvPr id="15" name="直線コネクタ 14">
-            <a:extLst>
-              <a:ext uri="{FF2B5EF4-FFF2-40B4-BE49-F238E27FC236}">
-                <a16:creationId xmlns:a16="http://schemas.microsoft.com/office/drawing/2014/main" id="{0031865C-53E6-40DF-A119-F179FA0ED75B}"/>
+          <p:cNvPr id="13" name="直線コネクタ 12">
+            <a:extLst>
+              <a:ext uri="{FF2B5EF4-FFF2-40B4-BE49-F238E27FC236}">
+                <a16:creationId xmlns:a16="http://schemas.microsoft.com/office/drawing/2014/main" id="{6C816E15-FC7B-4EE8-8030-37868A891D3A}"/>
               </a:ext>
             </a:extLst>
           </p:cNvPr>
@@ -6784,10 +6984,10 @@
       </p:cxnSp>
       <p:sp>
         <p:nvSpPr>
-          <p:cNvPr id="17" name="テキスト ボックス 16">
-            <a:extLst>
-              <a:ext uri="{FF2B5EF4-FFF2-40B4-BE49-F238E27FC236}">
-                <a16:creationId xmlns:a16="http://schemas.microsoft.com/office/drawing/2014/main" id="{875D9250-3F14-4CCC-A0E1-8FFA238ECB18}"/>
+          <p:cNvPr id="14" name="テキスト ボックス 13">
+            <a:extLst>
+              <a:ext uri="{FF2B5EF4-FFF2-40B4-BE49-F238E27FC236}">
+                <a16:creationId xmlns:a16="http://schemas.microsoft.com/office/drawing/2014/main" id="{16355F24-9725-4CA6-BA28-DA9D76289296}"/>
               </a:ext>
             </a:extLst>
           </p:cNvPr>
@@ -6819,12 +7019,90 @@
           </a:p>
         </p:txBody>
       </p:sp>
+      <p:sp>
+        <p:nvSpPr>
+          <p:cNvPr id="7" name="テキスト ボックス 6">
+            <a:extLst>
+              <a:ext uri="{FF2B5EF4-FFF2-40B4-BE49-F238E27FC236}">
+                <a16:creationId xmlns:a16="http://schemas.microsoft.com/office/drawing/2014/main" id="{2B3E02B6-5191-4768-808E-4AD145CA1A8C}"/>
+              </a:ext>
+            </a:extLst>
+          </p:cNvPr>
+          <p:cNvSpPr txBox="1"/>
+          <p:nvPr/>
+        </p:nvSpPr>
+        <p:spPr>
+          <a:xfrm>
+            <a:off x="4945294" y="2726076"/>
+            <a:ext cx="2301411" cy="702920"/>
+          </a:xfrm>
+          <a:prstGeom prst="rect">
+            <a:avLst/>
+          </a:prstGeom>
+          <a:noFill/>
+          <a:ln w="38100">
+            <a:solidFill>
+              <a:schemeClr val="accent4"/>
+            </a:solidFill>
+          </a:ln>
+        </p:spPr>
+        <p:txBody>
+          <a:bodyPr wrap="square" rtlCol="0">
+            <a:noAutofit/>
+          </a:bodyPr>
+          <a:lstStyle/>
+          <a:p>
+            <a:r>
+              <a:rPr lang="ja-JP" altLang="en-US" dirty="0"/>
+              <a:t>結果出力</a:t>
+            </a:r>
+            <a:endParaRPr lang="en-US" altLang="ja-JP" dirty="0"/>
+          </a:p>
+        </p:txBody>
+      </p:sp>
+      <p:sp>
+        <p:nvSpPr>
+          <p:cNvPr id="8" name="テキスト ボックス 7">
+            <a:extLst>
+              <a:ext uri="{FF2B5EF4-FFF2-40B4-BE49-F238E27FC236}">
+                <a16:creationId xmlns:a16="http://schemas.microsoft.com/office/drawing/2014/main" id="{06B67BA8-E3C5-4635-9784-CB0773E2FCFA}"/>
+              </a:ext>
+            </a:extLst>
+          </p:cNvPr>
+          <p:cNvSpPr txBox="1"/>
+          <p:nvPr/>
+        </p:nvSpPr>
+        <p:spPr>
+          <a:xfrm>
+            <a:off x="3986373" y="1866528"/>
+            <a:ext cx="3811712" cy="369332"/>
+          </a:xfrm>
+          <a:prstGeom prst="rect">
+            <a:avLst/>
+          </a:prstGeom>
+          <a:noFill/>
+        </p:spPr>
+        <p:txBody>
+          <a:bodyPr wrap="square" rtlCol="0">
+            <a:spAutoFit/>
+          </a:bodyPr>
+          <a:lstStyle/>
+          <a:p>
+            <a:pPr algn="ctr"/>
+            <a:r>
+              <a:rPr lang="ja-JP" altLang="en-US" dirty="0"/>
+              <a:t>メニューバー</a:t>
+            </a:r>
+            <a:endParaRPr kumimoji="1" lang="ja-JP" altLang="en-US" dirty="0"/>
+          </a:p>
+        </p:txBody>
+      </p:sp>
       <p:cxnSp>
         <p:nvCxnSpPr>
-          <p:cNvPr id="13" name="直線コネクタ 12">
-            <a:extLst>
-              <a:ext uri="{FF2B5EF4-FFF2-40B4-BE49-F238E27FC236}">
-                <a16:creationId xmlns:a16="http://schemas.microsoft.com/office/drawing/2014/main" id="{D3105F0F-41D4-46A9-9AFB-411DD1FB0212}"/>
+          <p:cNvPr id="9" name="直線コネクタ 8">
+            <a:extLst>
+              <a:ext uri="{FF2B5EF4-FFF2-40B4-BE49-F238E27FC236}">
+                <a16:creationId xmlns:a16="http://schemas.microsoft.com/office/drawing/2014/main" id="{1A3D05D6-BABD-4293-9890-76E7D2C12ACA}"/>
               </a:ext>
             </a:extLst>
           </p:cNvPr>
@@ -6858,10 +7136,10 @@
       </p:cxnSp>
       <p:sp>
         <p:nvSpPr>
-          <p:cNvPr id="14" name="テキスト ボックス 13">
-            <a:extLst>
-              <a:ext uri="{FF2B5EF4-FFF2-40B4-BE49-F238E27FC236}">
-                <a16:creationId xmlns:a16="http://schemas.microsoft.com/office/drawing/2014/main" id="{0112ACB5-88B9-448E-A17F-6BBAE282D98D}"/>
+          <p:cNvPr id="10" name="テキスト ボックス 9">
+            <a:extLst>
+              <a:ext uri="{FF2B5EF4-FFF2-40B4-BE49-F238E27FC236}">
+                <a16:creationId xmlns:a16="http://schemas.microsoft.com/office/drawing/2014/main" id="{D6F703FD-90C7-4B3C-A9DA-1E1A8666944B}"/>
               </a:ext>
             </a:extLst>
           </p:cNvPr>
@@ -6870,44 +7148,8 @@
         </p:nvSpPr>
         <p:spPr>
           <a:xfrm>
-            <a:off x="4138773" y="1388478"/>
-            <a:ext cx="3811712" cy="369332"/>
-          </a:xfrm>
-          <a:prstGeom prst="rect">
-            <a:avLst/>
-          </a:prstGeom>
-          <a:noFill/>
-        </p:spPr>
-        <p:txBody>
-          <a:bodyPr wrap="square" rtlCol="0">
-            <a:spAutoFit/>
-          </a:bodyPr>
-          <a:lstStyle/>
-          <a:p>
-            <a:pPr algn="ctr"/>
-            <a:r>
-              <a:rPr kumimoji="1" lang="ja-JP" altLang="en-US" dirty="0"/>
-              <a:t>ヘッダー</a:t>
-            </a:r>
-          </a:p>
-        </p:txBody>
-      </p:sp>
-      <p:sp>
-        <p:nvSpPr>
-          <p:cNvPr id="16" name="テキスト ボックス 15">
-            <a:extLst>
-              <a:ext uri="{FF2B5EF4-FFF2-40B4-BE49-F238E27FC236}">
-                <a16:creationId xmlns:a16="http://schemas.microsoft.com/office/drawing/2014/main" id="{CC1773B3-13E2-4E6C-81CB-0C0F69208EC3}"/>
-              </a:ext>
-            </a:extLst>
-          </p:cNvPr>
-          <p:cNvSpPr txBox="1"/>
-          <p:nvPr/>
-        </p:nvSpPr>
-        <p:spPr>
-          <a:xfrm>
-            <a:off x="4536040" y="2615677"/>
-            <a:ext cx="3017177" cy="2583855"/>
+            <a:off x="4945293" y="4034753"/>
+            <a:ext cx="2301411" cy="702920"/>
           </a:xfrm>
           <a:prstGeom prst="rect">
             <a:avLst/>
@@ -6927,25 +7169,14 @@
           <a:p>
             <a:r>
               <a:rPr lang="ja-JP" altLang="en-US" dirty="0"/>
-              <a:t>カレンダー</a:t>
+              <a:t>登録項目</a:t>
+            </a:r>
+            <a:r>
+              <a:rPr lang="en-US" altLang="ja-JP" dirty="0" err="1"/>
+              <a:t>etc</a:t>
             </a:r>
             <a:endParaRPr lang="en-US" altLang="ja-JP" dirty="0"/>
           </a:p>
-          <a:p>
-            <a:r>
-              <a:rPr lang="en-US" altLang="ja-JP" dirty="0"/>
-              <a:t>(</a:t>
-            </a:r>
-            <a:r>
-              <a:rPr lang="ja-JP" altLang="en-US" dirty="0"/>
-              <a:t>月かその日か？</a:t>
-            </a:r>
-            <a:r>
-              <a:rPr lang="en-US" altLang="ja-JP" dirty="0"/>
-              <a:t>)</a:t>
-            </a:r>
-            <a:endParaRPr kumimoji="1" lang="ja-JP" altLang="en-US" dirty="0"/>
-          </a:p>
         </p:txBody>
       </p:sp>
       <p:sp>
@@ -6953,7 +7184,7 @@
           <p:cNvPr id="3" name="スライド番号プレースホルダー 2">
             <a:extLst>
               <a:ext uri="{FF2B5EF4-FFF2-40B4-BE49-F238E27FC236}">
-                <a16:creationId xmlns:a16="http://schemas.microsoft.com/office/drawing/2014/main" id="{74926349-F251-4E0E-9E45-A2979A88802B}"/>
+                <a16:creationId xmlns:a16="http://schemas.microsoft.com/office/drawing/2014/main" id="{4752432C-3D52-455B-A112-F547966F9941}"/>
               </a:ext>
             </a:extLst>
           </p:cNvPr>
@@ -6977,142 +7208,27 @@
           </a:p>
         </p:txBody>
       </p:sp>
-    </p:spTree>
-    <p:extLst>
-      <p:ext uri="{BB962C8B-B14F-4D97-AF65-F5344CB8AC3E}">
-        <p14:creationId xmlns:p14="http://schemas.microsoft.com/office/powerpoint/2010/main" val="1771970178"/>
-      </p:ext>
-    </p:extLst>
-  </p:cSld>
-  <p:clrMapOvr>
-    <a:masterClrMapping/>
-  </p:clrMapOvr>
-</p:sld>
-</file>
-
-<file path=ppt/slides/slide13.xml><?xml version="1.0" encoding="utf-8"?>
-<p:sld xmlns:a="http://schemas.openxmlformats.org/drawingml/2006/main" xmlns:r="http://schemas.openxmlformats.org/officeDocument/2006/relationships" xmlns:p="http://schemas.openxmlformats.org/presentationml/2006/main">
-  <p:cSld>
-    <p:spTree>
-      <p:nvGrpSpPr>
-        <p:cNvPr id="1" name=""/>
-        <p:cNvGrpSpPr/>
-        <p:nvPr/>
-      </p:nvGrpSpPr>
-      <p:grpSpPr>
-        <a:xfrm>
-          <a:off x="0" y="0"/>
-          <a:ext cx="0" cy="0"/>
-          <a:chOff x="0" y="0"/>
-          <a:chExt cx="0" cy="0"/>
-        </a:xfrm>
-      </p:grpSpPr>
-      <p:sp>
-        <p:nvSpPr>
-          <p:cNvPr id="4" name="正方形/長方形 3">
-            <a:extLst>
-              <a:ext uri="{FF2B5EF4-FFF2-40B4-BE49-F238E27FC236}">
-                <a16:creationId xmlns:a16="http://schemas.microsoft.com/office/drawing/2014/main" id="{27ED228B-B880-4301-96EF-93ED3C3E94DA}"/>
-              </a:ext>
-            </a:extLst>
-          </p:cNvPr>
-          <p:cNvSpPr/>
+      <p:sp>
+        <p:nvSpPr>
+          <p:cNvPr id="15" name="テキスト ボックス 14">
+            <a:extLst>
+              <a:ext uri="{FF2B5EF4-FFF2-40B4-BE49-F238E27FC236}">
+                <a16:creationId xmlns:a16="http://schemas.microsoft.com/office/drawing/2014/main" id="{AAD06486-5790-4822-9BCC-CA0C4D5DE5D4}"/>
+              </a:ext>
+            </a:extLst>
+          </p:cNvPr>
+          <p:cNvSpPr txBox="1"/>
           <p:nvPr/>
         </p:nvSpPr>
         <p:spPr>
           <a:xfrm>
-            <a:off x="1171254" y="1130157"/>
-            <a:ext cx="9965933" cy="5065160"/>
+            <a:off x="558139" y="358743"/>
+            <a:ext cx="7552708" cy="1077218"/>
           </a:xfrm>
           <a:prstGeom prst="rect">
             <a:avLst/>
           </a:prstGeom>
           <a:noFill/>
-          <a:ln w="57150"/>
-        </p:spPr>
-        <p:style>
-          <a:lnRef idx="2">
-            <a:schemeClr val="accent1">
-              <a:shade val="50000"/>
-            </a:schemeClr>
-          </a:lnRef>
-          <a:fillRef idx="1">
-            <a:schemeClr val="accent1"/>
-          </a:fillRef>
-          <a:effectRef idx="0">
-            <a:schemeClr val="accent1"/>
-          </a:effectRef>
-          <a:fontRef idx="minor">
-            <a:schemeClr val="lt1"/>
-          </a:fontRef>
-        </p:style>
-        <p:txBody>
-          <a:bodyPr rtlCol="0" anchor="ctr"/>
-          <a:lstStyle/>
-          <a:p>
-            <a:pPr algn="ctr"/>
-            <a:endParaRPr kumimoji="1" lang="ja-JP" altLang="en-US"/>
-          </a:p>
-        </p:txBody>
-      </p:sp>
-      <p:cxnSp>
-        <p:nvCxnSpPr>
-          <p:cNvPr id="11" name="直線コネクタ 10">
-            <a:extLst>
-              <a:ext uri="{FF2B5EF4-FFF2-40B4-BE49-F238E27FC236}">
-                <a16:creationId xmlns:a16="http://schemas.microsoft.com/office/drawing/2014/main" id="{29E32288-CB64-42B9-A8F0-B1FE888D765F}"/>
-              </a:ext>
-            </a:extLst>
-          </p:cNvPr>
-          <p:cNvCxnSpPr/>
-          <p:nvPr/>
-        </p:nvCxnSpPr>
-        <p:spPr>
-          <a:xfrm>
-            <a:off x="1171254" y="1849348"/>
-            <a:ext cx="9965933" cy="0"/>
-          </a:xfrm>
-          <a:prstGeom prst="line">
-            <a:avLst/>
-          </a:prstGeom>
-          <a:ln w="38100"/>
-        </p:spPr>
-        <p:style>
-          <a:lnRef idx="1">
-            <a:schemeClr val="accent1"/>
-          </a:lnRef>
-          <a:fillRef idx="0">
-            <a:schemeClr val="accent1"/>
-          </a:fillRef>
-          <a:effectRef idx="0">
-            <a:schemeClr val="accent1"/>
-          </a:effectRef>
-          <a:fontRef idx="minor">
-            <a:schemeClr val="tx1"/>
-          </a:fontRef>
-        </p:style>
-      </p:cxnSp>
-      <p:sp>
-        <p:nvSpPr>
-          <p:cNvPr id="12" name="テキスト ボックス 11">
-            <a:extLst>
-              <a:ext uri="{FF2B5EF4-FFF2-40B4-BE49-F238E27FC236}">
-                <a16:creationId xmlns:a16="http://schemas.microsoft.com/office/drawing/2014/main" id="{9B04BE3B-F41E-4399-9767-4678CEE9671F}"/>
-              </a:ext>
-            </a:extLst>
-          </p:cNvPr>
-          <p:cNvSpPr txBox="1"/>
-          <p:nvPr/>
-        </p:nvSpPr>
-        <p:spPr>
-          <a:xfrm>
-            <a:off x="3986373" y="1866528"/>
-            <a:ext cx="3811712" cy="369332"/>
-          </a:xfrm>
-          <a:prstGeom prst="rect">
-            <a:avLst/>
-          </a:prstGeom>
-          <a:noFill/>
         </p:spPr>
         <p:txBody>
           <a:bodyPr wrap="square" rtlCol="0">
@@ -7120,635 +7236,72 @@
           </a:bodyPr>
           <a:lstStyle/>
           <a:p>
-            <a:pPr algn="ctr"/>
-            <a:r>
-              <a:rPr lang="ja-JP" altLang="en-US" dirty="0"/>
-              <a:t>メニューバー</a:t>
-            </a:r>
+            <a:r>
+              <a:rPr lang="en-US" altLang="zh-TW" sz="2800" kern="50" dirty="0">
+                <a:latin typeface="Times New Roman" panose="02020603050405020304" pitchFamily="18" charset="0"/>
+                <a:ea typeface="ＭＳ ゴシック" panose="020B0609070205080204" pitchFamily="49" charset="-128"/>
+                <a:cs typeface="Mangal" panose="02040503050203030202" pitchFamily="18" charset="0"/>
+              </a:rPr>
+              <a:t>5.0 </a:t>
+            </a:r>
+            <a:r>
+              <a:rPr lang="zh-TW" altLang="en-US" sz="2800" kern="50" dirty="0">
+                <a:effectLst/>
+                <a:latin typeface="Times New Roman" panose="02020603050405020304" pitchFamily="18" charset="0"/>
+                <a:ea typeface="ＭＳ ゴシック" panose="020B0609070205080204" pitchFamily="49" charset="-128"/>
+                <a:cs typeface="Mangal" panose="02040503050203030202" pitchFamily="18" charset="0"/>
+              </a:rPr>
+              <a:t>食事、食費管理</a:t>
+            </a:r>
+            <a:r>
+              <a:rPr lang="ja-JP" altLang="en-US" sz="2800" kern="50" dirty="0">
+                <a:effectLst/>
+                <a:latin typeface="Times New Roman" panose="02020603050405020304" pitchFamily="18" charset="0"/>
+                <a:ea typeface="ＭＳ ゴシック" panose="020B0609070205080204" pitchFamily="49" charset="-128"/>
+                <a:cs typeface="Mangal" panose="02040503050203030202" pitchFamily="18" charset="0"/>
+              </a:rPr>
+              <a:t>ページ</a:t>
+            </a:r>
+            <a:r>
+              <a:rPr lang="en-US" altLang="ja-JP" sz="2800" kern="50" dirty="0">
+                <a:effectLst/>
+                <a:latin typeface="Times New Roman" panose="02020603050405020304" pitchFamily="18" charset="0"/>
+                <a:ea typeface="ＭＳ ゴシック" panose="020B0609070205080204" pitchFamily="49" charset="-128"/>
+                <a:cs typeface="Mangal" panose="02040503050203030202" pitchFamily="18" charset="0"/>
+              </a:rPr>
+              <a:t>(</a:t>
+            </a:r>
+            <a:r>
+              <a:rPr lang="ja-JP" altLang="en-US" sz="2800" kern="50" dirty="0">
+                <a:effectLst/>
+                <a:latin typeface="Times New Roman" panose="02020603050405020304" pitchFamily="18" charset="0"/>
+                <a:ea typeface="ＭＳ ゴシック" panose="020B0609070205080204" pitchFamily="49" charset="-128"/>
+                <a:cs typeface="Mangal" panose="02040503050203030202" pitchFamily="18" charset="0"/>
+              </a:rPr>
+              <a:t>登録、出力ページ</a:t>
+            </a:r>
+            <a:r>
+              <a:rPr lang="en-US" altLang="ja-JP" sz="2800" kern="50" dirty="0">
+                <a:effectLst/>
+                <a:latin typeface="Times New Roman" panose="02020603050405020304" pitchFamily="18" charset="0"/>
+                <a:ea typeface="ＭＳ ゴシック" panose="020B0609070205080204" pitchFamily="49" charset="-128"/>
+                <a:cs typeface="Mangal" panose="02040503050203030202" pitchFamily="18" charset="0"/>
+              </a:rPr>
+              <a:t>)</a:t>
+            </a:r>
+          </a:p>
+          <a:p>
             <a:endParaRPr kumimoji="1" lang="ja-JP" altLang="en-US" dirty="0"/>
           </a:p>
-        </p:txBody>
-      </p:sp>
-      <p:cxnSp>
-        <p:nvCxnSpPr>
-          <p:cNvPr id="15" name="直線コネクタ 14">
-            <a:extLst>
-              <a:ext uri="{FF2B5EF4-FFF2-40B4-BE49-F238E27FC236}">
-                <a16:creationId xmlns:a16="http://schemas.microsoft.com/office/drawing/2014/main" id="{0031865C-53E6-40DF-A119-F179FA0ED75B}"/>
-              </a:ext>
-            </a:extLst>
-          </p:cNvPr>
-          <p:cNvCxnSpPr/>
-          <p:nvPr/>
-        </p:nvCxnSpPr>
-        <p:spPr>
-          <a:xfrm>
-            <a:off x="1171254" y="5484687"/>
-            <a:ext cx="9965933" cy="0"/>
-          </a:xfrm>
-          <a:prstGeom prst="line">
-            <a:avLst/>
-          </a:prstGeom>
-          <a:ln w="38100"/>
-        </p:spPr>
-        <p:style>
-          <a:lnRef idx="1">
-            <a:schemeClr val="accent1"/>
-          </a:lnRef>
-          <a:fillRef idx="0">
-            <a:schemeClr val="accent1"/>
-          </a:fillRef>
-          <a:effectRef idx="0">
-            <a:schemeClr val="accent1"/>
-          </a:effectRef>
-          <a:fontRef idx="minor">
-            <a:schemeClr val="tx1"/>
-          </a:fontRef>
-        </p:style>
-      </p:cxnSp>
-      <p:sp>
-        <p:nvSpPr>
-          <p:cNvPr id="17" name="テキスト ボックス 16">
-            <a:extLst>
-              <a:ext uri="{FF2B5EF4-FFF2-40B4-BE49-F238E27FC236}">
-                <a16:creationId xmlns:a16="http://schemas.microsoft.com/office/drawing/2014/main" id="{875D9250-3F14-4CCC-A0E1-8FFA238ECB18}"/>
-              </a:ext>
-            </a:extLst>
-          </p:cNvPr>
-          <p:cNvSpPr txBox="1"/>
-          <p:nvPr/>
-        </p:nvSpPr>
-        <p:spPr>
-          <a:xfrm>
-            <a:off x="4190144" y="5579349"/>
-            <a:ext cx="3811712" cy="369332"/>
-          </a:xfrm>
-          <a:prstGeom prst="rect">
-            <a:avLst/>
-          </a:prstGeom>
-          <a:noFill/>
-        </p:spPr>
-        <p:txBody>
-          <a:bodyPr wrap="square" rtlCol="0">
-            <a:spAutoFit/>
-          </a:bodyPr>
-          <a:lstStyle/>
-          <a:p>
-            <a:pPr algn="ctr"/>
-            <a:r>
-              <a:rPr lang="ja-JP" altLang="en-US" dirty="0"/>
-              <a:t>フッター</a:t>
-            </a:r>
+          <a:p>
             <a:endParaRPr kumimoji="1" lang="ja-JP" altLang="en-US" dirty="0"/>
-          </a:p>
-        </p:txBody>
-      </p:sp>
-      <p:cxnSp>
-        <p:nvCxnSpPr>
-          <p:cNvPr id="13" name="直線コネクタ 12">
-            <a:extLst>
-              <a:ext uri="{FF2B5EF4-FFF2-40B4-BE49-F238E27FC236}">
-                <a16:creationId xmlns:a16="http://schemas.microsoft.com/office/drawing/2014/main" id="{D3105F0F-41D4-46A9-9AFB-411DD1FB0212}"/>
-              </a:ext>
-            </a:extLst>
-          </p:cNvPr>
-          <p:cNvCxnSpPr/>
-          <p:nvPr/>
-        </p:nvCxnSpPr>
-        <p:spPr>
-          <a:xfrm>
-            <a:off x="1171254" y="2330521"/>
-            <a:ext cx="9965933" cy="0"/>
-          </a:xfrm>
-          <a:prstGeom prst="line">
-            <a:avLst/>
-          </a:prstGeom>
-          <a:ln w="38100"/>
-        </p:spPr>
-        <p:style>
-          <a:lnRef idx="1">
-            <a:schemeClr val="accent1"/>
-          </a:lnRef>
-          <a:fillRef idx="0">
-            <a:schemeClr val="accent1"/>
-          </a:fillRef>
-          <a:effectRef idx="0">
-            <a:schemeClr val="accent1"/>
-          </a:effectRef>
-          <a:fontRef idx="minor">
-            <a:schemeClr val="tx1"/>
-          </a:fontRef>
-        </p:style>
-      </p:cxnSp>
-      <p:sp>
-        <p:nvSpPr>
-          <p:cNvPr id="14" name="テキスト ボックス 13">
-            <a:extLst>
-              <a:ext uri="{FF2B5EF4-FFF2-40B4-BE49-F238E27FC236}">
-                <a16:creationId xmlns:a16="http://schemas.microsoft.com/office/drawing/2014/main" id="{0112ACB5-88B9-448E-A17F-6BBAE282D98D}"/>
-              </a:ext>
-            </a:extLst>
-          </p:cNvPr>
-          <p:cNvSpPr txBox="1"/>
-          <p:nvPr/>
-        </p:nvSpPr>
-        <p:spPr>
-          <a:xfrm>
-            <a:off x="4138773" y="1388478"/>
-            <a:ext cx="3811712" cy="369332"/>
-          </a:xfrm>
-          <a:prstGeom prst="rect">
-            <a:avLst/>
-          </a:prstGeom>
-          <a:noFill/>
-        </p:spPr>
-        <p:txBody>
-          <a:bodyPr wrap="square" rtlCol="0">
-            <a:spAutoFit/>
-          </a:bodyPr>
-          <a:lstStyle/>
-          <a:p>
-            <a:pPr algn="ctr"/>
-            <a:r>
-              <a:rPr kumimoji="1" lang="ja-JP" altLang="en-US" dirty="0"/>
-              <a:t>ヘッダー</a:t>
-            </a:r>
-          </a:p>
-        </p:txBody>
-      </p:sp>
-      <p:sp>
-        <p:nvSpPr>
-          <p:cNvPr id="16" name="テキスト ボックス 15">
-            <a:extLst>
-              <a:ext uri="{FF2B5EF4-FFF2-40B4-BE49-F238E27FC236}">
-                <a16:creationId xmlns:a16="http://schemas.microsoft.com/office/drawing/2014/main" id="{CC1773B3-13E2-4E6C-81CB-0C0F69208EC3}"/>
-              </a:ext>
-            </a:extLst>
-          </p:cNvPr>
-          <p:cNvSpPr txBox="1"/>
-          <p:nvPr/>
-        </p:nvSpPr>
-        <p:spPr>
-          <a:xfrm>
-            <a:off x="2160998" y="2654185"/>
-            <a:ext cx="3017177" cy="2583855"/>
-          </a:xfrm>
-          <a:prstGeom prst="rect">
-            <a:avLst/>
-          </a:prstGeom>
-          <a:noFill/>
-          <a:ln w="38100">
-            <a:solidFill>
-              <a:schemeClr val="accent4"/>
-            </a:solidFill>
-          </a:ln>
-        </p:spPr>
-        <p:txBody>
-          <a:bodyPr wrap="square" rtlCol="0">
-            <a:noAutofit/>
-          </a:bodyPr>
-          <a:lstStyle/>
-          <a:p>
-            <a:r>
-              <a:rPr lang="ja-JP" altLang="en-US" dirty="0"/>
-              <a:t>カレンダー</a:t>
-            </a:r>
-            <a:endParaRPr lang="en-US" altLang="ja-JP" dirty="0"/>
-          </a:p>
-          <a:p>
-            <a:r>
-              <a:rPr lang="en-US" altLang="ja-JP" dirty="0"/>
-              <a:t>(</a:t>
-            </a:r>
-            <a:r>
-              <a:rPr lang="ja-JP" altLang="en-US" dirty="0"/>
-              <a:t>月かその日か？</a:t>
-            </a:r>
-            <a:r>
-              <a:rPr lang="en-US" altLang="ja-JP" dirty="0"/>
-              <a:t>)</a:t>
-            </a:r>
-            <a:endParaRPr kumimoji="1" lang="ja-JP" altLang="en-US" dirty="0"/>
-          </a:p>
-        </p:txBody>
-      </p:sp>
-      <p:sp>
-        <p:nvSpPr>
-          <p:cNvPr id="3" name="スライド番号プレースホルダー 2">
-            <a:extLst>
-              <a:ext uri="{FF2B5EF4-FFF2-40B4-BE49-F238E27FC236}">
-                <a16:creationId xmlns:a16="http://schemas.microsoft.com/office/drawing/2014/main" id="{4256350E-DB09-44C8-B34C-378A38B518C0}"/>
-              </a:ext>
-            </a:extLst>
-          </p:cNvPr>
-          <p:cNvSpPr>
-            <a:spLocks noGrp="1"/>
-          </p:cNvSpPr>
-          <p:nvPr>
-            <p:ph type="sldNum" sz="quarter" idx="12"/>
-          </p:nvPr>
-        </p:nvSpPr>
-        <p:spPr/>
-        <p:txBody>
-          <a:bodyPr/>
-          <a:lstStyle/>
-          <a:p>
-            <a:fld id="{CD6B2FB5-E90A-4377-9425-2AC54998F38A}" type="slidenum">
-              <a:rPr kumimoji="1" lang="ja-JP" altLang="en-US" smtClean="0"/>
-              <a:t>13</a:t>
-            </a:fld>
-            <a:endParaRPr kumimoji="1" lang="ja-JP" altLang="en-US"/>
           </a:p>
         </p:txBody>
       </p:sp>
     </p:spTree>
     <p:extLst>
       <p:ext uri="{BB962C8B-B14F-4D97-AF65-F5344CB8AC3E}">
-        <p14:creationId xmlns:p14="http://schemas.microsoft.com/office/powerpoint/2010/main" val="1477623363"/>
-      </p:ext>
-    </p:extLst>
-  </p:cSld>
-  <p:clrMapOvr>
-    <a:masterClrMapping/>
-  </p:clrMapOvr>
-</p:sld>
-</file>
-
-<file path=ppt/slides/slide14.xml><?xml version="1.0" encoding="utf-8"?>
-<p:sld xmlns:a="http://schemas.openxmlformats.org/drawingml/2006/main" xmlns:r="http://schemas.openxmlformats.org/officeDocument/2006/relationships" xmlns:p="http://schemas.openxmlformats.org/presentationml/2006/main">
-  <p:cSld>
-    <p:spTree>
-      <p:nvGrpSpPr>
-        <p:cNvPr id="1" name=""/>
-        <p:cNvGrpSpPr/>
-        <p:nvPr/>
-      </p:nvGrpSpPr>
-      <p:grpSpPr>
-        <a:xfrm>
-          <a:off x="0" y="0"/>
-          <a:ext cx="0" cy="0"/>
-          <a:chOff x="0" y="0"/>
-          <a:chExt cx="0" cy="0"/>
-        </a:xfrm>
-      </p:grpSpPr>
-      <p:sp>
-        <p:nvSpPr>
-          <p:cNvPr id="4" name="正方形/長方形 3">
-            <a:extLst>
-              <a:ext uri="{FF2B5EF4-FFF2-40B4-BE49-F238E27FC236}">
-                <a16:creationId xmlns:a16="http://schemas.microsoft.com/office/drawing/2014/main" id="{27ED228B-B880-4301-96EF-93ED3C3E94DA}"/>
-              </a:ext>
-            </a:extLst>
-          </p:cNvPr>
-          <p:cNvSpPr/>
-          <p:nvPr/>
-        </p:nvSpPr>
-        <p:spPr>
-          <a:xfrm>
-            <a:off x="1171254" y="1130157"/>
-            <a:ext cx="9965933" cy="5065160"/>
-          </a:xfrm>
-          <a:prstGeom prst="rect">
-            <a:avLst/>
-          </a:prstGeom>
-          <a:noFill/>
-          <a:ln w="57150"/>
-        </p:spPr>
-        <p:style>
-          <a:lnRef idx="2">
-            <a:schemeClr val="accent1">
-              <a:shade val="50000"/>
-            </a:schemeClr>
-          </a:lnRef>
-          <a:fillRef idx="1">
-            <a:schemeClr val="accent1"/>
-          </a:fillRef>
-          <a:effectRef idx="0">
-            <a:schemeClr val="accent1"/>
-          </a:effectRef>
-          <a:fontRef idx="minor">
-            <a:schemeClr val="lt1"/>
-          </a:fontRef>
-        </p:style>
-        <p:txBody>
-          <a:bodyPr rtlCol="0" anchor="ctr"/>
-          <a:lstStyle/>
-          <a:p>
-            <a:pPr algn="ctr"/>
-            <a:endParaRPr kumimoji="1" lang="ja-JP" altLang="en-US"/>
-          </a:p>
-        </p:txBody>
-      </p:sp>
-      <p:cxnSp>
-        <p:nvCxnSpPr>
-          <p:cNvPr id="11" name="直線コネクタ 10">
-            <a:extLst>
-              <a:ext uri="{FF2B5EF4-FFF2-40B4-BE49-F238E27FC236}">
-                <a16:creationId xmlns:a16="http://schemas.microsoft.com/office/drawing/2014/main" id="{29E32288-CB64-42B9-A8F0-B1FE888D765F}"/>
-              </a:ext>
-            </a:extLst>
-          </p:cNvPr>
-          <p:cNvCxnSpPr/>
-          <p:nvPr/>
-        </p:nvCxnSpPr>
-        <p:spPr>
-          <a:xfrm>
-            <a:off x="1171254" y="1849348"/>
-            <a:ext cx="9965933" cy="0"/>
-          </a:xfrm>
-          <a:prstGeom prst="line">
-            <a:avLst/>
-          </a:prstGeom>
-          <a:ln w="38100"/>
-        </p:spPr>
-        <p:style>
-          <a:lnRef idx="1">
-            <a:schemeClr val="accent1"/>
-          </a:lnRef>
-          <a:fillRef idx="0">
-            <a:schemeClr val="accent1"/>
-          </a:fillRef>
-          <a:effectRef idx="0">
-            <a:schemeClr val="accent1"/>
-          </a:effectRef>
-          <a:fontRef idx="minor">
-            <a:schemeClr val="tx1"/>
-          </a:fontRef>
-        </p:style>
-      </p:cxnSp>
-      <p:sp>
-        <p:nvSpPr>
-          <p:cNvPr id="12" name="テキスト ボックス 11">
-            <a:extLst>
-              <a:ext uri="{FF2B5EF4-FFF2-40B4-BE49-F238E27FC236}">
-                <a16:creationId xmlns:a16="http://schemas.microsoft.com/office/drawing/2014/main" id="{9B04BE3B-F41E-4399-9767-4678CEE9671F}"/>
-              </a:ext>
-            </a:extLst>
-          </p:cNvPr>
-          <p:cNvSpPr txBox="1"/>
-          <p:nvPr/>
-        </p:nvSpPr>
-        <p:spPr>
-          <a:xfrm>
-            <a:off x="3986373" y="1866528"/>
-            <a:ext cx="3811712" cy="369332"/>
-          </a:xfrm>
-          <a:prstGeom prst="rect">
-            <a:avLst/>
-          </a:prstGeom>
-          <a:noFill/>
-        </p:spPr>
-        <p:txBody>
-          <a:bodyPr wrap="square" rtlCol="0">
-            <a:spAutoFit/>
-          </a:bodyPr>
-          <a:lstStyle/>
-          <a:p>
-            <a:pPr algn="ctr"/>
-            <a:r>
-              <a:rPr lang="ja-JP" altLang="en-US" dirty="0"/>
-              <a:t>メニューバー</a:t>
-            </a:r>
-            <a:endParaRPr kumimoji="1" lang="ja-JP" altLang="en-US" dirty="0"/>
-          </a:p>
-        </p:txBody>
-      </p:sp>
-      <p:cxnSp>
-        <p:nvCxnSpPr>
-          <p:cNvPr id="15" name="直線コネクタ 14">
-            <a:extLst>
-              <a:ext uri="{FF2B5EF4-FFF2-40B4-BE49-F238E27FC236}">
-                <a16:creationId xmlns:a16="http://schemas.microsoft.com/office/drawing/2014/main" id="{0031865C-53E6-40DF-A119-F179FA0ED75B}"/>
-              </a:ext>
-            </a:extLst>
-          </p:cNvPr>
-          <p:cNvCxnSpPr/>
-          <p:nvPr/>
-        </p:nvCxnSpPr>
-        <p:spPr>
-          <a:xfrm>
-            <a:off x="1171254" y="5484687"/>
-            <a:ext cx="9965933" cy="0"/>
-          </a:xfrm>
-          <a:prstGeom prst="line">
-            <a:avLst/>
-          </a:prstGeom>
-          <a:ln w="38100"/>
-        </p:spPr>
-        <p:style>
-          <a:lnRef idx="1">
-            <a:schemeClr val="accent1"/>
-          </a:lnRef>
-          <a:fillRef idx="0">
-            <a:schemeClr val="accent1"/>
-          </a:fillRef>
-          <a:effectRef idx="0">
-            <a:schemeClr val="accent1"/>
-          </a:effectRef>
-          <a:fontRef idx="minor">
-            <a:schemeClr val="tx1"/>
-          </a:fontRef>
-        </p:style>
-      </p:cxnSp>
-      <p:sp>
-        <p:nvSpPr>
-          <p:cNvPr id="17" name="テキスト ボックス 16">
-            <a:extLst>
-              <a:ext uri="{FF2B5EF4-FFF2-40B4-BE49-F238E27FC236}">
-                <a16:creationId xmlns:a16="http://schemas.microsoft.com/office/drawing/2014/main" id="{875D9250-3F14-4CCC-A0E1-8FFA238ECB18}"/>
-              </a:ext>
-            </a:extLst>
-          </p:cNvPr>
-          <p:cNvSpPr txBox="1"/>
-          <p:nvPr/>
-        </p:nvSpPr>
-        <p:spPr>
-          <a:xfrm>
-            <a:off x="4190144" y="5579349"/>
-            <a:ext cx="3811712" cy="369332"/>
-          </a:xfrm>
-          <a:prstGeom prst="rect">
-            <a:avLst/>
-          </a:prstGeom>
-          <a:noFill/>
-        </p:spPr>
-        <p:txBody>
-          <a:bodyPr wrap="square" rtlCol="0">
-            <a:spAutoFit/>
-          </a:bodyPr>
-          <a:lstStyle/>
-          <a:p>
-            <a:pPr algn="ctr"/>
-            <a:r>
-              <a:rPr lang="ja-JP" altLang="en-US" dirty="0"/>
-              <a:t>フッター</a:t>
-            </a:r>
-            <a:endParaRPr kumimoji="1" lang="ja-JP" altLang="en-US" dirty="0"/>
-          </a:p>
-        </p:txBody>
-      </p:sp>
-      <p:cxnSp>
-        <p:nvCxnSpPr>
-          <p:cNvPr id="13" name="直線コネクタ 12">
-            <a:extLst>
-              <a:ext uri="{FF2B5EF4-FFF2-40B4-BE49-F238E27FC236}">
-                <a16:creationId xmlns:a16="http://schemas.microsoft.com/office/drawing/2014/main" id="{D3105F0F-41D4-46A9-9AFB-411DD1FB0212}"/>
-              </a:ext>
-            </a:extLst>
-          </p:cNvPr>
-          <p:cNvCxnSpPr/>
-          <p:nvPr/>
-        </p:nvCxnSpPr>
-        <p:spPr>
-          <a:xfrm>
-            <a:off x="1171254" y="2330521"/>
-            <a:ext cx="9965933" cy="0"/>
-          </a:xfrm>
-          <a:prstGeom prst="line">
-            <a:avLst/>
-          </a:prstGeom>
-          <a:ln w="38100"/>
-        </p:spPr>
-        <p:style>
-          <a:lnRef idx="1">
-            <a:schemeClr val="accent1"/>
-          </a:lnRef>
-          <a:fillRef idx="0">
-            <a:schemeClr val="accent1"/>
-          </a:fillRef>
-          <a:effectRef idx="0">
-            <a:schemeClr val="accent1"/>
-          </a:effectRef>
-          <a:fontRef idx="minor">
-            <a:schemeClr val="tx1"/>
-          </a:fontRef>
-        </p:style>
-      </p:cxnSp>
-      <p:sp>
-        <p:nvSpPr>
-          <p:cNvPr id="14" name="テキスト ボックス 13">
-            <a:extLst>
-              <a:ext uri="{FF2B5EF4-FFF2-40B4-BE49-F238E27FC236}">
-                <a16:creationId xmlns:a16="http://schemas.microsoft.com/office/drawing/2014/main" id="{0112ACB5-88B9-448E-A17F-6BBAE282D98D}"/>
-              </a:ext>
-            </a:extLst>
-          </p:cNvPr>
-          <p:cNvSpPr txBox="1"/>
-          <p:nvPr/>
-        </p:nvSpPr>
-        <p:spPr>
-          <a:xfrm>
-            <a:off x="4138773" y="1388478"/>
-            <a:ext cx="3811712" cy="369332"/>
-          </a:xfrm>
-          <a:prstGeom prst="rect">
-            <a:avLst/>
-          </a:prstGeom>
-          <a:noFill/>
-        </p:spPr>
-        <p:txBody>
-          <a:bodyPr wrap="square" rtlCol="0">
-            <a:spAutoFit/>
-          </a:bodyPr>
-          <a:lstStyle/>
-          <a:p>
-            <a:pPr algn="ctr"/>
-            <a:r>
-              <a:rPr kumimoji="1" lang="ja-JP" altLang="en-US" dirty="0"/>
-              <a:t>ヘッダー</a:t>
-            </a:r>
-          </a:p>
-        </p:txBody>
-      </p:sp>
-      <p:sp>
-        <p:nvSpPr>
-          <p:cNvPr id="16" name="テキスト ボックス 15">
-            <a:extLst>
-              <a:ext uri="{FF2B5EF4-FFF2-40B4-BE49-F238E27FC236}">
-                <a16:creationId xmlns:a16="http://schemas.microsoft.com/office/drawing/2014/main" id="{CC1773B3-13E2-4E6C-81CB-0C0F69208EC3}"/>
-              </a:ext>
-            </a:extLst>
-          </p:cNvPr>
-          <p:cNvSpPr txBox="1"/>
-          <p:nvPr/>
-        </p:nvSpPr>
-        <p:spPr>
-          <a:xfrm>
-            <a:off x="4893923" y="2931559"/>
-            <a:ext cx="2301411" cy="1952090"/>
-          </a:xfrm>
-          <a:prstGeom prst="rect">
-            <a:avLst/>
-          </a:prstGeom>
-          <a:noFill/>
-          <a:ln w="38100">
-            <a:solidFill>
-              <a:schemeClr val="accent4"/>
-            </a:solidFill>
-          </a:ln>
-        </p:spPr>
-        <p:txBody>
-          <a:bodyPr wrap="square" rtlCol="0">
-            <a:noAutofit/>
-          </a:bodyPr>
-          <a:lstStyle/>
-          <a:p>
-            <a:r>
-              <a:rPr lang="ja-JP" altLang="en-US" dirty="0"/>
-              <a:t>カレンダー</a:t>
-            </a:r>
-            <a:endParaRPr lang="en-US" altLang="ja-JP" dirty="0"/>
-          </a:p>
-          <a:p>
-            <a:r>
-              <a:rPr lang="en-US" altLang="ja-JP" dirty="0"/>
-              <a:t>(</a:t>
-            </a:r>
-            <a:r>
-              <a:rPr lang="ja-JP" altLang="en-US" dirty="0"/>
-              <a:t>月かその日か？</a:t>
-            </a:r>
-            <a:r>
-              <a:rPr lang="en-US" altLang="ja-JP" dirty="0"/>
-              <a:t>)</a:t>
-            </a:r>
-            <a:endParaRPr kumimoji="1" lang="ja-JP" altLang="en-US" dirty="0"/>
-          </a:p>
-        </p:txBody>
-      </p:sp>
-      <p:sp>
-        <p:nvSpPr>
-          <p:cNvPr id="3" name="スライド番号プレースホルダー 2">
-            <a:extLst>
-              <a:ext uri="{FF2B5EF4-FFF2-40B4-BE49-F238E27FC236}">
-                <a16:creationId xmlns:a16="http://schemas.microsoft.com/office/drawing/2014/main" id="{70BC3A8D-6973-42CA-9B60-C5E17F2810CF}"/>
-              </a:ext>
-            </a:extLst>
-          </p:cNvPr>
-          <p:cNvSpPr>
-            <a:spLocks noGrp="1"/>
-          </p:cNvSpPr>
-          <p:nvPr>
-            <p:ph type="sldNum" sz="quarter" idx="12"/>
-          </p:nvPr>
-        </p:nvSpPr>
-        <p:spPr/>
-        <p:txBody>
-          <a:bodyPr/>
-          <a:lstStyle/>
-          <a:p>
-            <a:fld id="{CD6B2FB5-E90A-4377-9425-2AC54998F38A}" type="slidenum">
-              <a:rPr kumimoji="1" lang="ja-JP" altLang="en-US" smtClean="0"/>
-              <a:t>14</a:t>
-            </a:fld>
-            <a:endParaRPr kumimoji="1" lang="ja-JP" altLang="en-US"/>
-          </a:p>
-        </p:txBody>
-      </p:sp>
-    </p:spTree>
-    <p:extLst>
-      <p:ext uri="{BB962C8B-B14F-4D97-AF65-F5344CB8AC3E}">
-        <p14:creationId xmlns:p14="http://schemas.microsoft.com/office/powerpoint/2010/main" val="101525131"/>
+        <p14:creationId xmlns:p14="http://schemas.microsoft.com/office/powerpoint/2010/main" val="173229515"/>
       </p:ext>
     </p:extLst>
   </p:cSld>
@@ -8091,8 +7644,8 @@
         </p:nvSpPr>
         <p:spPr>
           <a:xfrm>
-            <a:off x="5496674" y="3051425"/>
-            <a:ext cx="1407560" cy="369332"/>
+            <a:off x="5171326" y="3002010"/>
+            <a:ext cx="1849348" cy="369332"/>
           </a:xfrm>
           <a:prstGeom prst="rect">
             <a:avLst/>
@@ -8118,6 +7671,11 @@
               <a:rPr kumimoji="1" lang="ja-JP" altLang="en-US" dirty="0"/>
               <a:t>入力欄</a:t>
             </a:r>
+            <a:r>
+              <a:rPr kumimoji="1" lang="en-US" altLang="ja-JP" dirty="0"/>
+              <a:t>(1)</a:t>
+            </a:r>
+            <a:endParaRPr kumimoji="1" lang="ja-JP" altLang="en-US" dirty="0"/>
           </a:p>
         </p:txBody>
       </p:sp>
@@ -8135,8 +7693,8 @@
         </p:nvSpPr>
         <p:spPr>
           <a:xfrm>
-            <a:off x="5496674" y="3682748"/>
-            <a:ext cx="1407560" cy="369332"/>
+            <a:off x="5171326" y="3662602"/>
+            <a:ext cx="1849348" cy="369332"/>
           </a:xfrm>
           <a:prstGeom prst="rect">
             <a:avLst/>
@@ -8162,6 +7720,11 @@
               <a:rPr kumimoji="1" lang="ja-JP" altLang="en-US" dirty="0"/>
               <a:t>入力欄</a:t>
             </a:r>
+            <a:r>
+              <a:rPr kumimoji="1" lang="en-US" altLang="ja-JP" dirty="0"/>
+              <a:t>(2)</a:t>
+            </a:r>
+            <a:endParaRPr kumimoji="1" lang="ja-JP" altLang="en-US" dirty="0"/>
           </a:p>
         </p:txBody>
       </p:sp>
@@ -8260,7 +7823,7 @@
         </p:nvSpPr>
         <p:spPr>
           <a:xfrm>
-            <a:off x="5299753" y="4216319"/>
+            <a:off x="5094381" y="4216319"/>
             <a:ext cx="796247" cy="369332"/>
           </a:xfrm>
           <a:prstGeom prst="rect">
@@ -8576,413 +8139,10 @@
       </p:grpSpPr>
       <p:sp>
         <p:nvSpPr>
-          <p:cNvPr id="4" name="正方形/長方形 3">
-            <a:extLst>
-              <a:ext uri="{FF2B5EF4-FFF2-40B4-BE49-F238E27FC236}">
-                <a16:creationId xmlns:a16="http://schemas.microsoft.com/office/drawing/2014/main" id="{27ED228B-B880-4301-96EF-93ED3C3E94DA}"/>
-              </a:ext>
-            </a:extLst>
-          </p:cNvPr>
-          <p:cNvSpPr/>
-          <p:nvPr/>
-        </p:nvSpPr>
-        <p:spPr>
-          <a:xfrm>
-            <a:off x="1171254" y="1130157"/>
-            <a:ext cx="9965933" cy="5065160"/>
-          </a:xfrm>
-          <a:prstGeom prst="rect">
-            <a:avLst/>
-          </a:prstGeom>
-          <a:noFill/>
-          <a:ln w="57150"/>
-        </p:spPr>
-        <p:style>
-          <a:lnRef idx="2">
-            <a:schemeClr val="accent1">
-              <a:shade val="50000"/>
-            </a:schemeClr>
-          </a:lnRef>
-          <a:fillRef idx="1">
-            <a:schemeClr val="accent1"/>
-          </a:fillRef>
-          <a:effectRef idx="0">
-            <a:schemeClr val="accent1"/>
-          </a:effectRef>
-          <a:fontRef idx="minor">
-            <a:schemeClr val="lt1"/>
-          </a:fontRef>
-        </p:style>
-        <p:txBody>
-          <a:bodyPr rtlCol="0" anchor="ctr"/>
-          <a:lstStyle/>
-          <a:p>
-            <a:pPr algn="ctr"/>
-            <a:endParaRPr kumimoji="1" lang="ja-JP" altLang="en-US"/>
-          </a:p>
-        </p:txBody>
-      </p:sp>
-      <p:sp>
-        <p:nvSpPr>
-          <p:cNvPr id="2" name="テキスト ボックス 1">
-            <a:extLst>
-              <a:ext uri="{FF2B5EF4-FFF2-40B4-BE49-F238E27FC236}">
-                <a16:creationId xmlns:a16="http://schemas.microsoft.com/office/drawing/2014/main" id="{EED977D5-BCEF-4957-8ED9-005ADDB9F1BD}"/>
-              </a:ext>
-            </a:extLst>
-          </p:cNvPr>
-          <p:cNvSpPr txBox="1"/>
-          <p:nvPr/>
-        </p:nvSpPr>
-        <p:spPr>
-          <a:xfrm>
-            <a:off x="5188449" y="2626004"/>
-            <a:ext cx="1407560" cy="369332"/>
-          </a:xfrm>
-          <a:prstGeom prst="rect">
-            <a:avLst/>
-          </a:prstGeom>
-          <a:noFill/>
-          <a:ln w="38100">
-            <a:solidFill>
-              <a:schemeClr val="accent4"/>
-            </a:solidFill>
-          </a:ln>
-        </p:spPr>
-        <p:txBody>
-          <a:bodyPr wrap="square" rtlCol="0">
-            <a:spAutoFit/>
-          </a:bodyPr>
-          <a:lstStyle/>
-          <a:p>
-            <a:r>
-              <a:rPr kumimoji="1" lang="en-US" altLang="ja-JP" dirty="0"/>
-              <a:t>ID</a:t>
-            </a:r>
-            <a:r>
-              <a:rPr kumimoji="1" lang="ja-JP" altLang="en-US" dirty="0"/>
-              <a:t>入力欄</a:t>
-            </a:r>
-          </a:p>
-        </p:txBody>
-      </p:sp>
-      <p:sp>
-        <p:nvSpPr>
-          <p:cNvPr id="5" name="テキスト ボックス 4">
-            <a:extLst>
-              <a:ext uri="{FF2B5EF4-FFF2-40B4-BE49-F238E27FC236}">
-                <a16:creationId xmlns:a16="http://schemas.microsoft.com/office/drawing/2014/main" id="{9C106C85-3318-482B-926A-32A289B9A7FA}"/>
-              </a:ext>
-            </a:extLst>
-          </p:cNvPr>
-          <p:cNvSpPr txBox="1"/>
-          <p:nvPr/>
-        </p:nvSpPr>
-        <p:spPr>
-          <a:xfrm>
-            <a:off x="4909118" y="4334766"/>
-            <a:ext cx="1966217" cy="369332"/>
-          </a:xfrm>
-          <a:prstGeom prst="rect">
-            <a:avLst/>
-          </a:prstGeom>
-          <a:noFill/>
-          <a:ln w="38100">
-            <a:solidFill>
-              <a:schemeClr val="accent4"/>
-            </a:solidFill>
-          </a:ln>
-        </p:spPr>
-        <p:txBody>
-          <a:bodyPr wrap="square" rtlCol="0">
-            <a:spAutoFit/>
-          </a:bodyPr>
-          <a:lstStyle/>
-          <a:p>
-            <a:r>
-              <a:rPr kumimoji="1" lang="ja-JP" altLang="en-US" dirty="0"/>
-              <a:t>生年月日入力欄</a:t>
-            </a:r>
-          </a:p>
-        </p:txBody>
-      </p:sp>
-      <p:sp>
-        <p:nvSpPr>
-          <p:cNvPr id="6" name="テキスト ボックス 5">
-            <a:extLst>
-              <a:ext uri="{FF2B5EF4-FFF2-40B4-BE49-F238E27FC236}">
-                <a16:creationId xmlns:a16="http://schemas.microsoft.com/office/drawing/2014/main" id="{3744A1B5-C698-4344-B6F0-EA676FD4B509}"/>
-              </a:ext>
-            </a:extLst>
-          </p:cNvPr>
-          <p:cNvSpPr txBox="1"/>
-          <p:nvPr/>
-        </p:nvSpPr>
-        <p:spPr>
-          <a:xfrm>
-            <a:off x="4438436" y="2081055"/>
-            <a:ext cx="3071973" cy="369332"/>
-          </a:xfrm>
-          <a:prstGeom prst="rect">
-            <a:avLst/>
-          </a:prstGeom>
-          <a:noFill/>
-          <a:ln w="38100">
-            <a:solidFill>
-              <a:schemeClr val="tx1"/>
-            </a:solidFill>
-          </a:ln>
-        </p:spPr>
-        <p:txBody>
-          <a:bodyPr wrap="square" rtlCol="0" anchor="ctr" anchorCtr="1">
-            <a:spAutoFit/>
-          </a:bodyPr>
-          <a:lstStyle/>
-          <a:p>
-            <a:r>
-              <a:rPr lang="ja-JP" altLang="en-US" dirty="0"/>
-              <a:t>新規登録</a:t>
-            </a:r>
-            <a:r>
-              <a:rPr kumimoji="1" lang="ja-JP" altLang="en-US" dirty="0"/>
-              <a:t>ページ</a:t>
-            </a:r>
-          </a:p>
-        </p:txBody>
-      </p:sp>
-      <p:sp>
-        <p:nvSpPr>
-          <p:cNvPr id="8" name="テキスト ボックス 7">
-            <a:extLst>
-              <a:ext uri="{FF2B5EF4-FFF2-40B4-BE49-F238E27FC236}">
-                <a16:creationId xmlns:a16="http://schemas.microsoft.com/office/drawing/2014/main" id="{FFDC9542-88AA-41D0-8139-3C4569C842CE}"/>
-              </a:ext>
-            </a:extLst>
-          </p:cNvPr>
-          <p:cNvSpPr txBox="1"/>
-          <p:nvPr/>
-        </p:nvSpPr>
-        <p:spPr>
-          <a:xfrm>
-            <a:off x="4819547" y="4919853"/>
-            <a:ext cx="796247" cy="369332"/>
-          </a:xfrm>
-          <a:prstGeom prst="rect">
-            <a:avLst/>
-          </a:prstGeom>
-          <a:noFill/>
-          <a:ln w="38100">
-            <a:solidFill>
-              <a:schemeClr val="accent4"/>
-            </a:solidFill>
-          </a:ln>
-        </p:spPr>
-        <p:txBody>
-          <a:bodyPr wrap="square" rtlCol="0">
-            <a:spAutoFit/>
-          </a:bodyPr>
-          <a:lstStyle/>
-          <a:p>
-            <a:r>
-              <a:rPr kumimoji="1" lang="ja-JP" altLang="en-US" dirty="0"/>
-              <a:t>送信</a:t>
-            </a:r>
-          </a:p>
-        </p:txBody>
-      </p:sp>
-      <p:sp>
-        <p:nvSpPr>
-          <p:cNvPr id="10" name="テキスト ボックス 9">
-            <a:extLst>
-              <a:ext uri="{FF2B5EF4-FFF2-40B4-BE49-F238E27FC236}">
-                <a16:creationId xmlns:a16="http://schemas.microsoft.com/office/drawing/2014/main" id="{B89AF719-8B69-45E7-B6FF-4A9EC736365B}"/>
-              </a:ext>
-            </a:extLst>
-          </p:cNvPr>
-          <p:cNvSpPr txBox="1"/>
-          <p:nvPr/>
-        </p:nvSpPr>
-        <p:spPr>
-          <a:xfrm>
-            <a:off x="6037351" y="4909726"/>
-            <a:ext cx="1117314" cy="369332"/>
-          </a:xfrm>
-          <a:prstGeom prst="rect">
-            <a:avLst/>
-          </a:prstGeom>
-          <a:noFill/>
-          <a:ln w="38100">
-            <a:solidFill>
-              <a:schemeClr val="accent4"/>
-            </a:solidFill>
-          </a:ln>
-        </p:spPr>
-        <p:txBody>
-          <a:bodyPr wrap="square" rtlCol="0">
-            <a:spAutoFit/>
-          </a:bodyPr>
-          <a:lstStyle/>
-          <a:p>
-            <a:r>
-              <a:rPr kumimoji="1" lang="ja-JP" altLang="en-US" dirty="0"/>
-              <a:t>リセット</a:t>
-            </a:r>
-          </a:p>
-        </p:txBody>
-      </p:sp>
-      <p:cxnSp>
-        <p:nvCxnSpPr>
-          <p:cNvPr id="11" name="直線コネクタ 10">
-            <a:extLst>
-              <a:ext uri="{FF2B5EF4-FFF2-40B4-BE49-F238E27FC236}">
-                <a16:creationId xmlns:a16="http://schemas.microsoft.com/office/drawing/2014/main" id="{29E32288-CB64-42B9-A8F0-B1FE888D765F}"/>
-              </a:ext>
-            </a:extLst>
-          </p:cNvPr>
-          <p:cNvCxnSpPr/>
-          <p:nvPr/>
-        </p:nvCxnSpPr>
-        <p:spPr>
-          <a:xfrm>
-            <a:off x="1171254" y="1849348"/>
-            <a:ext cx="9965933" cy="0"/>
-          </a:xfrm>
-          <a:prstGeom prst="line">
-            <a:avLst/>
-          </a:prstGeom>
-          <a:ln w="38100"/>
-        </p:spPr>
-        <p:style>
-          <a:lnRef idx="1">
-            <a:schemeClr val="accent1"/>
-          </a:lnRef>
-          <a:fillRef idx="0">
-            <a:schemeClr val="accent1"/>
-          </a:fillRef>
-          <a:effectRef idx="0">
-            <a:schemeClr val="accent1"/>
-          </a:effectRef>
-          <a:fontRef idx="minor">
-            <a:schemeClr val="tx1"/>
-          </a:fontRef>
-        </p:style>
-      </p:cxnSp>
-      <p:sp>
-        <p:nvSpPr>
-          <p:cNvPr id="12" name="テキスト ボックス 11">
-            <a:extLst>
-              <a:ext uri="{FF2B5EF4-FFF2-40B4-BE49-F238E27FC236}">
-                <a16:creationId xmlns:a16="http://schemas.microsoft.com/office/drawing/2014/main" id="{9B04BE3B-F41E-4399-9767-4678CEE9671F}"/>
-              </a:ext>
-            </a:extLst>
-          </p:cNvPr>
-          <p:cNvSpPr txBox="1"/>
-          <p:nvPr/>
-        </p:nvSpPr>
-        <p:spPr>
-          <a:xfrm>
-            <a:off x="3986373" y="1236078"/>
-            <a:ext cx="3811712" cy="369332"/>
-          </a:xfrm>
-          <a:prstGeom prst="rect">
-            <a:avLst/>
-          </a:prstGeom>
-          <a:noFill/>
-        </p:spPr>
-        <p:txBody>
-          <a:bodyPr wrap="square" rtlCol="0">
-            <a:spAutoFit/>
-          </a:bodyPr>
-          <a:lstStyle/>
-          <a:p>
-            <a:pPr algn="ctr"/>
-            <a:r>
-              <a:rPr kumimoji="1" lang="ja-JP" altLang="en-US" dirty="0"/>
-              <a:t>ヘッダー</a:t>
-            </a:r>
-          </a:p>
-        </p:txBody>
-      </p:sp>
-      <p:cxnSp>
-        <p:nvCxnSpPr>
-          <p:cNvPr id="15" name="直線コネクタ 14">
-            <a:extLst>
-              <a:ext uri="{FF2B5EF4-FFF2-40B4-BE49-F238E27FC236}">
-                <a16:creationId xmlns:a16="http://schemas.microsoft.com/office/drawing/2014/main" id="{0031865C-53E6-40DF-A119-F179FA0ED75B}"/>
-              </a:ext>
-            </a:extLst>
-          </p:cNvPr>
-          <p:cNvCxnSpPr/>
-          <p:nvPr/>
-        </p:nvCxnSpPr>
-        <p:spPr>
-          <a:xfrm>
-            <a:off x="1171254" y="5484687"/>
-            <a:ext cx="9965933" cy="0"/>
-          </a:xfrm>
-          <a:prstGeom prst="line">
-            <a:avLst/>
-          </a:prstGeom>
-          <a:ln w="38100"/>
-        </p:spPr>
-        <p:style>
-          <a:lnRef idx="1">
-            <a:schemeClr val="accent1"/>
-          </a:lnRef>
-          <a:fillRef idx="0">
-            <a:schemeClr val="accent1"/>
-          </a:fillRef>
-          <a:effectRef idx="0">
-            <a:schemeClr val="accent1"/>
-          </a:effectRef>
-          <a:fontRef idx="minor">
-            <a:schemeClr val="tx1"/>
-          </a:fontRef>
-        </p:style>
-      </p:cxnSp>
-      <p:sp>
-        <p:nvSpPr>
-          <p:cNvPr id="17" name="テキスト ボックス 16">
-            <a:extLst>
-              <a:ext uri="{FF2B5EF4-FFF2-40B4-BE49-F238E27FC236}">
-                <a16:creationId xmlns:a16="http://schemas.microsoft.com/office/drawing/2014/main" id="{875D9250-3F14-4CCC-A0E1-8FFA238ECB18}"/>
-              </a:ext>
-            </a:extLst>
-          </p:cNvPr>
-          <p:cNvSpPr txBox="1"/>
-          <p:nvPr/>
-        </p:nvSpPr>
-        <p:spPr>
-          <a:xfrm>
-            <a:off x="4190144" y="5579349"/>
-            <a:ext cx="3811712" cy="369332"/>
-          </a:xfrm>
-          <a:prstGeom prst="rect">
-            <a:avLst/>
-          </a:prstGeom>
-          <a:noFill/>
-        </p:spPr>
-        <p:txBody>
-          <a:bodyPr wrap="square" rtlCol="0">
-            <a:spAutoFit/>
-          </a:bodyPr>
-          <a:lstStyle/>
-          <a:p>
-            <a:pPr algn="ctr"/>
-            <a:r>
-              <a:rPr lang="ja-JP" altLang="en-US" dirty="0"/>
-              <a:t>フッター</a:t>
-            </a:r>
-            <a:endParaRPr kumimoji="1" lang="ja-JP" altLang="en-US" dirty="0"/>
-          </a:p>
-        </p:txBody>
-      </p:sp>
-      <p:sp>
-        <p:nvSpPr>
-          <p:cNvPr id="13" name="スライド番号プレースホルダー 12">
-            <a:extLst>
-              <a:ext uri="{FF2B5EF4-FFF2-40B4-BE49-F238E27FC236}">
-                <a16:creationId xmlns:a16="http://schemas.microsoft.com/office/drawing/2014/main" id="{B776E401-07AC-4D01-A563-6FC25388F3D3}"/>
+          <p:cNvPr id="2" name="スライド番号プレースホルダー 1">
+            <a:extLst>
+              <a:ext uri="{FF2B5EF4-FFF2-40B4-BE49-F238E27FC236}">
+                <a16:creationId xmlns:a16="http://schemas.microsoft.com/office/drawing/2014/main" id="{A7832A8B-D6A6-40FF-B3CB-78AB7D6D0F24}"/>
               </a:ext>
             </a:extLst>
           </p:cNvPr>
@@ -9002,16 +8162,16 @@
               <a:rPr kumimoji="1" lang="ja-JP" altLang="en-US" smtClean="0"/>
               <a:t>4</a:t>
             </a:fld>
-            <a:endParaRPr kumimoji="1" lang="ja-JP" altLang="en-US" dirty="0"/>
-          </a:p>
-        </p:txBody>
-      </p:sp>
-      <p:sp>
-        <p:nvSpPr>
-          <p:cNvPr id="14" name="テキスト ボックス 13">
-            <a:extLst>
-              <a:ext uri="{FF2B5EF4-FFF2-40B4-BE49-F238E27FC236}">
-                <a16:creationId xmlns:a16="http://schemas.microsoft.com/office/drawing/2014/main" id="{68019CAB-8490-4F16-A321-12E01B1DFCF2}"/>
+            <a:endParaRPr kumimoji="1" lang="ja-JP" altLang="en-US"/>
+          </a:p>
+        </p:txBody>
+      </p:sp>
+      <p:sp>
+        <p:nvSpPr>
+          <p:cNvPr id="4" name="テキスト ボックス 3">
+            <a:extLst>
+              <a:ext uri="{FF2B5EF4-FFF2-40B4-BE49-F238E27FC236}">
+                <a16:creationId xmlns:a16="http://schemas.microsoft.com/office/drawing/2014/main" id="{A9CA0060-530E-4A48-9151-A3FF41CE4B0D}"/>
               </a:ext>
             </a:extLst>
           </p:cNvPr>
@@ -9020,8 +8180,8 @@
         </p:nvSpPr>
         <p:spPr>
           <a:xfrm>
-            <a:off x="890649" y="249382"/>
-            <a:ext cx="4409104" cy="923330"/>
+            <a:off x="621475" y="1599027"/>
+            <a:ext cx="10949049" cy="2123658"/>
           </a:xfrm>
           <a:prstGeom prst="rect">
             <a:avLst/>
@@ -9029,39 +8189,62 @@
           <a:noFill/>
         </p:spPr>
         <p:txBody>
-          <a:bodyPr wrap="square" rtlCol="0">
+          <a:bodyPr wrap="square">
             <a:spAutoFit/>
           </a:bodyPr>
           <a:lstStyle/>
           <a:p>
             <a:r>
-              <a:rPr lang="en-US" altLang="ja-JP" sz="3600" dirty="0"/>
-              <a:t>2</a:t>
-            </a:r>
-            <a:r>
-              <a:rPr kumimoji="1" lang="en-US" altLang="ja-JP" sz="3600" dirty="0"/>
-              <a:t>.0 </a:t>
-            </a:r>
-            <a:r>
-              <a:rPr lang="ja-JP" altLang="en-US" sz="3600" dirty="0"/>
-              <a:t>新規登録</a:t>
-            </a:r>
-            <a:r>
-              <a:rPr kumimoji="1" lang="ja-JP" altLang="en-US" sz="3600" dirty="0"/>
-              <a:t>画面</a:t>
-            </a:r>
-          </a:p>
-          <a:p>
-            <a:endParaRPr kumimoji="1" lang="ja-JP" altLang="en-US" dirty="0"/>
-          </a:p>
-        </p:txBody>
-      </p:sp>
-      <p:sp>
-        <p:nvSpPr>
-          <p:cNvPr id="16" name="テキスト ボックス 15">
-            <a:extLst>
-              <a:ext uri="{FF2B5EF4-FFF2-40B4-BE49-F238E27FC236}">
-                <a16:creationId xmlns:a16="http://schemas.microsoft.com/office/drawing/2014/main" id="{44178A5B-6D39-4400-B1A3-C7663E849117}"/>
+              <a:rPr lang="en-US" altLang="ja-JP" sz="4400" dirty="0"/>
+              <a:t>(1)ID</a:t>
+            </a:r>
+            <a:r>
+              <a:rPr lang="ja-JP" altLang="en-US" sz="4400" dirty="0"/>
+              <a:t>入力欄　半角アルファベットか数字</a:t>
+            </a:r>
+            <a:r>
+              <a:rPr lang="en-US" altLang="ja-JP" sz="4400" dirty="0"/>
+              <a:t>	</a:t>
+            </a:r>
+            <a:r>
+              <a:rPr lang="ja-JP" altLang="en-US" sz="4400" dirty="0"/>
+              <a:t>で</a:t>
+            </a:r>
+            <a:r>
+              <a:rPr lang="en-US" altLang="ja-JP" sz="4400" dirty="0"/>
+              <a:t>4</a:t>
+            </a:r>
+            <a:r>
+              <a:rPr lang="ja-JP" altLang="en-US" sz="4400" dirty="0"/>
+              <a:t>桁以上</a:t>
+            </a:r>
+            <a:r>
+              <a:rPr lang="en-US" altLang="ja-JP" sz="4400" dirty="0"/>
+              <a:t>18</a:t>
+            </a:r>
+            <a:r>
+              <a:rPr lang="ja-JP" altLang="en-US" sz="4400" dirty="0"/>
+              <a:t>文字以下</a:t>
+            </a:r>
+          </a:p>
+          <a:p>
+            <a:r>
+              <a:rPr lang="en-US" altLang="ja-JP" sz="4400" dirty="0"/>
+              <a:t>(2)PW</a:t>
+            </a:r>
+            <a:r>
+              <a:rPr lang="ja-JP" altLang="en-US" sz="4400" dirty="0"/>
+              <a:t>入力欄　半角アルファベットか数字</a:t>
+            </a:r>
+          </a:p>
+        </p:txBody>
+      </p:sp>
+      <p:sp>
+        <p:nvSpPr>
+          <p:cNvPr id="5" name="テキスト ボックス 4">
+            <a:extLst>
+              <a:ext uri="{FF2B5EF4-FFF2-40B4-BE49-F238E27FC236}">
+                <a16:creationId xmlns:a16="http://schemas.microsoft.com/office/drawing/2014/main" id="{42B3DD04-F0C1-4E72-89D9-37C3D6EFFBC5}"/>
               </a:ext>
             </a:extLst>
           </p:cNvPr>
@@ -9070,18 +8253,13 @@
         </p:nvSpPr>
         <p:spPr>
           <a:xfrm>
-            <a:off x="5188448" y="3205898"/>
-            <a:ext cx="1407560" cy="369332"/>
+            <a:off x="961902" y="398698"/>
+            <a:ext cx="6852062" cy="1200329"/>
           </a:xfrm>
           <a:prstGeom prst="rect">
             <a:avLst/>
           </a:prstGeom>
           <a:noFill/>
-          <a:ln w="38100">
-            <a:solidFill>
-              <a:schemeClr val="accent4"/>
-            </a:solidFill>
-          </a:ln>
         </p:spPr>
         <p:txBody>
           <a:bodyPr wrap="square" rtlCol="0">
@@ -9090,22 +8268,29 @@
           <a:lstStyle/>
           <a:p>
             <a:r>
-              <a:rPr lang="en-US" altLang="ja-JP" dirty="0"/>
-              <a:t>PW</a:t>
-            </a:r>
-            <a:r>
-              <a:rPr kumimoji="1" lang="ja-JP" altLang="en-US" dirty="0"/>
-              <a:t>入力欄</a:t>
-            </a:r>
-          </a:p>
-        </p:txBody>
-      </p:sp>
-      <p:sp>
-        <p:nvSpPr>
-          <p:cNvPr id="18" name="テキスト ボックス 17">
-            <a:extLst>
-              <a:ext uri="{FF2B5EF4-FFF2-40B4-BE49-F238E27FC236}">
-                <a16:creationId xmlns:a16="http://schemas.microsoft.com/office/drawing/2014/main" id="{3221D428-E2D4-476A-A228-29B542FCF209}"/>
+              <a:rPr lang="en-US" altLang="ja-JP" sz="3600" dirty="0"/>
+              <a:t>1.0 </a:t>
+            </a:r>
+            <a:r>
+              <a:rPr lang="ja-JP" altLang="en-US" sz="3600" dirty="0"/>
+              <a:t>ログイン画面</a:t>
+            </a:r>
+          </a:p>
+          <a:p>
+            <a:r>
+              <a:rPr lang="ja-JP" altLang="en-US" sz="3600" dirty="0"/>
+              <a:t>機能設計</a:t>
+            </a:r>
+            <a:endParaRPr kumimoji="1" lang="ja-JP" altLang="en-US" sz="3600" dirty="0"/>
+          </a:p>
+        </p:txBody>
+      </p:sp>
+      <p:sp>
+        <p:nvSpPr>
+          <p:cNvPr id="3" name="テキスト ボックス 2">
+            <a:extLst>
+              <a:ext uri="{FF2B5EF4-FFF2-40B4-BE49-F238E27FC236}">
+                <a16:creationId xmlns:a16="http://schemas.microsoft.com/office/drawing/2014/main" id="{69757B95-F8D3-4CC8-AACC-48EF58EF8F9B}"/>
               </a:ext>
             </a:extLst>
           </p:cNvPr>
@@ -9114,18 +8299,13 @@
         </p:nvSpPr>
         <p:spPr>
           <a:xfrm>
-            <a:off x="4731245" y="3769932"/>
-            <a:ext cx="2321961" cy="369332"/>
+            <a:off x="961902" y="3722685"/>
+            <a:ext cx="3194462" cy="923330"/>
           </a:xfrm>
           <a:prstGeom prst="rect">
             <a:avLst/>
           </a:prstGeom>
           <a:noFill/>
-          <a:ln w="38100">
-            <a:solidFill>
-              <a:schemeClr val="accent4"/>
-            </a:solidFill>
-          </a:ln>
         </p:spPr>
         <p:txBody>
           <a:bodyPr wrap="square" rtlCol="0">
@@ -9134,16 +8314,98 @@
           <a:lstStyle/>
           <a:p>
             <a:r>
-              <a:rPr kumimoji="1" lang="ja-JP" altLang="en-US" dirty="0"/>
-              <a:t>ニックネーム入力欄</a:t>
-            </a:r>
+              <a:rPr lang="ja-JP" altLang="en-US" sz="3600" dirty="0"/>
+              <a:t>項目設計</a:t>
+            </a:r>
+            <a:endParaRPr kumimoji="1" lang="ja-JP" altLang="en-US" sz="3600" dirty="0"/>
+          </a:p>
+          <a:p>
+            <a:endParaRPr kumimoji="1" lang="ja-JP" altLang="en-US" dirty="0"/>
+          </a:p>
+        </p:txBody>
+      </p:sp>
+      <p:sp>
+        <p:nvSpPr>
+          <p:cNvPr id="6" name="テキスト ボックス 5">
+            <a:extLst>
+              <a:ext uri="{FF2B5EF4-FFF2-40B4-BE49-F238E27FC236}">
+                <a16:creationId xmlns:a16="http://schemas.microsoft.com/office/drawing/2014/main" id="{E655E9F5-5E3B-4FFC-A1B7-21EBE972E843}"/>
+              </a:ext>
+            </a:extLst>
+          </p:cNvPr>
+          <p:cNvSpPr txBox="1"/>
+          <p:nvPr/>
+        </p:nvSpPr>
+        <p:spPr>
+          <a:xfrm>
+            <a:off x="613557" y="4415254"/>
+            <a:ext cx="10949049" cy="2123658"/>
+          </a:xfrm>
+          <a:prstGeom prst="rect">
+            <a:avLst/>
+          </a:prstGeom>
+          <a:noFill/>
+        </p:spPr>
+        <p:txBody>
+          <a:bodyPr wrap="square">
+            <a:spAutoFit/>
+          </a:bodyPr>
+          <a:lstStyle/>
+          <a:p>
+            <a:r>
+              <a:rPr lang="en-US" altLang="ja-JP" sz="4400" dirty="0"/>
+              <a:t>(1)ID</a:t>
+            </a:r>
+            <a:r>
+              <a:rPr lang="ja-JP" altLang="en-US" sz="4400" dirty="0"/>
+              <a:t>入力欄　</a:t>
+            </a:r>
+            <a:r>
+              <a:rPr lang="en-US" altLang="ja-JP" sz="4400" dirty="0"/>
+              <a:t>id</a:t>
+            </a:r>
+            <a:r>
+              <a:rPr lang="ja-JP" altLang="en-US" sz="4400" dirty="0"/>
+              <a:t>属性</a:t>
+            </a:r>
+            <a:r>
+              <a:rPr lang="en-US" altLang="ja-JP" sz="4400" dirty="0"/>
+              <a:t>=id</a:t>
+            </a:r>
+            <a:endParaRPr lang="ja-JP" altLang="en-US" sz="4400" dirty="0"/>
+          </a:p>
+          <a:p>
+            <a:r>
+              <a:rPr lang="en-US" altLang="ja-JP" sz="4400" dirty="0"/>
+              <a:t>(2)PW</a:t>
+            </a:r>
+            <a:r>
+              <a:rPr lang="ja-JP" altLang="en-US" sz="4400" dirty="0"/>
+              <a:t>入力欄　</a:t>
+            </a:r>
+            <a:r>
+              <a:rPr lang="en-US" altLang="ja-JP" sz="4400" dirty="0"/>
+              <a:t>id</a:t>
+            </a:r>
+            <a:r>
+              <a:rPr lang="ja-JP" altLang="en-US" sz="4400" dirty="0"/>
+              <a:t>属性</a:t>
+            </a:r>
+            <a:r>
+              <a:rPr lang="en-US" altLang="ja-JP" sz="4400" dirty="0"/>
+              <a:t>=pw</a:t>
+            </a:r>
+            <a:endParaRPr lang="ja-JP" altLang="en-US" sz="4400" dirty="0"/>
+          </a:p>
+          <a:p>
+            <a:endParaRPr lang="ja-JP" altLang="en-US" sz="4400" dirty="0"/>
           </a:p>
         </p:txBody>
       </p:sp>
     </p:spTree>
     <p:extLst>
       <p:ext uri="{BB962C8B-B14F-4D97-AF65-F5344CB8AC3E}">
-        <p14:creationId xmlns:p14="http://schemas.microsoft.com/office/powerpoint/2010/main" val="2359574900"/>
+        <p14:creationId xmlns:p14="http://schemas.microsoft.com/office/powerpoint/2010/main" val="3003830861"/>
       </p:ext>
     </p:extLst>
   </p:cSld>
@@ -9218,6 +8480,224 @@
           </a:p>
         </p:txBody>
       </p:sp>
+      <p:sp>
+        <p:nvSpPr>
+          <p:cNvPr id="2" name="テキスト ボックス 1">
+            <a:extLst>
+              <a:ext uri="{FF2B5EF4-FFF2-40B4-BE49-F238E27FC236}">
+                <a16:creationId xmlns:a16="http://schemas.microsoft.com/office/drawing/2014/main" id="{EED977D5-BCEF-4957-8ED9-005ADDB9F1BD}"/>
+              </a:ext>
+            </a:extLst>
+          </p:cNvPr>
+          <p:cNvSpPr txBox="1"/>
+          <p:nvPr/>
+        </p:nvSpPr>
+        <p:spPr>
+          <a:xfrm>
+            <a:off x="5188449" y="2626004"/>
+            <a:ext cx="1686886" cy="369332"/>
+          </a:xfrm>
+          <a:prstGeom prst="rect">
+            <a:avLst/>
+          </a:prstGeom>
+          <a:noFill/>
+          <a:ln w="38100">
+            <a:solidFill>
+              <a:schemeClr val="accent4"/>
+            </a:solidFill>
+          </a:ln>
+        </p:spPr>
+        <p:txBody>
+          <a:bodyPr wrap="square" rtlCol="0">
+            <a:spAutoFit/>
+          </a:bodyPr>
+          <a:lstStyle/>
+          <a:p>
+            <a:r>
+              <a:rPr kumimoji="1" lang="en-US" altLang="ja-JP" dirty="0"/>
+              <a:t>ID</a:t>
+            </a:r>
+            <a:r>
+              <a:rPr kumimoji="1" lang="ja-JP" altLang="en-US" dirty="0"/>
+              <a:t>入力欄</a:t>
+            </a:r>
+            <a:r>
+              <a:rPr kumimoji="1" lang="en-US" altLang="ja-JP" dirty="0"/>
+              <a:t>(1)</a:t>
+            </a:r>
+            <a:endParaRPr kumimoji="1" lang="ja-JP" altLang="en-US" dirty="0"/>
+          </a:p>
+        </p:txBody>
+      </p:sp>
+      <p:sp>
+        <p:nvSpPr>
+          <p:cNvPr id="5" name="テキスト ボックス 4">
+            <a:extLst>
+              <a:ext uri="{FF2B5EF4-FFF2-40B4-BE49-F238E27FC236}">
+                <a16:creationId xmlns:a16="http://schemas.microsoft.com/office/drawing/2014/main" id="{9C106C85-3318-482B-926A-32A289B9A7FA}"/>
+              </a:ext>
+            </a:extLst>
+          </p:cNvPr>
+          <p:cNvSpPr txBox="1"/>
+          <p:nvPr/>
+        </p:nvSpPr>
+        <p:spPr>
+          <a:xfrm>
+            <a:off x="4909118" y="4334766"/>
+            <a:ext cx="2477334" cy="369332"/>
+          </a:xfrm>
+          <a:prstGeom prst="rect">
+            <a:avLst/>
+          </a:prstGeom>
+          <a:noFill/>
+          <a:ln w="38100">
+            <a:solidFill>
+              <a:schemeClr val="accent4"/>
+            </a:solidFill>
+          </a:ln>
+        </p:spPr>
+        <p:txBody>
+          <a:bodyPr wrap="square" rtlCol="0">
+            <a:spAutoFit/>
+          </a:bodyPr>
+          <a:lstStyle/>
+          <a:p>
+            <a:r>
+              <a:rPr kumimoji="1" lang="ja-JP" altLang="en-US" dirty="0"/>
+              <a:t>生年月日入力欄 </a:t>
+            </a:r>
+            <a:r>
+              <a:rPr lang="en-US" altLang="ja-JP" dirty="0"/>
+              <a:t>(4)</a:t>
+            </a:r>
+            <a:endParaRPr kumimoji="1" lang="ja-JP" altLang="en-US" dirty="0"/>
+          </a:p>
+        </p:txBody>
+      </p:sp>
+      <p:sp>
+        <p:nvSpPr>
+          <p:cNvPr id="6" name="テキスト ボックス 5">
+            <a:extLst>
+              <a:ext uri="{FF2B5EF4-FFF2-40B4-BE49-F238E27FC236}">
+                <a16:creationId xmlns:a16="http://schemas.microsoft.com/office/drawing/2014/main" id="{3744A1B5-C698-4344-B6F0-EA676FD4B509}"/>
+              </a:ext>
+            </a:extLst>
+          </p:cNvPr>
+          <p:cNvSpPr txBox="1"/>
+          <p:nvPr/>
+        </p:nvSpPr>
+        <p:spPr>
+          <a:xfrm>
+            <a:off x="4438436" y="2081055"/>
+            <a:ext cx="3071973" cy="369332"/>
+          </a:xfrm>
+          <a:prstGeom prst="rect">
+            <a:avLst/>
+          </a:prstGeom>
+          <a:noFill/>
+          <a:ln w="38100">
+            <a:solidFill>
+              <a:schemeClr val="tx1"/>
+            </a:solidFill>
+          </a:ln>
+        </p:spPr>
+        <p:txBody>
+          <a:bodyPr wrap="square" rtlCol="0" anchor="ctr" anchorCtr="1">
+            <a:spAutoFit/>
+          </a:bodyPr>
+          <a:lstStyle/>
+          <a:p>
+            <a:r>
+              <a:rPr lang="ja-JP" altLang="en-US" dirty="0"/>
+              <a:t>新規登録</a:t>
+            </a:r>
+            <a:r>
+              <a:rPr kumimoji="1" lang="ja-JP" altLang="en-US" dirty="0"/>
+              <a:t>ページ</a:t>
+            </a:r>
+          </a:p>
+        </p:txBody>
+      </p:sp>
+      <p:sp>
+        <p:nvSpPr>
+          <p:cNvPr id="8" name="テキスト ボックス 7">
+            <a:extLst>
+              <a:ext uri="{FF2B5EF4-FFF2-40B4-BE49-F238E27FC236}">
+                <a16:creationId xmlns:a16="http://schemas.microsoft.com/office/drawing/2014/main" id="{FFDC9542-88AA-41D0-8139-3C4569C842CE}"/>
+              </a:ext>
+            </a:extLst>
+          </p:cNvPr>
+          <p:cNvSpPr txBox="1"/>
+          <p:nvPr/>
+        </p:nvSpPr>
+        <p:spPr>
+          <a:xfrm>
+            <a:off x="4819547" y="4919853"/>
+            <a:ext cx="796247" cy="369332"/>
+          </a:xfrm>
+          <a:prstGeom prst="rect">
+            <a:avLst/>
+          </a:prstGeom>
+          <a:noFill/>
+          <a:ln w="38100">
+            <a:solidFill>
+              <a:schemeClr val="accent4"/>
+            </a:solidFill>
+          </a:ln>
+        </p:spPr>
+        <p:txBody>
+          <a:bodyPr wrap="square" rtlCol="0">
+            <a:spAutoFit/>
+          </a:bodyPr>
+          <a:lstStyle/>
+          <a:p>
+            <a:r>
+              <a:rPr kumimoji="1" lang="ja-JP" altLang="en-US" dirty="0"/>
+              <a:t>送信</a:t>
+            </a:r>
+          </a:p>
+        </p:txBody>
+      </p:sp>
+      <p:sp>
+        <p:nvSpPr>
+          <p:cNvPr id="10" name="テキスト ボックス 9">
+            <a:extLst>
+              <a:ext uri="{FF2B5EF4-FFF2-40B4-BE49-F238E27FC236}">
+                <a16:creationId xmlns:a16="http://schemas.microsoft.com/office/drawing/2014/main" id="{B89AF719-8B69-45E7-B6FF-4A9EC736365B}"/>
+              </a:ext>
+            </a:extLst>
+          </p:cNvPr>
+          <p:cNvSpPr txBox="1"/>
+          <p:nvPr/>
+        </p:nvSpPr>
+        <p:spPr>
+          <a:xfrm>
+            <a:off x="6037351" y="4909726"/>
+            <a:ext cx="1117314" cy="369332"/>
+          </a:xfrm>
+          <a:prstGeom prst="rect">
+            <a:avLst/>
+          </a:prstGeom>
+          <a:noFill/>
+          <a:ln w="38100">
+            <a:solidFill>
+              <a:schemeClr val="accent4"/>
+            </a:solidFill>
+          </a:ln>
+        </p:spPr>
+        <p:txBody>
+          <a:bodyPr wrap="square" rtlCol="0">
+            <a:spAutoFit/>
+          </a:bodyPr>
+          <a:lstStyle/>
+          <a:p>
+            <a:r>
+              <a:rPr kumimoji="1" lang="ja-JP" altLang="en-US" dirty="0"/>
+              <a:t>リセット</a:t>
+            </a:r>
+          </a:p>
+        </p:txBody>
+      </p:sp>
       <p:cxnSp>
         <p:nvCxnSpPr>
           <p:cNvPr id="11" name="直線コネクタ 10">
@@ -9269,7 +8749,7 @@
         </p:nvSpPr>
         <p:spPr>
           <a:xfrm>
-            <a:off x="3986373" y="1866528"/>
+            <a:off x="3986373" y="1236078"/>
             <a:ext cx="3811712" cy="369332"/>
           </a:xfrm>
           <a:prstGeom prst="rect">
@@ -9285,10 +8765,9 @@
           <a:p>
             <a:pPr algn="ctr"/>
             <a:r>
-              <a:rPr lang="ja-JP" altLang="en-US" dirty="0"/>
-              <a:t>メニューバー</a:t>
-            </a:r>
-            <a:endParaRPr kumimoji="1" lang="ja-JP" altLang="en-US" dirty="0"/>
+              <a:rPr kumimoji="1" lang="ja-JP" altLang="en-US" dirty="0"/>
+              <a:t>ヘッダー</a:t>
+            </a:r>
           </a:p>
         </p:txBody>
       </p:sp>
@@ -9366,49 +8845,41 @@
           </a:p>
         </p:txBody>
       </p:sp>
-      <p:cxnSp>
-        <p:nvCxnSpPr>
-          <p:cNvPr id="13" name="直線コネクタ 12">
-            <a:extLst>
-              <a:ext uri="{FF2B5EF4-FFF2-40B4-BE49-F238E27FC236}">
-                <a16:creationId xmlns:a16="http://schemas.microsoft.com/office/drawing/2014/main" id="{D3105F0F-41D4-46A9-9AFB-411DD1FB0212}"/>
-              </a:ext>
-            </a:extLst>
-          </p:cNvPr>
-          <p:cNvCxnSpPr/>
-          <p:nvPr/>
-        </p:nvCxnSpPr>
-        <p:spPr>
-          <a:xfrm>
-            <a:off x="1171254" y="2330521"/>
-            <a:ext cx="9965933" cy="0"/>
-          </a:xfrm>
-          <a:prstGeom prst="line">
-            <a:avLst/>
-          </a:prstGeom>
-          <a:ln w="38100"/>
-        </p:spPr>
-        <p:style>
-          <a:lnRef idx="1">
-            <a:schemeClr val="accent1"/>
-          </a:lnRef>
-          <a:fillRef idx="0">
-            <a:schemeClr val="accent1"/>
-          </a:fillRef>
-          <a:effectRef idx="0">
-            <a:schemeClr val="accent1"/>
-          </a:effectRef>
-          <a:fontRef idx="minor">
-            <a:schemeClr val="tx1"/>
-          </a:fontRef>
-        </p:style>
-      </p:cxnSp>
+      <p:sp>
+        <p:nvSpPr>
+          <p:cNvPr id="13" name="スライド番号プレースホルダー 12">
+            <a:extLst>
+              <a:ext uri="{FF2B5EF4-FFF2-40B4-BE49-F238E27FC236}">
+                <a16:creationId xmlns:a16="http://schemas.microsoft.com/office/drawing/2014/main" id="{B776E401-07AC-4D01-A563-6FC25388F3D3}"/>
+              </a:ext>
+            </a:extLst>
+          </p:cNvPr>
+          <p:cNvSpPr>
+            <a:spLocks noGrp="1"/>
+          </p:cNvSpPr>
+          <p:nvPr>
+            <p:ph type="sldNum" sz="quarter" idx="12"/>
+          </p:nvPr>
+        </p:nvSpPr>
+        <p:spPr/>
+        <p:txBody>
+          <a:bodyPr/>
+          <a:lstStyle/>
+          <a:p>
+            <a:fld id="{CD6B2FB5-E90A-4377-9425-2AC54998F38A}" type="slidenum">
+              <a:rPr kumimoji="1" lang="ja-JP" altLang="en-US" smtClean="0"/>
+              <a:t>5</a:t>
+            </a:fld>
+            <a:endParaRPr kumimoji="1" lang="ja-JP" altLang="en-US" dirty="0"/>
+          </a:p>
+        </p:txBody>
+      </p:sp>
       <p:sp>
         <p:nvSpPr>
           <p:cNvPr id="14" name="テキスト ボックス 13">
             <a:extLst>
               <a:ext uri="{FF2B5EF4-FFF2-40B4-BE49-F238E27FC236}">
-                <a16:creationId xmlns:a16="http://schemas.microsoft.com/office/drawing/2014/main" id="{0112ACB5-88B9-448E-A17F-6BBAE282D98D}"/>
+                <a16:creationId xmlns:a16="http://schemas.microsoft.com/office/drawing/2014/main" id="{68019CAB-8490-4F16-A321-12E01B1DFCF2}"/>
               </a:ext>
             </a:extLst>
           </p:cNvPr>
@@ -9417,8 +8888,8 @@
         </p:nvSpPr>
         <p:spPr>
           <a:xfrm>
-            <a:off x="4138773" y="1388478"/>
-            <a:ext cx="3811712" cy="369332"/>
+            <a:off x="890649" y="249382"/>
+            <a:ext cx="4409104" cy="923330"/>
           </a:xfrm>
           <a:prstGeom prst="rect">
             <a:avLst/>
@@ -9431,11 +8902,25 @@
           </a:bodyPr>
           <a:lstStyle/>
           <a:p>
-            <a:pPr algn="ctr"/>
-            <a:r>
-              <a:rPr kumimoji="1" lang="ja-JP" altLang="en-US" dirty="0"/>
-              <a:t>ヘッダー</a:t>
-            </a:r>
+            <a:r>
+              <a:rPr lang="en-US" altLang="ja-JP" sz="3600" dirty="0"/>
+              <a:t>2</a:t>
+            </a:r>
+            <a:r>
+              <a:rPr kumimoji="1" lang="en-US" altLang="ja-JP" sz="3600" dirty="0"/>
+              <a:t>.0 </a:t>
+            </a:r>
+            <a:r>
+              <a:rPr lang="ja-JP" altLang="en-US" sz="3600" dirty="0"/>
+              <a:t>新規登録</a:t>
+            </a:r>
+            <a:r>
+              <a:rPr kumimoji="1" lang="ja-JP" altLang="en-US" sz="3600" dirty="0"/>
+              <a:t>画面</a:t>
+            </a:r>
+          </a:p>
+          <a:p>
+            <a:endParaRPr kumimoji="1" lang="ja-JP" altLang="en-US" dirty="0"/>
           </a:p>
         </p:txBody>
       </p:sp>
@@ -9444,7 +8929,7 @@
           <p:cNvPr id="16" name="テキスト ボックス 15">
             <a:extLst>
               <a:ext uri="{FF2B5EF4-FFF2-40B4-BE49-F238E27FC236}">
-                <a16:creationId xmlns:a16="http://schemas.microsoft.com/office/drawing/2014/main" id="{CC1773B3-13E2-4E6C-81CB-0C0F69208EC3}"/>
+                <a16:creationId xmlns:a16="http://schemas.microsoft.com/office/drawing/2014/main" id="{44178A5B-6D39-4400-B1A3-C7663E849117}"/>
               </a:ext>
             </a:extLst>
           </p:cNvPr>
@@ -9453,8 +8938,8 @@
         </p:nvSpPr>
         <p:spPr>
           <a:xfrm>
-            <a:off x="2988067" y="2911868"/>
-            <a:ext cx="2301411" cy="1952090"/>
+            <a:off x="5188448" y="3205898"/>
+            <a:ext cx="1686886" cy="369332"/>
           </a:xfrm>
           <a:prstGeom prst="rect">
             <a:avLst/>
@@ -9468,24 +8953,32 @@
         </p:spPr>
         <p:txBody>
           <a:bodyPr wrap="square" rtlCol="0">
-            <a:noAutofit/>
+            <a:spAutoFit/>
           </a:bodyPr>
           <a:lstStyle/>
           <a:p>
             <a:r>
-              <a:rPr lang="ja-JP" altLang="en-US" dirty="0"/>
-              <a:t>食事提案ページ</a:t>
-            </a:r>
-            <a:endParaRPr lang="en-US" altLang="ja-JP" dirty="0"/>
-          </a:p>
-        </p:txBody>
-      </p:sp>
-      <p:sp>
-        <p:nvSpPr>
-          <p:cNvPr id="10" name="テキスト ボックス 9">
-            <a:extLst>
-              <a:ext uri="{FF2B5EF4-FFF2-40B4-BE49-F238E27FC236}">
-                <a16:creationId xmlns:a16="http://schemas.microsoft.com/office/drawing/2014/main" id="{CDDB5866-DE5F-4CC6-BD2A-004BF17FA236}"/>
+              <a:rPr lang="en-US" altLang="ja-JP" dirty="0"/>
+              <a:t>PW</a:t>
+            </a:r>
+            <a:r>
+              <a:rPr kumimoji="1" lang="ja-JP" altLang="en-US" dirty="0"/>
+              <a:t>入力欄</a:t>
+            </a:r>
+            <a:r>
+              <a:rPr kumimoji="1" lang="en-US" altLang="ja-JP" dirty="0"/>
+              <a:t>(2)</a:t>
+            </a:r>
+            <a:endParaRPr kumimoji="1" lang="ja-JP" altLang="en-US" dirty="0"/>
+          </a:p>
+        </p:txBody>
+      </p:sp>
+      <p:sp>
+        <p:nvSpPr>
+          <p:cNvPr id="18" name="テキスト ボックス 17">
+            <a:extLst>
+              <a:ext uri="{FF2B5EF4-FFF2-40B4-BE49-F238E27FC236}">
+                <a16:creationId xmlns:a16="http://schemas.microsoft.com/office/drawing/2014/main" id="{3221D428-E2D4-476A-A228-29B542FCF209}"/>
               </a:ext>
             </a:extLst>
           </p:cNvPr>
@@ -9494,8 +8987,8 @@
         </p:nvSpPr>
         <p:spPr>
           <a:xfrm>
-            <a:off x="6647379" y="2890534"/>
-            <a:ext cx="2301411" cy="1952090"/>
+            <a:off x="4731245" y="3769932"/>
+            <a:ext cx="2779164" cy="369332"/>
           </a:xfrm>
           <a:prstGeom prst="rect">
             <a:avLst/>
@@ -9509,97 +9002,18 @@
         </p:spPr>
         <p:txBody>
           <a:bodyPr wrap="square" rtlCol="0">
-            <a:noAutofit/>
-          </a:bodyPr>
-          <a:lstStyle/>
-          <a:p>
-            <a:r>
-              <a:rPr lang="ja-JP" altLang="en-US" dirty="0"/>
-              <a:t>管理ページ</a:t>
-            </a:r>
-            <a:endParaRPr lang="en-US" altLang="ja-JP" dirty="0"/>
-          </a:p>
-        </p:txBody>
-      </p:sp>
-      <p:sp>
-        <p:nvSpPr>
-          <p:cNvPr id="3" name="スライド番号プレースホルダー 2">
-            <a:extLst>
-              <a:ext uri="{FF2B5EF4-FFF2-40B4-BE49-F238E27FC236}">
-                <a16:creationId xmlns:a16="http://schemas.microsoft.com/office/drawing/2014/main" id="{3D5BD508-C9FF-4C67-8D6D-CE974F244781}"/>
-              </a:ext>
-            </a:extLst>
-          </p:cNvPr>
-          <p:cNvSpPr>
-            <a:spLocks noGrp="1"/>
-          </p:cNvSpPr>
-          <p:nvPr>
-            <p:ph type="sldNum" sz="quarter" idx="12"/>
-          </p:nvPr>
-        </p:nvSpPr>
-        <p:spPr/>
-        <p:txBody>
-          <a:bodyPr/>
-          <a:lstStyle/>
-          <a:p>
-            <a:fld id="{CD6B2FB5-E90A-4377-9425-2AC54998F38A}" type="slidenum">
-              <a:rPr kumimoji="1" lang="ja-JP" altLang="en-US" smtClean="0"/>
-              <a:t>5</a:t>
-            </a:fld>
-            <a:endParaRPr kumimoji="1" lang="ja-JP" altLang="en-US"/>
-          </a:p>
-        </p:txBody>
-      </p:sp>
-      <p:sp>
-        <p:nvSpPr>
-          <p:cNvPr id="5" name="テキスト ボックス 4">
-            <a:extLst>
-              <a:ext uri="{FF2B5EF4-FFF2-40B4-BE49-F238E27FC236}">
-                <a16:creationId xmlns:a16="http://schemas.microsoft.com/office/drawing/2014/main" id="{6B16E2B0-7592-423F-A7B9-AA6580E6007E}"/>
-              </a:ext>
-            </a:extLst>
-          </p:cNvPr>
-          <p:cNvSpPr txBox="1"/>
-          <p:nvPr/>
-        </p:nvSpPr>
-        <p:spPr>
-          <a:xfrm>
-            <a:off x="629391" y="225631"/>
-            <a:ext cx="5652655" cy="800219"/>
-          </a:xfrm>
-          <a:prstGeom prst="rect">
-            <a:avLst/>
-          </a:prstGeom>
-          <a:noFill/>
-        </p:spPr>
-        <p:txBody>
-          <a:bodyPr wrap="square" rtlCol="0">
             <a:spAutoFit/>
           </a:bodyPr>
           <a:lstStyle/>
           <a:p>
             <a:r>
-              <a:rPr lang="en-US" altLang="ja-JP" sz="2800" dirty="0"/>
-              <a:t>3</a:t>
-            </a:r>
-            <a:r>
-              <a:rPr kumimoji="1" lang="en-US" altLang="ja-JP" sz="2800" dirty="0"/>
-              <a:t>.0 </a:t>
-            </a:r>
-            <a:r>
-              <a:rPr kumimoji="1" lang="ja-JP" altLang="en-US" sz="2800" dirty="0"/>
-              <a:t>ログイン画面　</a:t>
-            </a:r>
-            <a:r>
-              <a:rPr kumimoji="1" lang="en-US" altLang="ja-JP" sz="2800" dirty="0"/>
-              <a:t>-&gt; </a:t>
-            </a:r>
-            <a:r>
-              <a:rPr kumimoji="1" lang="ja-JP" altLang="en-US" sz="2800" dirty="0"/>
-              <a:t>メイン画面</a:t>
-            </a:r>
-          </a:p>
-          <a:p>
+              <a:rPr kumimoji="1" lang="ja-JP" altLang="en-US" dirty="0"/>
+              <a:t>ニックネーム入力欄 </a:t>
+            </a:r>
+            <a:r>
+              <a:rPr kumimoji="1" lang="en-US" altLang="ja-JP" dirty="0"/>
+              <a:t>(3)</a:t>
+            </a:r>
             <a:endParaRPr kumimoji="1" lang="ja-JP" altLang="en-US" dirty="0"/>
           </a:p>
         </p:txBody>
@@ -9607,7 +9021,7 @@
     </p:spTree>
     <p:extLst>
       <p:ext uri="{BB962C8B-B14F-4D97-AF65-F5344CB8AC3E}">
-        <p14:creationId xmlns:p14="http://schemas.microsoft.com/office/powerpoint/2010/main" val="4239101936"/>
+        <p14:creationId xmlns:p14="http://schemas.microsoft.com/office/powerpoint/2010/main" val="2359574900"/>
       </p:ext>
     </p:extLst>
   </p:cSld>
@@ -9636,425 +9050,10 @@
       </p:grpSpPr>
       <p:sp>
         <p:nvSpPr>
-          <p:cNvPr id="4" name="正方形/長方形 3">
-            <a:extLst>
-              <a:ext uri="{FF2B5EF4-FFF2-40B4-BE49-F238E27FC236}">
-                <a16:creationId xmlns:a16="http://schemas.microsoft.com/office/drawing/2014/main" id="{27ED228B-B880-4301-96EF-93ED3C3E94DA}"/>
-              </a:ext>
-            </a:extLst>
-          </p:cNvPr>
-          <p:cNvSpPr/>
-          <p:nvPr/>
-        </p:nvSpPr>
-        <p:spPr>
-          <a:xfrm>
-            <a:off x="1171254" y="1130157"/>
-            <a:ext cx="9965933" cy="5065160"/>
-          </a:xfrm>
-          <a:prstGeom prst="rect">
-            <a:avLst/>
-          </a:prstGeom>
-          <a:noFill/>
-          <a:ln w="57150"/>
-        </p:spPr>
-        <p:style>
-          <a:lnRef idx="2">
-            <a:schemeClr val="accent1">
-              <a:shade val="50000"/>
-            </a:schemeClr>
-          </a:lnRef>
-          <a:fillRef idx="1">
-            <a:schemeClr val="accent1"/>
-          </a:fillRef>
-          <a:effectRef idx="0">
-            <a:schemeClr val="accent1"/>
-          </a:effectRef>
-          <a:fontRef idx="minor">
-            <a:schemeClr val="lt1"/>
-          </a:fontRef>
-        </p:style>
-        <p:txBody>
-          <a:bodyPr rtlCol="0" anchor="ctr"/>
-          <a:lstStyle/>
-          <a:p>
-            <a:pPr algn="ctr"/>
-            <a:endParaRPr kumimoji="1" lang="ja-JP" altLang="en-US"/>
-          </a:p>
-        </p:txBody>
-      </p:sp>
-      <p:cxnSp>
-        <p:nvCxnSpPr>
-          <p:cNvPr id="11" name="直線コネクタ 10">
-            <a:extLst>
-              <a:ext uri="{FF2B5EF4-FFF2-40B4-BE49-F238E27FC236}">
-                <a16:creationId xmlns:a16="http://schemas.microsoft.com/office/drawing/2014/main" id="{29E32288-CB64-42B9-A8F0-B1FE888D765F}"/>
-              </a:ext>
-            </a:extLst>
-          </p:cNvPr>
-          <p:cNvCxnSpPr/>
-          <p:nvPr/>
-        </p:nvCxnSpPr>
-        <p:spPr>
-          <a:xfrm>
-            <a:off x="1171254" y="1849348"/>
-            <a:ext cx="9965933" cy="0"/>
-          </a:xfrm>
-          <a:prstGeom prst="line">
-            <a:avLst/>
-          </a:prstGeom>
-          <a:ln w="38100"/>
-        </p:spPr>
-        <p:style>
-          <a:lnRef idx="1">
-            <a:schemeClr val="accent1"/>
-          </a:lnRef>
-          <a:fillRef idx="0">
-            <a:schemeClr val="accent1"/>
-          </a:fillRef>
-          <a:effectRef idx="0">
-            <a:schemeClr val="accent1"/>
-          </a:effectRef>
-          <a:fontRef idx="minor">
-            <a:schemeClr val="tx1"/>
-          </a:fontRef>
-        </p:style>
-      </p:cxnSp>
-      <p:sp>
-        <p:nvSpPr>
-          <p:cNvPr id="12" name="テキスト ボックス 11">
-            <a:extLst>
-              <a:ext uri="{FF2B5EF4-FFF2-40B4-BE49-F238E27FC236}">
-                <a16:creationId xmlns:a16="http://schemas.microsoft.com/office/drawing/2014/main" id="{9B04BE3B-F41E-4399-9767-4678CEE9671F}"/>
-              </a:ext>
-            </a:extLst>
-          </p:cNvPr>
-          <p:cNvSpPr txBox="1"/>
-          <p:nvPr/>
-        </p:nvSpPr>
-        <p:spPr>
-          <a:xfrm>
-            <a:off x="3986373" y="1866528"/>
-            <a:ext cx="3811712" cy="369332"/>
-          </a:xfrm>
-          <a:prstGeom prst="rect">
-            <a:avLst/>
-          </a:prstGeom>
-          <a:noFill/>
-        </p:spPr>
-        <p:txBody>
-          <a:bodyPr wrap="square" rtlCol="0">
-            <a:spAutoFit/>
-          </a:bodyPr>
-          <a:lstStyle/>
-          <a:p>
-            <a:pPr algn="ctr"/>
-            <a:r>
-              <a:rPr lang="ja-JP" altLang="en-US" dirty="0"/>
-              <a:t>メニューバー</a:t>
-            </a:r>
-            <a:endParaRPr kumimoji="1" lang="ja-JP" altLang="en-US" dirty="0"/>
-          </a:p>
-        </p:txBody>
-      </p:sp>
-      <p:cxnSp>
-        <p:nvCxnSpPr>
-          <p:cNvPr id="15" name="直線コネクタ 14">
-            <a:extLst>
-              <a:ext uri="{FF2B5EF4-FFF2-40B4-BE49-F238E27FC236}">
-                <a16:creationId xmlns:a16="http://schemas.microsoft.com/office/drawing/2014/main" id="{0031865C-53E6-40DF-A119-F179FA0ED75B}"/>
-              </a:ext>
-            </a:extLst>
-          </p:cNvPr>
-          <p:cNvCxnSpPr/>
-          <p:nvPr/>
-        </p:nvCxnSpPr>
-        <p:spPr>
-          <a:xfrm>
-            <a:off x="1171254" y="5484687"/>
-            <a:ext cx="9965933" cy="0"/>
-          </a:xfrm>
-          <a:prstGeom prst="line">
-            <a:avLst/>
-          </a:prstGeom>
-          <a:ln w="38100"/>
-        </p:spPr>
-        <p:style>
-          <a:lnRef idx="1">
-            <a:schemeClr val="accent1"/>
-          </a:lnRef>
-          <a:fillRef idx="0">
-            <a:schemeClr val="accent1"/>
-          </a:fillRef>
-          <a:effectRef idx="0">
-            <a:schemeClr val="accent1"/>
-          </a:effectRef>
-          <a:fontRef idx="minor">
-            <a:schemeClr val="tx1"/>
-          </a:fontRef>
-        </p:style>
-      </p:cxnSp>
-      <p:sp>
-        <p:nvSpPr>
-          <p:cNvPr id="17" name="テキスト ボックス 16">
-            <a:extLst>
-              <a:ext uri="{FF2B5EF4-FFF2-40B4-BE49-F238E27FC236}">
-                <a16:creationId xmlns:a16="http://schemas.microsoft.com/office/drawing/2014/main" id="{875D9250-3F14-4CCC-A0E1-8FFA238ECB18}"/>
-              </a:ext>
-            </a:extLst>
-          </p:cNvPr>
-          <p:cNvSpPr txBox="1"/>
-          <p:nvPr/>
-        </p:nvSpPr>
-        <p:spPr>
-          <a:xfrm>
-            <a:off x="4190144" y="5579349"/>
-            <a:ext cx="3811712" cy="369332"/>
-          </a:xfrm>
-          <a:prstGeom prst="rect">
-            <a:avLst/>
-          </a:prstGeom>
-          <a:noFill/>
-        </p:spPr>
-        <p:txBody>
-          <a:bodyPr wrap="square" rtlCol="0">
-            <a:spAutoFit/>
-          </a:bodyPr>
-          <a:lstStyle/>
-          <a:p>
-            <a:pPr algn="ctr"/>
-            <a:r>
-              <a:rPr lang="ja-JP" altLang="en-US" dirty="0"/>
-              <a:t>フッター</a:t>
-            </a:r>
-            <a:endParaRPr kumimoji="1" lang="ja-JP" altLang="en-US" dirty="0"/>
-          </a:p>
-        </p:txBody>
-      </p:sp>
-      <p:cxnSp>
-        <p:nvCxnSpPr>
-          <p:cNvPr id="13" name="直線コネクタ 12">
-            <a:extLst>
-              <a:ext uri="{FF2B5EF4-FFF2-40B4-BE49-F238E27FC236}">
-                <a16:creationId xmlns:a16="http://schemas.microsoft.com/office/drawing/2014/main" id="{D3105F0F-41D4-46A9-9AFB-411DD1FB0212}"/>
-              </a:ext>
-            </a:extLst>
-          </p:cNvPr>
-          <p:cNvCxnSpPr/>
-          <p:nvPr/>
-        </p:nvCxnSpPr>
-        <p:spPr>
-          <a:xfrm>
-            <a:off x="1171254" y="2330521"/>
-            <a:ext cx="9965933" cy="0"/>
-          </a:xfrm>
-          <a:prstGeom prst="line">
-            <a:avLst/>
-          </a:prstGeom>
-          <a:ln w="38100"/>
-        </p:spPr>
-        <p:style>
-          <a:lnRef idx="1">
-            <a:schemeClr val="accent1"/>
-          </a:lnRef>
-          <a:fillRef idx="0">
-            <a:schemeClr val="accent1"/>
-          </a:fillRef>
-          <a:effectRef idx="0">
-            <a:schemeClr val="accent1"/>
-          </a:effectRef>
-          <a:fontRef idx="minor">
-            <a:schemeClr val="tx1"/>
-          </a:fontRef>
-        </p:style>
-      </p:cxnSp>
-      <p:sp>
-        <p:nvSpPr>
-          <p:cNvPr id="14" name="テキスト ボックス 13">
-            <a:extLst>
-              <a:ext uri="{FF2B5EF4-FFF2-40B4-BE49-F238E27FC236}">
-                <a16:creationId xmlns:a16="http://schemas.microsoft.com/office/drawing/2014/main" id="{0112ACB5-88B9-448E-A17F-6BBAE282D98D}"/>
-              </a:ext>
-            </a:extLst>
-          </p:cNvPr>
-          <p:cNvSpPr txBox="1"/>
-          <p:nvPr/>
-        </p:nvSpPr>
-        <p:spPr>
-          <a:xfrm>
-            <a:off x="4138773" y="1388478"/>
-            <a:ext cx="3811712" cy="369332"/>
-          </a:xfrm>
-          <a:prstGeom prst="rect">
-            <a:avLst/>
-          </a:prstGeom>
-          <a:noFill/>
-        </p:spPr>
-        <p:txBody>
-          <a:bodyPr wrap="square" rtlCol="0">
-            <a:spAutoFit/>
-          </a:bodyPr>
-          <a:lstStyle/>
-          <a:p>
-            <a:pPr algn="ctr"/>
-            <a:r>
-              <a:rPr kumimoji="1" lang="ja-JP" altLang="en-US" dirty="0"/>
-              <a:t>ヘッダー</a:t>
-            </a:r>
-          </a:p>
-        </p:txBody>
-      </p:sp>
-      <p:sp>
-        <p:nvSpPr>
-          <p:cNvPr id="18" name="テキスト ボックス 17">
-            <a:extLst>
-              <a:ext uri="{FF2B5EF4-FFF2-40B4-BE49-F238E27FC236}">
-                <a16:creationId xmlns:a16="http://schemas.microsoft.com/office/drawing/2014/main" id="{FE7AC758-0DE5-4E93-8482-6FEFF6FC111B}"/>
-              </a:ext>
-            </a:extLst>
-          </p:cNvPr>
-          <p:cNvSpPr txBox="1"/>
-          <p:nvPr/>
-        </p:nvSpPr>
-        <p:spPr>
-          <a:xfrm>
-            <a:off x="4893923" y="2931559"/>
-            <a:ext cx="2301411" cy="1595919"/>
-          </a:xfrm>
-          <a:prstGeom prst="rect">
-            <a:avLst/>
-          </a:prstGeom>
-          <a:noFill/>
-          <a:ln w="38100">
-            <a:solidFill>
-              <a:schemeClr val="accent4"/>
-            </a:solidFill>
-          </a:ln>
-        </p:spPr>
-        <p:txBody>
-          <a:bodyPr wrap="square" rtlCol="0">
-            <a:noAutofit/>
-          </a:bodyPr>
-          <a:lstStyle/>
-          <a:p>
-            <a:r>
-              <a:rPr lang="ja-JP" altLang="en-US" dirty="0"/>
-              <a:t>質問画面</a:t>
-            </a:r>
-            <a:endParaRPr lang="en-US" altLang="ja-JP" dirty="0"/>
-          </a:p>
-          <a:p>
-            <a:r>
-              <a:rPr lang="en-US" altLang="ja-JP" dirty="0"/>
-              <a:t>(</a:t>
-            </a:r>
-            <a:r>
-              <a:rPr lang="ja-JP" altLang="en-US" dirty="0"/>
-              <a:t>チェック式かボタン式か</a:t>
-            </a:r>
-            <a:r>
-              <a:rPr lang="en-US" altLang="ja-JP" dirty="0"/>
-              <a:t>)</a:t>
-            </a:r>
-          </a:p>
-          <a:p>
-            <a:r>
-              <a:rPr lang="en-US" altLang="ja-JP" dirty="0"/>
-              <a:t>3,4</a:t>
-            </a:r>
-            <a:r>
-              <a:rPr lang="ja-JP" altLang="en-US" dirty="0"/>
-              <a:t>項目</a:t>
-            </a:r>
-            <a:endParaRPr lang="en-US" altLang="ja-JP" dirty="0"/>
-          </a:p>
-        </p:txBody>
-      </p:sp>
-      <p:sp>
-        <p:nvSpPr>
-          <p:cNvPr id="19" name="テキスト ボックス 18">
-            <a:extLst>
-              <a:ext uri="{FF2B5EF4-FFF2-40B4-BE49-F238E27FC236}">
-                <a16:creationId xmlns:a16="http://schemas.microsoft.com/office/drawing/2014/main" id="{122B51A0-9CF8-459B-92CA-2EC530F36A69}"/>
-              </a:ext>
-            </a:extLst>
-          </p:cNvPr>
-          <p:cNvSpPr txBox="1"/>
-          <p:nvPr/>
-        </p:nvSpPr>
-        <p:spPr>
-          <a:xfrm>
-            <a:off x="5022351" y="4788248"/>
-            <a:ext cx="796247" cy="369332"/>
-          </a:xfrm>
-          <a:prstGeom prst="rect">
-            <a:avLst/>
-          </a:prstGeom>
-          <a:noFill/>
-          <a:ln w="38100">
-            <a:solidFill>
-              <a:schemeClr val="accent4"/>
-            </a:solidFill>
-          </a:ln>
-        </p:spPr>
-        <p:txBody>
-          <a:bodyPr wrap="square" rtlCol="0">
-            <a:spAutoFit/>
-          </a:bodyPr>
-          <a:lstStyle/>
-          <a:p>
-            <a:r>
-              <a:rPr kumimoji="1" lang="ja-JP" altLang="en-US" dirty="0"/>
-              <a:t>送信</a:t>
-            </a:r>
-          </a:p>
-        </p:txBody>
-      </p:sp>
-      <p:sp>
-        <p:nvSpPr>
-          <p:cNvPr id="20" name="テキスト ボックス 19">
-            <a:extLst>
-              <a:ext uri="{FF2B5EF4-FFF2-40B4-BE49-F238E27FC236}">
-                <a16:creationId xmlns:a16="http://schemas.microsoft.com/office/drawing/2014/main" id="{E7BB9430-88ED-40FC-AB7E-4F2403445F05}"/>
-              </a:ext>
-            </a:extLst>
-          </p:cNvPr>
-          <p:cNvSpPr txBox="1"/>
-          <p:nvPr/>
-        </p:nvSpPr>
-        <p:spPr>
-          <a:xfrm>
-            <a:off x="5951306" y="4788248"/>
-            <a:ext cx="1117314" cy="369332"/>
-          </a:xfrm>
-          <a:prstGeom prst="rect">
-            <a:avLst/>
-          </a:prstGeom>
-          <a:noFill/>
-          <a:ln w="38100">
-            <a:solidFill>
-              <a:schemeClr val="accent4"/>
-            </a:solidFill>
-          </a:ln>
-        </p:spPr>
-        <p:txBody>
-          <a:bodyPr wrap="square" rtlCol="0">
-            <a:spAutoFit/>
-          </a:bodyPr>
-          <a:lstStyle/>
-          <a:p>
-            <a:r>
-              <a:rPr kumimoji="1" lang="ja-JP" altLang="en-US" dirty="0"/>
-              <a:t>リセット</a:t>
-            </a:r>
-          </a:p>
-        </p:txBody>
-      </p:sp>
-      <p:sp>
-        <p:nvSpPr>
-          <p:cNvPr id="3" name="スライド番号プレースホルダー 2">
-            <a:extLst>
-              <a:ext uri="{FF2B5EF4-FFF2-40B4-BE49-F238E27FC236}">
-                <a16:creationId xmlns:a16="http://schemas.microsoft.com/office/drawing/2014/main" id="{0AA20E28-FFE3-4C7E-974F-DEF6F7792C82}"/>
+          <p:cNvPr id="2" name="スライド番号プレースホルダー 1">
+            <a:extLst>
+              <a:ext uri="{FF2B5EF4-FFF2-40B4-BE49-F238E27FC236}">
+                <a16:creationId xmlns:a16="http://schemas.microsoft.com/office/drawing/2014/main" id="{51E2D0B3-60CA-427B-ABA0-A1C455CFC7A4}"/>
               </a:ext>
             </a:extLst>
           </p:cNvPr>
@@ -10080,10 +9079,10 @@
       </p:sp>
       <p:sp>
         <p:nvSpPr>
-          <p:cNvPr id="5" name="テキスト ボックス 4">
-            <a:extLst>
-              <a:ext uri="{FF2B5EF4-FFF2-40B4-BE49-F238E27FC236}">
-                <a16:creationId xmlns:a16="http://schemas.microsoft.com/office/drawing/2014/main" id="{802A21CA-15E6-4062-AFB5-E2473D244B9E}"/>
+          <p:cNvPr id="4" name="テキスト ボックス 3">
+            <a:extLst>
+              <a:ext uri="{FF2B5EF4-FFF2-40B4-BE49-F238E27FC236}">
+                <a16:creationId xmlns:a16="http://schemas.microsoft.com/office/drawing/2014/main" id="{8611DE11-DA8B-4EB6-9312-3738BAA9839D}"/>
               </a:ext>
             </a:extLst>
           </p:cNvPr>
@@ -10092,8 +9091,8 @@
         </p:nvSpPr>
         <p:spPr>
           <a:xfrm>
-            <a:off x="558139" y="358743"/>
-            <a:ext cx="4335783" cy="800219"/>
+            <a:off x="840180" y="963512"/>
+            <a:ext cx="10773888" cy="5016758"/>
           </a:xfrm>
           <a:prstGeom prst="rect">
             <a:avLst/>
@@ -10101,67 +9100,108 @@
           <a:noFill/>
         </p:spPr>
         <p:txBody>
-          <a:bodyPr wrap="square" rtlCol="0">
+          <a:bodyPr wrap="square">
             <a:spAutoFit/>
           </a:bodyPr>
           <a:lstStyle/>
           <a:p>
             <a:r>
-              <a:rPr lang="en-US" altLang="ja-JP" sz="2800" kern="50" dirty="0">
-                <a:effectLst/>
-                <a:latin typeface="Times New Roman" panose="02020603050405020304" pitchFamily="18" charset="0"/>
-                <a:ea typeface="ＭＳ ゴシック" panose="020B0609070205080204" pitchFamily="49" charset="-128"/>
-                <a:cs typeface="Mangal" panose="02040503050203030202" pitchFamily="18" charset="0"/>
-              </a:rPr>
-              <a:t>4.0 </a:t>
-            </a:r>
-            <a:r>
-              <a:rPr lang="ja-JP" altLang="ja-JP" sz="2800" kern="50" dirty="0">
-                <a:effectLst/>
-                <a:latin typeface="Times New Roman" panose="02020603050405020304" pitchFamily="18" charset="0"/>
-                <a:ea typeface="ＭＳ ゴシック" panose="020B0609070205080204" pitchFamily="49" charset="-128"/>
-                <a:cs typeface="Mangal" panose="02040503050203030202" pitchFamily="18" charset="0"/>
-              </a:rPr>
-              <a:t>お酒</a:t>
-            </a:r>
-            <a:r>
-              <a:rPr lang="en-US" altLang="ja-JP" sz="2800" kern="50" dirty="0">
-                <a:effectLst/>
-                <a:latin typeface="Times New Roman" panose="02020603050405020304" pitchFamily="18" charset="0"/>
-                <a:ea typeface="ＭＳ ゴシック" panose="020B0609070205080204" pitchFamily="49" charset="-128"/>
-                <a:cs typeface="Mangal" panose="02040503050203030202" pitchFamily="18" charset="0"/>
-              </a:rPr>
-              <a:t>/</a:t>
-            </a:r>
-            <a:r>
-              <a:rPr lang="ja-JP" altLang="ja-JP" sz="2800" kern="50" dirty="0">
-                <a:effectLst/>
-                <a:latin typeface="Times New Roman" panose="02020603050405020304" pitchFamily="18" charset="0"/>
-                <a:ea typeface="ＭＳ ゴシック" panose="020B0609070205080204" pitchFamily="49" charset="-128"/>
-                <a:cs typeface="Mangal" panose="02040503050203030202" pitchFamily="18" charset="0"/>
-              </a:rPr>
-              <a:t>食事提案</a:t>
-            </a:r>
-            <a:r>
-              <a:rPr lang="ja-JP" altLang="en-US" sz="2800" kern="50" dirty="0">
-                <a:effectLst/>
-                <a:latin typeface="Times New Roman" panose="02020603050405020304" pitchFamily="18" charset="0"/>
-                <a:ea typeface="ＭＳ ゴシック" panose="020B0609070205080204" pitchFamily="49" charset="-128"/>
-                <a:cs typeface="Mangal" panose="02040503050203030202" pitchFamily="18" charset="0"/>
-              </a:rPr>
-              <a:t>ページ</a:t>
-            </a:r>
-            <a:endParaRPr kumimoji="1" lang="ja-JP" altLang="en-US" dirty="0"/>
-          </a:p>
-          <a:p>
-            <a:endParaRPr kumimoji="1" lang="ja-JP" altLang="en-US" dirty="0"/>
+              <a:rPr lang="en-US" altLang="ja-JP" sz="4000" dirty="0"/>
+              <a:t>2.0 </a:t>
+            </a:r>
+            <a:r>
+              <a:rPr lang="ja-JP" altLang="en-US" sz="4000" dirty="0"/>
+              <a:t>新規登録画面</a:t>
+            </a:r>
+            <a:endParaRPr lang="en-US" altLang="ja-JP" sz="4000" dirty="0"/>
+          </a:p>
+          <a:p>
+            <a:r>
+              <a:rPr lang="ja-JP" altLang="en-US" sz="4000" dirty="0"/>
+              <a:t>　</a:t>
+            </a:r>
+            <a:r>
+              <a:rPr lang="ja-JP" altLang="en-US" sz="3600" dirty="0"/>
+              <a:t>機能設計</a:t>
+            </a:r>
+          </a:p>
+          <a:p>
+            <a:r>
+              <a:rPr lang="ja-JP" altLang="en-US" sz="4000" dirty="0"/>
+              <a:t>ログイン画面　</a:t>
+            </a:r>
+            <a:r>
+              <a:rPr lang="en-US" altLang="ja-JP" sz="4000" dirty="0"/>
+              <a:t>-&gt;</a:t>
+            </a:r>
+            <a:r>
+              <a:rPr lang="ja-JP" altLang="en-US" sz="4000" dirty="0"/>
+              <a:t>新規登録画面</a:t>
+            </a:r>
+          </a:p>
+          <a:p>
+            <a:r>
+              <a:rPr lang="en-US" altLang="ja-JP" sz="4000" dirty="0"/>
+              <a:t>(1)ID</a:t>
+            </a:r>
+            <a:r>
+              <a:rPr lang="ja-JP" altLang="en-US" sz="4000" dirty="0"/>
+              <a:t>入力欄　半角アルファベットか数字で</a:t>
+            </a:r>
+            <a:r>
+              <a:rPr lang="en-US" altLang="ja-JP" sz="4000" dirty="0"/>
+              <a:t>4	</a:t>
+            </a:r>
+            <a:r>
+              <a:rPr lang="ja-JP" altLang="en-US" sz="4000" dirty="0"/>
+              <a:t>桁以上</a:t>
+            </a:r>
+            <a:r>
+              <a:rPr lang="en-US" altLang="ja-JP" sz="4000" dirty="0"/>
+              <a:t>18</a:t>
+            </a:r>
+            <a:r>
+              <a:rPr lang="ja-JP" altLang="en-US" sz="4000" dirty="0"/>
+              <a:t>文字以下</a:t>
+            </a:r>
+          </a:p>
+          <a:p>
+            <a:r>
+              <a:rPr lang="en-US" altLang="ja-JP" sz="4000" dirty="0"/>
+              <a:t>(2)PW</a:t>
+            </a:r>
+            <a:r>
+              <a:rPr lang="ja-JP" altLang="en-US" sz="4000" dirty="0"/>
+              <a:t>入力欄　半角アルファベットか数字</a:t>
+            </a:r>
+          </a:p>
+          <a:p>
+            <a:r>
+              <a:rPr lang="en-US" altLang="ja-JP" sz="4000" dirty="0"/>
+              <a:t>(3) </a:t>
+            </a:r>
+            <a:r>
+              <a:rPr lang="ja-JP" altLang="en-US" sz="4000" dirty="0"/>
+              <a:t>ニックネーム入力欄　未定</a:t>
+            </a:r>
+            <a:endParaRPr lang="en-US" altLang="ja-JP" sz="4000" dirty="0"/>
+          </a:p>
+          <a:p>
+            <a:r>
+              <a:rPr lang="en-US" altLang="ja-JP" sz="4000" dirty="0"/>
+              <a:t>(4)</a:t>
+            </a:r>
+            <a:r>
+              <a:rPr lang="ja-JP" altLang="en-US" sz="4000" dirty="0"/>
+              <a:t> 生年月日  未定</a:t>
+            </a:r>
           </a:p>
         </p:txBody>
       </p:sp>
     </p:spTree>
     <p:extLst>
       <p:ext uri="{BB962C8B-B14F-4D97-AF65-F5344CB8AC3E}">
-        <p14:creationId xmlns:p14="http://schemas.microsoft.com/office/powerpoint/2010/main" val="4126161470"/>
+        <p14:creationId xmlns:p14="http://schemas.microsoft.com/office/powerpoint/2010/main" val="335316848"/>
       </p:ext>
     </p:extLst>
   </p:cSld>
@@ -10190,320 +9230,10 @@
       </p:grpSpPr>
       <p:sp>
         <p:nvSpPr>
-          <p:cNvPr id="4" name="正方形/長方形 3">
-            <a:extLst>
-              <a:ext uri="{FF2B5EF4-FFF2-40B4-BE49-F238E27FC236}">
-                <a16:creationId xmlns:a16="http://schemas.microsoft.com/office/drawing/2014/main" id="{27ED228B-B880-4301-96EF-93ED3C3E94DA}"/>
-              </a:ext>
-            </a:extLst>
-          </p:cNvPr>
-          <p:cNvSpPr/>
-          <p:nvPr/>
-        </p:nvSpPr>
-        <p:spPr>
-          <a:xfrm>
-            <a:off x="1171254" y="1130157"/>
-            <a:ext cx="9965933" cy="5065160"/>
-          </a:xfrm>
-          <a:prstGeom prst="rect">
-            <a:avLst/>
-          </a:prstGeom>
-          <a:noFill/>
-          <a:ln w="57150"/>
-        </p:spPr>
-        <p:style>
-          <a:lnRef idx="2">
-            <a:schemeClr val="accent1">
-              <a:shade val="50000"/>
-            </a:schemeClr>
-          </a:lnRef>
-          <a:fillRef idx="1">
-            <a:schemeClr val="accent1"/>
-          </a:fillRef>
-          <a:effectRef idx="0">
-            <a:schemeClr val="accent1"/>
-          </a:effectRef>
-          <a:fontRef idx="minor">
-            <a:schemeClr val="lt1"/>
-          </a:fontRef>
-        </p:style>
-        <p:txBody>
-          <a:bodyPr rtlCol="0" anchor="ctr"/>
-          <a:lstStyle/>
-          <a:p>
-            <a:pPr algn="ctr"/>
-            <a:endParaRPr kumimoji="1" lang="ja-JP" altLang="en-US"/>
-          </a:p>
-        </p:txBody>
-      </p:sp>
-      <p:cxnSp>
-        <p:nvCxnSpPr>
-          <p:cNvPr id="11" name="直線コネクタ 10">
-            <a:extLst>
-              <a:ext uri="{FF2B5EF4-FFF2-40B4-BE49-F238E27FC236}">
-                <a16:creationId xmlns:a16="http://schemas.microsoft.com/office/drawing/2014/main" id="{29E32288-CB64-42B9-A8F0-B1FE888D765F}"/>
-              </a:ext>
-            </a:extLst>
-          </p:cNvPr>
-          <p:cNvCxnSpPr/>
-          <p:nvPr/>
-        </p:nvCxnSpPr>
-        <p:spPr>
-          <a:xfrm>
-            <a:off x="1171254" y="1849348"/>
-            <a:ext cx="9965933" cy="0"/>
-          </a:xfrm>
-          <a:prstGeom prst="line">
-            <a:avLst/>
-          </a:prstGeom>
-          <a:ln w="38100"/>
-        </p:spPr>
-        <p:style>
-          <a:lnRef idx="1">
-            <a:schemeClr val="accent1"/>
-          </a:lnRef>
-          <a:fillRef idx="0">
-            <a:schemeClr val="accent1"/>
-          </a:fillRef>
-          <a:effectRef idx="0">
-            <a:schemeClr val="accent1"/>
-          </a:effectRef>
-          <a:fontRef idx="minor">
-            <a:schemeClr val="tx1"/>
-          </a:fontRef>
-        </p:style>
-      </p:cxnSp>
-      <p:sp>
-        <p:nvSpPr>
-          <p:cNvPr id="12" name="テキスト ボックス 11">
-            <a:extLst>
-              <a:ext uri="{FF2B5EF4-FFF2-40B4-BE49-F238E27FC236}">
-                <a16:creationId xmlns:a16="http://schemas.microsoft.com/office/drawing/2014/main" id="{9B04BE3B-F41E-4399-9767-4678CEE9671F}"/>
-              </a:ext>
-            </a:extLst>
-          </p:cNvPr>
-          <p:cNvSpPr txBox="1"/>
-          <p:nvPr/>
-        </p:nvSpPr>
-        <p:spPr>
-          <a:xfrm>
-            <a:off x="3986373" y="1866528"/>
-            <a:ext cx="3811712" cy="369332"/>
-          </a:xfrm>
-          <a:prstGeom prst="rect">
-            <a:avLst/>
-          </a:prstGeom>
-          <a:noFill/>
-        </p:spPr>
-        <p:txBody>
-          <a:bodyPr wrap="square" rtlCol="0">
-            <a:spAutoFit/>
-          </a:bodyPr>
-          <a:lstStyle/>
-          <a:p>
-            <a:pPr algn="ctr"/>
-            <a:r>
-              <a:rPr lang="ja-JP" altLang="en-US" dirty="0"/>
-              <a:t>メニューバー</a:t>
-            </a:r>
-            <a:endParaRPr kumimoji="1" lang="ja-JP" altLang="en-US" dirty="0"/>
-          </a:p>
-        </p:txBody>
-      </p:sp>
-      <p:cxnSp>
-        <p:nvCxnSpPr>
-          <p:cNvPr id="15" name="直線コネクタ 14">
-            <a:extLst>
-              <a:ext uri="{FF2B5EF4-FFF2-40B4-BE49-F238E27FC236}">
-                <a16:creationId xmlns:a16="http://schemas.microsoft.com/office/drawing/2014/main" id="{0031865C-53E6-40DF-A119-F179FA0ED75B}"/>
-              </a:ext>
-            </a:extLst>
-          </p:cNvPr>
-          <p:cNvCxnSpPr/>
-          <p:nvPr/>
-        </p:nvCxnSpPr>
-        <p:spPr>
-          <a:xfrm>
-            <a:off x="1171254" y="5484687"/>
-            <a:ext cx="9965933" cy="0"/>
-          </a:xfrm>
-          <a:prstGeom prst="line">
-            <a:avLst/>
-          </a:prstGeom>
-          <a:ln w="38100"/>
-        </p:spPr>
-        <p:style>
-          <a:lnRef idx="1">
-            <a:schemeClr val="accent1"/>
-          </a:lnRef>
-          <a:fillRef idx="0">
-            <a:schemeClr val="accent1"/>
-          </a:fillRef>
-          <a:effectRef idx="0">
-            <a:schemeClr val="accent1"/>
-          </a:effectRef>
-          <a:fontRef idx="minor">
-            <a:schemeClr val="tx1"/>
-          </a:fontRef>
-        </p:style>
-      </p:cxnSp>
-      <p:sp>
-        <p:nvSpPr>
-          <p:cNvPr id="17" name="テキスト ボックス 16">
-            <a:extLst>
-              <a:ext uri="{FF2B5EF4-FFF2-40B4-BE49-F238E27FC236}">
-                <a16:creationId xmlns:a16="http://schemas.microsoft.com/office/drawing/2014/main" id="{875D9250-3F14-4CCC-A0E1-8FFA238ECB18}"/>
-              </a:ext>
-            </a:extLst>
-          </p:cNvPr>
-          <p:cNvSpPr txBox="1"/>
-          <p:nvPr/>
-        </p:nvSpPr>
-        <p:spPr>
-          <a:xfrm>
-            <a:off x="4190144" y="5579349"/>
-            <a:ext cx="3811712" cy="369332"/>
-          </a:xfrm>
-          <a:prstGeom prst="rect">
-            <a:avLst/>
-          </a:prstGeom>
-          <a:noFill/>
-        </p:spPr>
-        <p:txBody>
-          <a:bodyPr wrap="square" rtlCol="0">
-            <a:spAutoFit/>
-          </a:bodyPr>
-          <a:lstStyle/>
-          <a:p>
-            <a:pPr algn="ctr"/>
-            <a:r>
-              <a:rPr lang="ja-JP" altLang="en-US" dirty="0"/>
-              <a:t>フッター</a:t>
-            </a:r>
-            <a:endParaRPr kumimoji="1" lang="ja-JP" altLang="en-US" dirty="0"/>
-          </a:p>
-        </p:txBody>
-      </p:sp>
-      <p:cxnSp>
-        <p:nvCxnSpPr>
-          <p:cNvPr id="13" name="直線コネクタ 12">
-            <a:extLst>
-              <a:ext uri="{FF2B5EF4-FFF2-40B4-BE49-F238E27FC236}">
-                <a16:creationId xmlns:a16="http://schemas.microsoft.com/office/drawing/2014/main" id="{D3105F0F-41D4-46A9-9AFB-411DD1FB0212}"/>
-              </a:ext>
-            </a:extLst>
-          </p:cNvPr>
-          <p:cNvCxnSpPr/>
-          <p:nvPr/>
-        </p:nvCxnSpPr>
-        <p:spPr>
-          <a:xfrm>
-            <a:off x="1171254" y="2330521"/>
-            <a:ext cx="9965933" cy="0"/>
-          </a:xfrm>
-          <a:prstGeom prst="line">
-            <a:avLst/>
-          </a:prstGeom>
-          <a:ln w="38100"/>
-        </p:spPr>
-        <p:style>
-          <a:lnRef idx="1">
-            <a:schemeClr val="accent1"/>
-          </a:lnRef>
-          <a:fillRef idx="0">
-            <a:schemeClr val="accent1"/>
-          </a:fillRef>
-          <a:effectRef idx="0">
-            <a:schemeClr val="accent1"/>
-          </a:effectRef>
-          <a:fontRef idx="minor">
-            <a:schemeClr val="tx1"/>
-          </a:fontRef>
-        </p:style>
-      </p:cxnSp>
-      <p:sp>
-        <p:nvSpPr>
-          <p:cNvPr id="14" name="テキスト ボックス 13">
-            <a:extLst>
-              <a:ext uri="{FF2B5EF4-FFF2-40B4-BE49-F238E27FC236}">
-                <a16:creationId xmlns:a16="http://schemas.microsoft.com/office/drawing/2014/main" id="{0112ACB5-88B9-448E-A17F-6BBAE282D98D}"/>
-              </a:ext>
-            </a:extLst>
-          </p:cNvPr>
-          <p:cNvSpPr txBox="1"/>
-          <p:nvPr/>
-        </p:nvSpPr>
-        <p:spPr>
-          <a:xfrm>
-            <a:off x="4138773" y="1388478"/>
-            <a:ext cx="3811712" cy="369332"/>
-          </a:xfrm>
-          <a:prstGeom prst="rect">
-            <a:avLst/>
-          </a:prstGeom>
-          <a:noFill/>
-        </p:spPr>
-        <p:txBody>
-          <a:bodyPr wrap="square" rtlCol="0">
-            <a:spAutoFit/>
-          </a:bodyPr>
-          <a:lstStyle/>
-          <a:p>
-            <a:pPr algn="ctr"/>
-            <a:r>
-              <a:rPr kumimoji="1" lang="ja-JP" altLang="en-US" dirty="0"/>
-              <a:t>ヘッダー</a:t>
-            </a:r>
-          </a:p>
-        </p:txBody>
-      </p:sp>
-      <p:sp>
-        <p:nvSpPr>
-          <p:cNvPr id="18" name="テキスト ボックス 17">
-            <a:extLst>
-              <a:ext uri="{FF2B5EF4-FFF2-40B4-BE49-F238E27FC236}">
-                <a16:creationId xmlns:a16="http://schemas.microsoft.com/office/drawing/2014/main" id="{FE7AC758-0DE5-4E93-8482-6FEFF6FC111B}"/>
-              </a:ext>
-            </a:extLst>
-          </p:cNvPr>
-          <p:cNvSpPr txBox="1"/>
-          <p:nvPr/>
-        </p:nvSpPr>
-        <p:spPr>
-          <a:xfrm>
-            <a:off x="4376791" y="2931559"/>
-            <a:ext cx="3421294" cy="1595919"/>
-          </a:xfrm>
-          <a:prstGeom prst="rect">
-            <a:avLst/>
-          </a:prstGeom>
-          <a:noFill/>
-          <a:ln w="38100">
-            <a:solidFill>
-              <a:schemeClr val="accent4"/>
-            </a:solidFill>
-          </a:ln>
-        </p:spPr>
-        <p:txBody>
-          <a:bodyPr wrap="square" rtlCol="0">
-            <a:noAutofit/>
-          </a:bodyPr>
-          <a:lstStyle/>
-          <a:p>
-            <a:r>
-              <a:rPr lang="ja-JP" altLang="en-US" dirty="0"/>
-              <a:t>質問結果から提案を表示</a:t>
-            </a:r>
-            <a:endParaRPr lang="en-US" altLang="ja-JP" dirty="0"/>
-          </a:p>
-        </p:txBody>
-      </p:sp>
-      <p:sp>
-        <p:nvSpPr>
-          <p:cNvPr id="3" name="スライド番号プレースホルダー 2">
-            <a:extLst>
-              <a:ext uri="{FF2B5EF4-FFF2-40B4-BE49-F238E27FC236}">
-                <a16:creationId xmlns:a16="http://schemas.microsoft.com/office/drawing/2014/main" id="{244A8080-6B6C-41BB-8808-5B30B830FA7D}"/>
+          <p:cNvPr id="2" name="スライド番号プレースホルダー 1">
+            <a:extLst>
+              <a:ext uri="{FF2B5EF4-FFF2-40B4-BE49-F238E27FC236}">
+                <a16:creationId xmlns:a16="http://schemas.microsoft.com/office/drawing/2014/main" id="{51E2D0B3-60CA-427B-ABA0-A1C455CFC7A4}"/>
               </a:ext>
             </a:extLst>
           </p:cNvPr>
@@ -10529,10 +9259,10 @@
       </p:sp>
       <p:sp>
         <p:nvSpPr>
-          <p:cNvPr id="16" name="テキスト ボックス 15">
-            <a:extLst>
-              <a:ext uri="{FF2B5EF4-FFF2-40B4-BE49-F238E27FC236}">
-                <a16:creationId xmlns:a16="http://schemas.microsoft.com/office/drawing/2014/main" id="{481A733C-3CBD-44DB-9340-5A1CE5F5A739}"/>
+          <p:cNvPr id="4" name="テキスト ボックス 3">
+            <a:extLst>
+              <a:ext uri="{FF2B5EF4-FFF2-40B4-BE49-F238E27FC236}">
+                <a16:creationId xmlns:a16="http://schemas.microsoft.com/office/drawing/2014/main" id="{8611DE11-DA8B-4EB6-9312-3738BAA9839D}"/>
               </a:ext>
             </a:extLst>
           </p:cNvPr>
@@ -10541,8 +9271,8 @@
         </p:nvSpPr>
         <p:spPr>
           <a:xfrm>
-            <a:off x="558139" y="358743"/>
-            <a:ext cx="4335783" cy="800219"/>
+            <a:off x="840180" y="963512"/>
+            <a:ext cx="10773888" cy="4401205"/>
           </a:xfrm>
           <a:prstGeom prst="rect">
             <a:avLst/>
@@ -10550,67 +9280,150 @@
           <a:noFill/>
         </p:spPr>
         <p:txBody>
-          <a:bodyPr wrap="square" rtlCol="0">
+          <a:bodyPr wrap="square">
             <a:spAutoFit/>
           </a:bodyPr>
           <a:lstStyle/>
           <a:p>
             <a:r>
-              <a:rPr lang="en-US" altLang="ja-JP" sz="2800" kern="50" dirty="0">
-                <a:effectLst/>
-                <a:latin typeface="Times New Roman" panose="02020603050405020304" pitchFamily="18" charset="0"/>
-                <a:ea typeface="ＭＳ ゴシック" panose="020B0609070205080204" pitchFamily="49" charset="-128"/>
-                <a:cs typeface="Mangal" panose="02040503050203030202" pitchFamily="18" charset="0"/>
-              </a:rPr>
-              <a:t>4.1 </a:t>
-            </a:r>
-            <a:r>
-              <a:rPr lang="ja-JP" altLang="ja-JP" sz="2800" kern="50" dirty="0">
-                <a:effectLst/>
-                <a:latin typeface="Times New Roman" panose="02020603050405020304" pitchFamily="18" charset="0"/>
-                <a:ea typeface="ＭＳ ゴシック" panose="020B0609070205080204" pitchFamily="49" charset="-128"/>
-                <a:cs typeface="Mangal" panose="02040503050203030202" pitchFamily="18" charset="0"/>
-              </a:rPr>
-              <a:t>お酒</a:t>
-            </a:r>
-            <a:r>
-              <a:rPr lang="en-US" altLang="ja-JP" sz="2800" kern="50" dirty="0">
-                <a:effectLst/>
-                <a:latin typeface="Times New Roman" panose="02020603050405020304" pitchFamily="18" charset="0"/>
-                <a:ea typeface="ＭＳ ゴシック" panose="020B0609070205080204" pitchFamily="49" charset="-128"/>
-                <a:cs typeface="Mangal" panose="02040503050203030202" pitchFamily="18" charset="0"/>
-              </a:rPr>
-              <a:t>/</a:t>
-            </a:r>
-            <a:r>
-              <a:rPr lang="ja-JP" altLang="ja-JP" sz="2800" kern="50" dirty="0">
-                <a:effectLst/>
-                <a:latin typeface="Times New Roman" panose="02020603050405020304" pitchFamily="18" charset="0"/>
-                <a:ea typeface="ＭＳ ゴシック" panose="020B0609070205080204" pitchFamily="49" charset="-128"/>
-                <a:cs typeface="Mangal" panose="02040503050203030202" pitchFamily="18" charset="0"/>
-              </a:rPr>
-              <a:t>食事提案</a:t>
-            </a:r>
-            <a:r>
-              <a:rPr lang="ja-JP" altLang="en-US" sz="2800" kern="50" dirty="0">
-                <a:effectLst/>
-                <a:latin typeface="Times New Roman" panose="02020603050405020304" pitchFamily="18" charset="0"/>
-                <a:ea typeface="ＭＳ ゴシック" panose="020B0609070205080204" pitchFamily="49" charset="-128"/>
-                <a:cs typeface="Mangal" panose="02040503050203030202" pitchFamily="18" charset="0"/>
-              </a:rPr>
-              <a:t>ページ</a:t>
-            </a:r>
-            <a:endParaRPr kumimoji="1" lang="ja-JP" altLang="en-US" dirty="0"/>
-          </a:p>
-          <a:p>
-            <a:endParaRPr kumimoji="1" lang="ja-JP" altLang="en-US" dirty="0"/>
+              <a:rPr lang="en-US" altLang="ja-JP" sz="4000" dirty="0"/>
+              <a:t>2.0 </a:t>
+            </a:r>
+            <a:r>
+              <a:rPr lang="ja-JP" altLang="en-US" sz="4000" dirty="0"/>
+              <a:t>新規登録画面</a:t>
+            </a:r>
+            <a:endParaRPr lang="en-US" altLang="ja-JP" sz="4000" dirty="0"/>
+          </a:p>
+          <a:p>
+            <a:r>
+              <a:rPr lang="ja-JP" altLang="en-US" sz="4000" dirty="0"/>
+              <a:t>　</a:t>
+            </a:r>
+            <a:r>
+              <a:rPr lang="ja-JP" altLang="en-US" sz="3600" dirty="0"/>
+              <a:t>項目設計</a:t>
+            </a:r>
+          </a:p>
+          <a:p>
+            <a:r>
+              <a:rPr lang="ja-JP" altLang="en-US" sz="4000" dirty="0"/>
+              <a:t>ログイン画面　</a:t>
+            </a:r>
+            <a:r>
+              <a:rPr lang="en-US" altLang="ja-JP" sz="4000" dirty="0"/>
+              <a:t>-&gt;</a:t>
+            </a:r>
+            <a:r>
+              <a:rPr lang="ja-JP" altLang="en-US" sz="4000" dirty="0"/>
+              <a:t>新規登録画面</a:t>
+            </a:r>
+          </a:p>
+          <a:p>
+            <a:r>
+              <a:rPr lang="en-US" altLang="ja-JP" sz="4000" dirty="0"/>
+              <a:t>(1)ID</a:t>
+            </a:r>
+            <a:r>
+              <a:rPr lang="ja-JP" altLang="en-US" sz="4000" dirty="0"/>
+              <a:t>入力欄　 </a:t>
+            </a:r>
+            <a:r>
+              <a:rPr lang="en-US" altLang="ja-JP" sz="4000" dirty="0"/>
+              <a:t>id</a:t>
+            </a:r>
+            <a:r>
+              <a:rPr lang="ja-JP" altLang="en-US" sz="4000" dirty="0"/>
+              <a:t>属性 </a:t>
+            </a:r>
+            <a:r>
+              <a:rPr lang="en-US" altLang="ja-JP" sz="4000" dirty="0"/>
+              <a:t>= id</a:t>
+            </a:r>
+          </a:p>
+          <a:p>
+            <a:r>
+              <a:rPr lang="en-US" altLang="ja-JP" sz="4000" dirty="0"/>
+              <a:t>(2)PW</a:t>
+            </a:r>
+            <a:r>
+              <a:rPr lang="ja-JP" altLang="en-US" sz="4000" dirty="0"/>
+              <a:t>入力欄　</a:t>
+            </a:r>
+            <a:r>
+              <a:rPr lang="en-US" altLang="ja-JP" sz="4000" dirty="0"/>
+              <a:t>id</a:t>
+            </a:r>
+            <a:r>
+              <a:rPr lang="ja-JP" altLang="en-US" sz="4000" dirty="0"/>
+              <a:t>属性 </a:t>
+            </a:r>
+            <a:r>
+              <a:rPr lang="en-US" altLang="ja-JP" sz="4000" dirty="0"/>
+              <a:t>= pw</a:t>
+            </a:r>
+            <a:endParaRPr lang="ja-JP" altLang="en-US" sz="4000" dirty="0"/>
+          </a:p>
+          <a:p>
+            <a:r>
+              <a:rPr lang="en-US" altLang="ja-JP" sz="4000" dirty="0"/>
+              <a:t>(3) </a:t>
+            </a:r>
+            <a:r>
+              <a:rPr lang="ja-JP" altLang="en-US" sz="4000" dirty="0"/>
+              <a:t>ニックネーム入力欄　</a:t>
+            </a:r>
+            <a:r>
+              <a:rPr lang="en-US" altLang="ja-JP" sz="4000" dirty="0"/>
+              <a:t>id</a:t>
+            </a:r>
+            <a:r>
+              <a:rPr lang="ja-JP" altLang="en-US" sz="4000" dirty="0"/>
+              <a:t>属性 </a:t>
+            </a:r>
+            <a:r>
+              <a:rPr lang="en-US" altLang="ja-JP" sz="4000" dirty="0"/>
+              <a:t>= </a:t>
+            </a:r>
+            <a:r>
+              <a:rPr lang="en-US" altLang="ja-JP" sz="4000" dirty="0" err="1"/>
+              <a:t>nn</a:t>
+            </a:r>
+            <a:r>
+              <a:rPr lang="ja-JP" altLang="en-US" sz="4000" dirty="0"/>
+              <a:t> </a:t>
+            </a:r>
+            <a:endParaRPr lang="en-US" altLang="ja-JP" sz="4000" dirty="0"/>
+          </a:p>
+          <a:p>
+            <a:r>
+              <a:rPr lang="en-US" altLang="ja-JP" sz="4000" dirty="0"/>
+              <a:t>(4)</a:t>
+            </a:r>
+            <a:r>
+              <a:rPr lang="ja-JP" altLang="en-US" sz="4000" dirty="0"/>
+              <a:t> 生年月日  </a:t>
+            </a:r>
+            <a:r>
+              <a:rPr lang="en-US" altLang="ja-JP" sz="4000" dirty="0"/>
+              <a:t>id</a:t>
+            </a:r>
+            <a:r>
+              <a:rPr lang="ja-JP" altLang="en-US" sz="4000" dirty="0"/>
+              <a:t>属性 </a:t>
+            </a:r>
+            <a:r>
+              <a:rPr lang="en-US" altLang="ja-JP" sz="4000" dirty="0"/>
+              <a:t>= teen</a:t>
+            </a:r>
+            <a:endParaRPr lang="ja-JP" altLang="en-US" sz="4000" dirty="0"/>
           </a:p>
         </p:txBody>
       </p:sp>
     </p:spTree>
     <p:extLst>
       <p:ext uri="{BB962C8B-B14F-4D97-AF65-F5344CB8AC3E}">
-        <p14:creationId xmlns:p14="http://schemas.microsoft.com/office/powerpoint/2010/main" val="2389062197"/>
+        <p14:creationId xmlns:p14="http://schemas.microsoft.com/office/powerpoint/2010/main" val="1993026633"/>
       </p:ext>
     </p:extLst>
   </p:cSld>
@@ -10642,7 +9455,7 @@
           <p:cNvPr id="4" name="正方形/長方形 3">
             <a:extLst>
               <a:ext uri="{FF2B5EF4-FFF2-40B4-BE49-F238E27FC236}">
-                <a16:creationId xmlns:a16="http://schemas.microsoft.com/office/drawing/2014/main" id="{3C6D8A53-A15A-4049-A4FA-75411757CE14}"/>
+                <a16:creationId xmlns:a16="http://schemas.microsoft.com/office/drawing/2014/main" id="{27ED228B-B880-4301-96EF-93ED3C3E94DA}"/>
               </a:ext>
             </a:extLst>
           </p:cNvPr>
@@ -10690,7 +9503,7 @@
           <p:cNvPr id="11" name="直線コネクタ 10">
             <a:extLst>
               <a:ext uri="{FF2B5EF4-FFF2-40B4-BE49-F238E27FC236}">
-                <a16:creationId xmlns:a16="http://schemas.microsoft.com/office/drawing/2014/main" id="{A8C310A0-5E9F-484F-9763-3CA50CF99089}"/>
+                <a16:creationId xmlns:a16="http://schemas.microsoft.com/office/drawing/2014/main" id="{29E32288-CB64-42B9-A8F0-B1FE888D765F}"/>
               </a:ext>
             </a:extLst>
           </p:cNvPr>
@@ -10727,7 +9540,7 @@
           <p:cNvPr id="12" name="テキスト ボックス 11">
             <a:extLst>
               <a:ext uri="{FF2B5EF4-FFF2-40B4-BE49-F238E27FC236}">
-                <a16:creationId xmlns:a16="http://schemas.microsoft.com/office/drawing/2014/main" id="{69ED5589-DDD5-48C2-8EE0-B8A33CFD81F3}"/>
+                <a16:creationId xmlns:a16="http://schemas.microsoft.com/office/drawing/2014/main" id="{9B04BE3B-F41E-4399-9767-4678CEE9671F}"/>
               </a:ext>
             </a:extLst>
           </p:cNvPr>
@@ -10736,7 +9549,7 @@
         </p:nvSpPr>
         <p:spPr>
           <a:xfrm>
-            <a:off x="2835667" y="1385355"/>
+            <a:off x="3986373" y="1866528"/>
             <a:ext cx="3811712" cy="369332"/>
           </a:xfrm>
           <a:prstGeom prst="rect">
@@ -10752,18 +9565,19 @@
           <a:p>
             <a:pPr algn="ctr"/>
             <a:r>
-              <a:rPr kumimoji="1" lang="ja-JP" altLang="en-US" dirty="0"/>
-              <a:t>ヘッダー</a:t>
-            </a:r>
+              <a:rPr lang="ja-JP" altLang="en-US" dirty="0"/>
+              <a:t>メニューバー</a:t>
+            </a:r>
+            <a:endParaRPr kumimoji="1" lang="ja-JP" altLang="en-US" dirty="0"/>
           </a:p>
         </p:txBody>
       </p:sp>
       <p:cxnSp>
         <p:nvCxnSpPr>
-          <p:cNvPr id="13" name="直線コネクタ 12">
-            <a:extLst>
-              <a:ext uri="{FF2B5EF4-FFF2-40B4-BE49-F238E27FC236}">
-                <a16:creationId xmlns:a16="http://schemas.microsoft.com/office/drawing/2014/main" id="{6C816E15-FC7B-4EE8-8030-37868A891D3A}"/>
+          <p:cNvPr id="15" name="直線コネクタ 14">
+            <a:extLst>
+              <a:ext uri="{FF2B5EF4-FFF2-40B4-BE49-F238E27FC236}">
+                <a16:creationId xmlns:a16="http://schemas.microsoft.com/office/drawing/2014/main" id="{0031865C-53E6-40DF-A119-F179FA0ED75B}"/>
               </a:ext>
             </a:extLst>
           </p:cNvPr>
@@ -10797,10 +9611,10 @@
       </p:cxnSp>
       <p:sp>
         <p:nvSpPr>
-          <p:cNvPr id="14" name="テキスト ボックス 13">
-            <a:extLst>
-              <a:ext uri="{FF2B5EF4-FFF2-40B4-BE49-F238E27FC236}">
-                <a16:creationId xmlns:a16="http://schemas.microsoft.com/office/drawing/2014/main" id="{16355F24-9725-4CA6-BA28-DA9D76289296}"/>
+          <p:cNvPr id="17" name="テキスト ボックス 16">
+            <a:extLst>
+              <a:ext uri="{FF2B5EF4-FFF2-40B4-BE49-F238E27FC236}">
+                <a16:creationId xmlns:a16="http://schemas.microsoft.com/office/drawing/2014/main" id="{875D9250-3F14-4CCC-A0E1-8FFA238ECB18}"/>
               </a:ext>
             </a:extLst>
           </p:cNvPr>
@@ -10832,105 +9646,12 @@
           </a:p>
         </p:txBody>
       </p:sp>
-      <p:sp>
-        <p:nvSpPr>
-          <p:cNvPr id="7" name="テキスト ボックス 6">
-            <a:extLst>
-              <a:ext uri="{FF2B5EF4-FFF2-40B4-BE49-F238E27FC236}">
-                <a16:creationId xmlns:a16="http://schemas.microsoft.com/office/drawing/2014/main" id="{2B3E02B6-5191-4768-808E-4AD145CA1A8C}"/>
-              </a:ext>
-            </a:extLst>
-          </p:cNvPr>
-          <p:cNvSpPr txBox="1"/>
-          <p:nvPr/>
-        </p:nvSpPr>
-        <p:spPr>
-          <a:xfrm>
-            <a:off x="4842552" y="2674705"/>
-            <a:ext cx="2301411" cy="1952090"/>
-          </a:xfrm>
-          <a:prstGeom prst="rect">
-            <a:avLst/>
-          </a:prstGeom>
-          <a:noFill/>
-          <a:ln w="38100">
-            <a:solidFill>
-              <a:srgbClr val="00B050"/>
-            </a:solidFill>
-          </a:ln>
-        </p:spPr>
-        <p:txBody>
-          <a:bodyPr wrap="square" rtlCol="0">
-            <a:noAutofit/>
-          </a:bodyPr>
-          <a:lstStyle/>
-          <a:p>
-            <a:r>
-              <a:rPr lang="ja-JP" altLang="en-US" dirty="0"/>
-              <a:t>カレンダー</a:t>
-            </a:r>
-            <a:endParaRPr lang="en-US" altLang="ja-JP" dirty="0"/>
-          </a:p>
-          <a:p>
-            <a:r>
-              <a:rPr lang="en-US" altLang="ja-JP" dirty="0"/>
-              <a:t>(</a:t>
-            </a:r>
-            <a:r>
-              <a:rPr lang="ja-JP" altLang="en-US" dirty="0"/>
-              <a:t>月かその日か？</a:t>
-            </a:r>
-            <a:r>
-              <a:rPr lang="en-US" altLang="ja-JP" dirty="0"/>
-              <a:t>)</a:t>
-            </a:r>
-            <a:endParaRPr kumimoji="1" lang="ja-JP" altLang="en-US" dirty="0"/>
-          </a:p>
-        </p:txBody>
-      </p:sp>
-      <p:sp>
-        <p:nvSpPr>
-          <p:cNvPr id="8" name="テキスト ボックス 7">
-            <a:extLst>
-              <a:ext uri="{FF2B5EF4-FFF2-40B4-BE49-F238E27FC236}">
-                <a16:creationId xmlns:a16="http://schemas.microsoft.com/office/drawing/2014/main" id="{06B67BA8-E3C5-4635-9784-CB0773E2FCFA}"/>
-              </a:ext>
-            </a:extLst>
-          </p:cNvPr>
-          <p:cNvSpPr txBox="1"/>
-          <p:nvPr/>
-        </p:nvSpPr>
-        <p:spPr>
-          <a:xfrm>
-            <a:off x="3986373" y="1866528"/>
-            <a:ext cx="3811712" cy="369332"/>
-          </a:xfrm>
-          <a:prstGeom prst="rect">
-            <a:avLst/>
-          </a:prstGeom>
-          <a:noFill/>
-        </p:spPr>
-        <p:txBody>
-          <a:bodyPr wrap="square" rtlCol="0">
-            <a:spAutoFit/>
-          </a:bodyPr>
-          <a:lstStyle/>
-          <a:p>
-            <a:pPr algn="ctr"/>
-            <a:r>
-              <a:rPr lang="ja-JP" altLang="en-US" dirty="0"/>
-              <a:t>メニューバー</a:t>
-            </a:r>
-            <a:endParaRPr kumimoji="1" lang="ja-JP" altLang="en-US" dirty="0"/>
-          </a:p>
-        </p:txBody>
-      </p:sp>
       <p:cxnSp>
         <p:nvCxnSpPr>
-          <p:cNvPr id="9" name="直線コネクタ 8">
-            <a:extLst>
-              <a:ext uri="{FF2B5EF4-FFF2-40B4-BE49-F238E27FC236}">
-                <a16:creationId xmlns:a16="http://schemas.microsoft.com/office/drawing/2014/main" id="{1A3D05D6-BABD-4293-9890-76E7D2C12ACA}"/>
+          <p:cNvPr id="13" name="直線コネクタ 12">
+            <a:extLst>
+              <a:ext uri="{FF2B5EF4-FFF2-40B4-BE49-F238E27FC236}">
+                <a16:creationId xmlns:a16="http://schemas.microsoft.com/office/drawing/2014/main" id="{D3105F0F-41D4-46A9-9AFB-411DD1FB0212}"/>
               </a:ext>
             </a:extLst>
           </p:cNvPr>
@@ -10964,10 +9685,128 @@
       </p:cxnSp>
       <p:sp>
         <p:nvSpPr>
+          <p:cNvPr id="14" name="テキスト ボックス 13">
+            <a:extLst>
+              <a:ext uri="{FF2B5EF4-FFF2-40B4-BE49-F238E27FC236}">
+                <a16:creationId xmlns:a16="http://schemas.microsoft.com/office/drawing/2014/main" id="{0112ACB5-88B9-448E-A17F-6BBAE282D98D}"/>
+              </a:ext>
+            </a:extLst>
+          </p:cNvPr>
+          <p:cNvSpPr txBox="1"/>
+          <p:nvPr/>
+        </p:nvSpPr>
+        <p:spPr>
+          <a:xfrm>
+            <a:off x="4138773" y="1388478"/>
+            <a:ext cx="3811712" cy="369332"/>
+          </a:xfrm>
+          <a:prstGeom prst="rect">
+            <a:avLst/>
+          </a:prstGeom>
+          <a:noFill/>
+        </p:spPr>
+        <p:txBody>
+          <a:bodyPr wrap="square" rtlCol="0">
+            <a:spAutoFit/>
+          </a:bodyPr>
+          <a:lstStyle/>
+          <a:p>
+            <a:pPr algn="ctr"/>
+            <a:r>
+              <a:rPr kumimoji="1" lang="ja-JP" altLang="en-US" dirty="0"/>
+              <a:t>ヘッダー</a:t>
+            </a:r>
+          </a:p>
+        </p:txBody>
+      </p:sp>
+      <p:sp>
+        <p:nvSpPr>
+          <p:cNvPr id="16" name="テキスト ボックス 15">
+            <a:extLst>
+              <a:ext uri="{FF2B5EF4-FFF2-40B4-BE49-F238E27FC236}">
+                <a16:creationId xmlns:a16="http://schemas.microsoft.com/office/drawing/2014/main" id="{CC1773B3-13E2-4E6C-81CB-0C0F69208EC3}"/>
+              </a:ext>
+            </a:extLst>
+          </p:cNvPr>
+          <p:cNvSpPr txBox="1"/>
+          <p:nvPr/>
+        </p:nvSpPr>
+        <p:spPr>
+          <a:xfrm>
+            <a:off x="2988067" y="2911868"/>
+            <a:ext cx="2301411" cy="1952090"/>
+          </a:xfrm>
+          <a:prstGeom prst="rect">
+            <a:avLst/>
+          </a:prstGeom>
+          <a:noFill/>
+          <a:ln w="38100">
+            <a:solidFill>
+              <a:schemeClr val="accent4"/>
+            </a:solidFill>
+          </a:ln>
+        </p:spPr>
+        <p:txBody>
+          <a:bodyPr wrap="square" rtlCol="0">
+            <a:noAutofit/>
+          </a:bodyPr>
+          <a:lstStyle/>
+          <a:p>
+            <a:r>
+              <a:rPr lang="ja-JP" altLang="en-US" dirty="0"/>
+              <a:t>食事提案ページ</a:t>
+            </a:r>
+            <a:endParaRPr lang="en-US" altLang="ja-JP" dirty="0"/>
+          </a:p>
+        </p:txBody>
+      </p:sp>
+      <p:sp>
+        <p:nvSpPr>
+          <p:cNvPr id="10" name="テキスト ボックス 9">
+            <a:extLst>
+              <a:ext uri="{FF2B5EF4-FFF2-40B4-BE49-F238E27FC236}">
+                <a16:creationId xmlns:a16="http://schemas.microsoft.com/office/drawing/2014/main" id="{CDDB5866-DE5F-4CC6-BD2A-004BF17FA236}"/>
+              </a:ext>
+            </a:extLst>
+          </p:cNvPr>
+          <p:cNvSpPr txBox="1"/>
+          <p:nvPr/>
+        </p:nvSpPr>
+        <p:spPr>
+          <a:xfrm>
+            <a:off x="6647379" y="2890534"/>
+            <a:ext cx="2301411" cy="1952090"/>
+          </a:xfrm>
+          <a:prstGeom prst="rect">
+            <a:avLst/>
+          </a:prstGeom>
+          <a:noFill/>
+          <a:ln w="38100">
+            <a:solidFill>
+              <a:schemeClr val="accent4"/>
+            </a:solidFill>
+          </a:ln>
+        </p:spPr>
+        <p:txBody>
+          <a:bodyPr wrap="square" rtlCol="0">
+            <a:noAutofit/>
+          </a:bodyPr>
+          <a:lstStyle/>
+          <a:p>
+            <a:r>
+              <a:rPr lang="ja-JP" altLang="en-US" dirty="0"/>
+              <a:t>管理ページ</a:t>
+            </a:r>
+            <a:endParaRPr lang="en-US" altLang="ja-JP" dirty="0"/>
+          </a:p>
+        </p:txBody>
+      </p:sp>
+      <p:sp>
+        <p:nvSpPr>
           <p:cNvPr id="3" name="スライド番号プレースホルダー 2">
             <a:extLst>
               <a:ext uri="{FF2B5EF4-FFF2-40B4-BE49-F238E27FC236}">
-                <a16:creationId xmlns:a16="http://schemas.microsoft.com/office/drawing/2014/main" id="{DB8E4652-8BEA-49AF-8BF7-18EA382BB71A}"/>
+                <a16:creationId xmlns:a16="http://schemas.microsoft.com/office/drawing/2014/main" id="{3D5BD508-C9FF-4C67-8D6D-CE974F244781}"/>
               </a:ext>
             </a:extLst>
           </p:cNvPr>
@@ -10993,10 +9832,10 @@
       </p:sp>
       <p:sp>
         <p:nvSpPr>
-          <p:cNvPr id="15" name="テキスト ボックス 14">
-            <a:extLst>
-              <a:ext uri="{FF2B5EF4-FFF2-40B4-BE49-F238E27FC236}">
-                <a16:creationId xmlns:a16="http://schemas.microsoft.com/office/drawing/2014/main" id="{100AE17D-1A0A-4288-8EE7-9E1AE885A010}"/>
+          <p:cNvPr id="5" name="テキスト ボックス 4">
+            <a:extLst>
+              <a:ext uri="{FF2B5EF4-FFF2-40B4-BE49-F238E27FC236}">
+                <a16:creationId xmlns:a16="http://schemas.microsoft.com/office/drawing/2014/main" id="{6B16E2B0-7592-423F-A7B9-AA6580E6007E}"/>
               </a:ext>
             </a:extLst>
           </p:cNvPr>
@@ -11005,8 +9844,8 @@
         </p:nvSpPr>
         <p:spPr>
           <a:xfrm>
-            <a:off x="558139" y="358743"/>
-            <a:ext cx="6923316" cy="800219"/>
+            <a:off x="629391" y="225631"/>
+            <a:ext cx="5652655" cy="800219"/>
           </a:xfrm>
           <a:prstGeom prst="rect">
             <a:avLst/>
@@ -11020,59 +9859,25 @@
           <a:lstStyle/>
           <a:p>
             <a:r>
-              <a:rPr lang="en-US" altLang="zh-TW" sz="2800" kern="50" dirty="0">
-                <a:latin typeface="Times New Roman" panose="02020603050405020304" pitchFamily="18" charset="0"/>
-                <a:ea typeface="ＭＳ ゴシック" panose="020B0609070205080204" pitchFamily="49" charset="-128"/>
-                <a:cs typeface="Mangal" panose="02040503050203030202" pitchFamily="18" charset="0"/>
-              </a:rPr>
-              <a:t>5.0 </a:t>
-            </a:r>
-            <a:r>
-              <a:rPr lang="zh-TW" altLang="en-US" sz="2800" kern="50" dirty="0">
-                <a:effectLst/>
-                <a:latin typeface="Times New Roman" panose="02020603050405020304" pitchFamily="18" charset="0"/>
-                <a:ea typeface="ＭＳ ゴシック" panose="020B0609070205080204" pitchFamily="49" charset="-128"/>
-                <a:cs typeface="Mangal" panose="02040503050203030202" pitchFamily="18" charset="0"/>
-              </a:rPr>
-              <a:t>食事、食費管理</a:t>
-            </a:r>
-            <a:r>
-              <a:rPr lang="ja-JP" altLang="en-US" sz="2800" kern="50" dirty="0">
-                <a:effectLst/>
-                <a:latin typeface="Times New Roman" panose="02020603050405020304" pitchFamily="18" charset="0"/>
-                <a:ea typeface="ＭＳ ゴシック" panose="020B0609070205080204" pitchFamily="49" charset="-128"/>
-                <a:cs typeface="Mangal" panose="02040503050203030202" pitchFamily="18" charset="0"/>
-              </a:rPr>
-              <a:t>ページ</a:t>
-            </a:r>
-            <a:r>
-              <a:rPr lang="en-US" altLang="ja-JP" sz="2800" kern="50" dirty="0">
-                <a:effectLst/>
-                <a:latin typeface="Times New Roman" panose="02020603050405020304" pitchFamily="18" charset="0"/>
-                <a:ea typeface="ＭＳ ゴシック" panose="020B0609070205080204" pitchFamily="49" charset="-128"/>
-                <a:cs typeface="Mangal" panose="02040503050203030202" pitchFamily="18" charset="0"/>
-              </a:rPr>
-              <a:t>(</a:t>
-            </a:r>
-            <a:r>
-              <a:rPr lang="ja-JP" altLang="en-US" sz="2800" kern="50" dirty="0">
-                <a:effectLst/>
-                <a:latin typeface="Times New Roman" panose="02020603050405020304" pitchFamily="18" charset="0"/>
-                <a:ea typeface="ＭＳ ゴシック" panose="020B0609070205080204" pitchFamily="49" charset="-128"/>
-                <a:cs typeface="Mangal" panose="02040503050203030202" pitchFamily="18" charset="0"/>
-              </a:rPr>
-              <a:t>カレンダー</a:t>
-            </a:r>
-            <a:r>
-              <a:rPr lang="en-US" altLang="ja-JP" sz="2800" kern="50" dirty="0">
-                <a:effectLst/>
-                <a:latin typeface="Times New Roman" panose="02020603050405020304" pitchFamily="18" charset="0"/>
-                <a:ea typeface="ＭＳ ゴシック" panose="020B0609070205080204" pitchFamily="49" charset="-128"/>
-                <a:cs typeface="Mangal" panose="02040503050203030202" pitchFamily="18" charset="0"/>
-              </a:rPr>
-              <a:t>)</a:t>
-            </a:r>
-            <a:endParaRPr kumimoji="1" lang="ja-JP" altLang="en-US" dirty="0"/>
+              <a:rPr lang="en-US" altLang="ja-JP" sz="2800" dirty="0"/>
+              <a:t>3</a:t>
+            </a:r>
+            <a:r>
+              <a:rPr kumimoji="1" lang="en-US" altLang="ja-JP" sz="2800" dirty="0"/>
+              <a:t>.0 </a:t>
+            </a:r>
+            <a:r>
+              <a:rPr kumimoji="1" lang="ja-JP" altLang="en-US" sz="2800" dirty="0"/>
+              <a:t>ログイン画面　</a:t>
+            </a:r>
+            <a:r>
+              <a:rPr kumimoji="1" lang="en-US" altLang="ja-JP" sz="2800" dirty="0"/>
+              <a:t>-&gt; </a:t>
+            </a:r>
+            <a:r>
+              <a:rPr kumimoji="1" lang="ja-JP" altLang="en-US" sz="2800" dirty="0"/>
+              <a:t>メイン画面</a:t>
+            </a:r>
           </a:p>
           <a:p>
             <a:endParaRPr kumimoji="1" lang="ja-JP" altLang="en-US" dirty="0"/>
@@ -11082,7 +9887,7 @@
     </p:spTree>
     <p:extLst>
       <p:ext uri="{BB962C8B-B14F-4D97-AF65-F5344CB8AC3E}">
-        <p14:creationId xmlns:p14="http://schemas.microsoft.com/office/powerpoint/2010/main" val="1516424337"/>
+        <p14:creationId xmlns:p14="http://schemas.microsoft.com/office/powerpoint/2010/main" val="4239101936"/>
       </p:ext>
     </p:extLst>
   </p:cSld>
@@ -11114,7 +9919,7 @@
           <p:cNvPr id="4" name="正方形/長方形 3">
             <a:extLst>
               <a:ext uri="{FF2B5EF4-FFF2-40B4-BE49-F238E27FC236}">
-                <a16:creationId xmlns:a16="http://schemas.microsoft.com/office/drawing/2014/main" id="{3C6D8A53-A15A-4049-A4FA-75411757CE14}"/>
+                <a16:creationId xmlns:a16="http://schemas.microsoft.com/office/drawing/2014/main" id="{27ED228B-B880-4301-96EF-93ED3C3E94DA}"/>
               </a:ext>
             </a:extLst>
           </p:cNvPr>
@@ -11162,7 +9967,7 @@
           <p:cNvPr id="11" name="直線コネクタ 10">
             <a:extLst>
               <a:ext uri="{FF2B5EF4-FFF2-40B4-BE49-F238E27FC236}">
-                <a16:creationId xmlns:a16="http://schemas.microsoft.com/office/drawing/2014/main" id="{A8C310A0-5E9F-484F-9763-3CA50CF99089}"/>
+                <a16:creationId xmlns:a16="http://schemas.microsoft.com/office/drawing/2014/main" id="{29E32288-CB64-42B9-A8F0-B1FE888D765F}"/>
               </a:ext>
             </a:extLst>
           </p:cNvPr>
@@ -11199,7 +10004,7 @@
           <p:cNvPr id="12" name="テキスト ボックス 11">
             <a:extLst>
               <a:ext uri="{FF2B5EF4-FFF2-40B4-BE49-F238E27FC236}">
-                <a16:creationId xmlns:a16="http://schemas.microsoft.com/office/drawing/2014/main" id="{69ED5589-DDD5-48C2-8EE0-B8A33CFD81F3}"/>
+                <a16:creationId xmlns:a16="http://schemas.microsoft.com/office/drawing/2014/main" id="{9B04BE3B-F41E-4399-9767-4678CEE9671F}"/>
               </a:ext>
             </a:extLst>
           </p:cNvPr>
@@ -11208,7 +10013,7 @@
         </p:nvSpPr>
         <p:spPr>
           <a:xfrm>
-            <a:off x="2835667" y="1385355"/>
+            <a:off x="3986373" y="1866528"/>
             <a:ext cx="3811712" cy="369332"/>
           </a:xfrm>
           <a:prstGeom prst="rect">
@@ -11224,18 +10029,19 @@
           <a:p>
             <a:pPr algn="ctr"/>
             <a:r>
-              <a:rPr kumimoji="1" lang="ja-JP" altLang="en-US" dirty="0"/>
-              <a:t>ヘッダー</a:t>
-            </a:r>
+              <a:rPr lang="ja-JP" altLang="en-US" dirty="0"/>
+              <a:t>メニューバー</a:t>
+            </a:r>
+            <a:endParaRPr kumimoji="1" lang="ja-JP" altLang="en-US" dirty="0"/>
           </a:p>
         </p:txBody>
       </p:sp>
       <p:cxnSp>
         <p:nvCxnSpPr>
-          <p:cNvPr id="13" name="直線コネクタ 12">
-            <a:extLst>
-              <a:ext uri="{FF2B5EF4-FFF2-40B4-BE49-F238E27FC236}">
-                <a16:creationId xmlns:a16="http://schemas.microsoft.com/office/drawing/2014/main" id="{6C816E15-FC7B-4EE8-8030-37868A891D3A}"/>
+          <p:cNvPr id="15" name="直線コネクタ 14">
+            <a:extLst>
+              <a:ext uri="{FF2B5EF4-FFF2-40B4-BE49-F238E27FC236}">
+                <a16:creationId xmlns:a16="http://schemas.microsoft.com/office/drawing/2014/main" id="{0031865C-53E6-40DF-A119-F179FA0ED75B}"/>
               </a:ext>
             </a:extLst>
           </p:cNvPr>
@@ -11269,10 +10075,10 @@
       </p:cxnSp>
       <p:sp>
         <p:nvSpPr>
-          <p:cNvPr id="14" name="テキスト ボックス 13">
-            <a:extLst>
-              <a:ext uri="{FF2B5EF4-FFF2-40B4-BE49-F238E27FC236}">
-                <a16:creationId xmlns:a16="http://schemas.microsoft.com/office/drawing/2014/main" id="{16355F24-9725-4CA6-BA28-DA9D76289296}"/>
+          <p:cNvPr id="17" name="テキスト ボックス 16">
+            <a:extLst>
+              <a:ext uri="{FF2B5EF4-FFF2-40B4-BE49-F238E27FC236}">
+                <a16:creationId xmlns:a16="http://schemas.microsoft.com/office/drawing/2014/main" id="{875D9250-3F14-4CCC-A0E1-8FFA238ECB18}"/>
               </a:ext>
             </a:extLst>
           </p:cNvPr>
@@ -11304,90 +10110,12 @@
           </a:p>
         </p:txBody>
       </p:sp>
-      <p:sp>
-        <p:nvSpPr>
-          <p:cNvPr id="7" name="テキスト ボックス 6">
-            <a:extLst>
-              <a:ext uri="{FF2B5EF4-FFF2-40B4-BE49-F238E27FC236}">
-                <a16:creationId xmlns:a16="http://schemas.microsoft.com/office/drawing/2014/main" id="{2B3E02B6-5191-4768-808E-4AD145CA1A8C}"/>
-              </a:ext>
-            </a:extLst>
-          </p:cNvPr>
-          <p:cNvSpPr txBox="1"/>
-          <p:nvPr/>
-        </p:nvSpPr>
-        <p:spPr>
-          <a:xfrm>
-            <a:off x="4945294" y="2726076"/>
-            <a:ext cx="2301411" cy="702920"/>
-          </a:xfrm>
-          <a:prstGeom prst="rect">
-            <a:avLst/>
-          </a:prstGeom>
-          <a:noFill/>
-          <a:ln w="38100">
-            <a:solidFill>
-              <a:schemeClr val="accent4"/>
-            </a:solidFill>
-          </a:ln>
-        </p:spPr>
-        <p:txBody>
-          <a:bodyPr wrap="square" rtlCol="0">
-            <a:noAutofit/>
-          </a:bodyPr>
-          <a:lstStyle/>
-          <a:p>
-            <a:r>
-              <a:rPr lang="ja-JP" altLang="en-US" dirty="0"/>
-              <a:t>結果出力</a:t>
-            </a:r>
-            <a:endParaRPr lang="en-US" altLang="ja-JP" dirty="0"/>
-          </a:p>
-        </p:txBody>
-      </p:sp>
-      <p:sp>
-        <p:nvSpPr>
-          <p:cNvPr id="8" name="テキスト ボックス 7">
-            <a:extLst>
-              <a:ext uri="{FF2B5EF4-FFF2-40B4-BE49-F238E27FC236}">
-                <a16:creationId xmlns:a16="http://schemas.microsoft.com/office/drawing/2014/main" id="{06B67BA8-E3C5-4635-9784-CB0773E2FCFA}"/>
-              </a:ext>
-            </a:extLst>
-          </p:cNvPr>
-          <p:cNvSpPr txBox="1"/>
-          <p:nvPr/>
-        </p:nvSpPr>
-        <p:spPr>
-          <a:xfrm>
-            <a:off x="3986373" y="1866528"/>
-            <a:ext cx="3811712" cy="369332"/>
-          </a:xfrm>
-          <a:prstGeom prst="rect">
-            <a:avLst/>
-          </a:prstGeom>
-          <a:noFill/>
-        </p:spPr>
-        <p:txBody>
-          <a:bodyPr wrap="square" rtlCol="0">
-            <a:spAutoFit/>
-          </a:bodyPr>
-          <a:lstStyle/>
-          <a:p>
-            <a:pPr algn="ctr"/>
-            <a:r>
-              <a:rPr lang="ja-JP" altLang="en-US" dirty="0"/>
-              <a:t>メニューバー</a:t>
-            </a:r>
-            <a:endParaRPr kumimoji="1" lang="ja-JP" altLang="en-US" dirty="0"/>
-          </a:p>
-        </p:txBody>
-      </p:sp>
       <p:cxnSp>
         <p:nvCxnSpPr>
-          <p:cNvPr id="9" name="直線コネクタ 8">
-            <a:extLst>
-              <a:ext uri="{FF2B5EF4-FFF2-40B4-BE49-F238E27FC236}">
-                <a16:creationId xmlns:a16="http://schemas.microsoft.com/office/drawing/2014/main" id="{1A3D05D6-BABD-4293-9890-76E7D2C12ACA}"/>
+          <p:cNvPr id="13" name="直線コネクタ 12">
+            <a:extLst>
+              <a:ext uri="{FF2B5EF4-FFF2-40B4-BE49-F238E27FC236}">
+                <a16:creationId xmlns:a16="http://schemas.microsoft.com/office/drawing/2014/main" id="{D3105F0F-41D4-46A9-9AFB-411DD1FB0212}"/>
               </a:ext>
             </a:extLst>
           </p:cNvPr>
@@ -11421,10 +10149,10 @@
       </p:cxnSp>
       <p:sp>
         <p:nvSpPr>
-          <p:cNvPr id="10" name="テキスト ボックス 9">
-            <a:extLst>
-              <a:ext uri="{FF2B5EF4-FFF2-40B4-BE49-F238E27FC236}">
-                <a16:creationId xmlns:a16="http://schemas.microsoft.com/office/drawing/2014/main" id="{D6F703FD-90C7-4B3C-A9DA-1E1A8666944B}"/>
+          <p:cNvPr id="14" name="テキスト ボックス 13">
+            <a:extLst>
+              <a:ext uri="{FF2B5EF4-FFF2-40B4-BE49-F238E27FC236}">
+                <a16:creationId xmlns:a16="http://schemas.microsoft.com/office/drawing/2014/main" id="{0112ACB5-88B9-448E-A17F-6BBAE282D98D}"/>
               </a:ext>
             </a:extLst>
           </p:cNvPr>
@@ -11433,8 +10161,44 @@
         </p:nvSpPr>
         <p:spPr>
           <a:xfrm>
-            <a:off x="4945293" y="4034753"/>
-            <a:ext cx="2301411" cy="702920"/>
+            <a:off x="4138773" y="1388478"/>
+            <a:ext cx="3811712" cy="369332"/>
+          </a:xfrm>
+          <a:prstGeom prst="rect">
+            <a:avLst/>
+          </a:prstGeom>
+          <a:noFill/>
+        </p:spPr>
+        <p:txBody>
+          <a:bodyPr wrap="square" rtlCol="0">
+            <a:spAutoFit/>
+          </a:bodyPr>
+          <a:lstStyle/>
+          <a:p>
+            <a:pPr algn="ctr"/>
+            <a:r>
+              <a:rPr kumimoji="1" lang="ja-JP" altLang="en-US" dirty="0"/>
+              <a:t>ヘッダー</a:t>
+            </a:r>
+          </a:p>
+        </p:txBody>
+      </p:sp>
+      <p:sp>
+        <p:nvSpPr>
+          <p:cNvPr id="18" name="テキスト ボックス 17">
+            <a:extLst>
+              <a:ext uri="{FF2B5EF4-FFF2-40B4-BE49-F238E27FC236}">
+                <a16:creationId xmlns:a16="http://schemas.microsoft.com/office/drawing/2014/main" id="{FE7AC758-0DE5-4E93-8482-6FEFF6FC111B}"/>
+              </a:ext>
+            </a:extLst>
+          </p:cNvPr>
+          <p:cNvSpPr txBox="1"/>
+          <p:nvPr/>
+        </p:nvSpPr>
+        <p:spPr>
+          <a:xfrm>
+            <a:off x="4893923" y="2931559"/>
+            <a:ext cx="2301411" cy="1595919"/>
           </a:xfrm>
           <a:prstGeom prst="rect">
             <a:avLst/>
@@ -11454,14 +10218,115 @@
           <a:p>
             <a:r>
               <a:rPr lang="ja-JP" altLang="en-US" dirty="0"/>
-              <a:t>登録項目</a:t>
-            </a:r>
-            <a:r>
-              <a:rPr lang="en-US" altLang="ja-JP" dirty="0" err="1"/>
-              <a:t>etc</a:t>
+              <a:t>質問画面</a:t>
             </a:r>
             <a:endParaRPr lang="en-US" altLang="ja-JP" dirty="0"/>
           </a:p>
+          <a:p>
+            <a:r>
+              <a:rPr lang="en-US" altLang="ja-JP" dirty="0"/>
+              <a:t>(</a:t>
+            </a:r>
+            <a:r>
+              <a:rPr lang="ja-JP" altLang="en-US" dirty="0"/>
+              <a:t>チェック式かボタン式か</a:t>
+            </a:r>
+            <a:r>
+              <a:rPr lang="en-US" altLang="ja-JP" dirty="0"/>
+              <a:t>)</a:t>
+            </a:r>
+          </a:p>
+          <a:p>
+            <a:r>
+              <a:rPr lang="en-US" altLang="ja-JP" dirty="0"/>
+              <a:t>3,4</a:t>
+            </a:r>
+            <a:r>
+              <a:rPr lang="ja-JP" altLang="en-US" dirty="0"/>
+              <a:t>項目</a:t>
+            </a:r>
+            <a:endParaRPr lang="en-US" altLang="ja-JP" dirty="0"/>
+          </a:p>
+        </p:txBody>
+      </p:sp>
+      <p:sp>
+        <p:nvSpPr>
+          <p:cNvPr id="19" name="テキスト ボックス 18">
+            <a:extLst>
+              <a:ext uri="{FF2B5EF4-FFF2-40B4-BE49-F238E27FC236}">
+                <a16:creationId xmlns:a16="http://schemas.microsoft.com/office/drawing/2014/main" id="{122B51A0-9CF8-459B-92CA-2EC530F36A69}"/>
+              </a:ext>
+            </a:extLst>
+          </p:cNvPr>
+          <p:cNvSpPr txBox="1"/>
+          <p:nvPr/>
+        </p:nvSpPr>
+        <p:spPr>
+          <a:xfrm>
+            <a:off x="5022351" y="4788248"/>
+            <a:ext cx="796247" cy="369332"/>
+          </a:xfrm>
+          <a:prstGeom prst="rect">
+            <a:avLst/>
+          </a:prstGeom>
+          <a:noFill/>
+          <a:ln w="38100">
+            <a:solidFill>
+              <a:schemeClr val="accent4"/>
+            </a:solidFill>
+          </a:ln>
+        </p:spPr>
+        <p:txBody>
+          <a:bodyPr wrap="square" rtlCol="0">
+            <a:spAutoFit/>
+          </a:bodyPr>
+          <a:lstStyle/>
+          <a:p>
+            <a:r>
+              <a:rPr kumimoji="1" lang="ja-JP" altLang="en-US" dirty="0"/>
+              <a:t>送信</a:t>
+            </a:r>
+          </a:p>
+        </p:txBody>
+      </p:sp>
+      <p:sp>
+        <p:nvSpPr>
+          <p:cNvPr id="20" name="テキスト ボックス 19">
+            <a:extLst>
+              <a:ext uri="{FF2B5EF4-FFF2-40B4-BE49-F238E27FC236}">
+                <a16:creationId xmlns:a16="http://schemas.microsoft.com/office/drawing/2014/main" id="{E7BB9430-88ED-40FC-AB7E-4F2403445F05}"/>
+              </a:ext>
+            </a:extLst>
+          </p:cNvPr>
+          <p:cNvSpPr txBox="1"/>
+          <p:nvPr/>
+        </p:nvSpPr>
+        <p:spPr>
+          <a:xfrm>
+            <a:off x="5951306" y="4788248"/>
+            <a:ext cx="1117314" cy="369332"/>
+          </a:xfrm>
+          <a:prstGeom prst="rect">
+            <a:avLst/>
+          </a:prstGeom>
+          <a:noFill/>
+          <a:ln w="38100">
+            <a:solidFill>
+              <a:schemeClr val="accent4"/>
+            </a:solidFill>
+          </a:ln>
+        </p:spPr>
+        <p:txBody>
+          <a:bodyPr wrap="square" rtlCol="0">
+            <a:spAutoFit/>
+          </a:bodyPr>
+          <a:lstStyle/>
+          <a:p>
+            <a:r>
+              <a:rPr kumimoji="1" lang="ja-JP" altLang="en-US" dirty="0"/>
+              <a:t>リセット</a:t>
+            </a:r>
+          </a:p>
         </p:txBody>
       </p:sp>
       <p:sp>
@@ -11469,7 +10334,7 @@
           <p:cNvPr id="3" name="スライド番号プレースホルダー 2">
             <a:extLst>
               <a:ext uri="{FF2B5EF4-FFF2-40B4-BE49-F238E27FC236}">
-                <a16:creationId xmlns:a16="http://schemas.microsoft.com/office/drawing/2014/main" id="{4752432C-3D52-455B-A112-F547966F9941}"/>
+                <a16:creationId xmlns:a16="http://schemas.microsoft.com/office/drawing/2014/main" id="{0AA20E28-FFE3-4C7E-974F-DEF6F7792C82}"/>
               </a:ext>
             </a:extLst>
           </p:cNvPr>
@@ -11495,10 +10360,10 @@
       </p:sp>
       <p:sp>
         <p:nvSpPr>
-          <p:cNvPr id="15" name="テキスト ボックス 14">
-            <a:extLst>
-              <a:ext uri="{FF2B5EF4-FFF2-40B4-BE49-F238E27FC236}">
-                <a16:creationId xmlns:a16="http://schemas.microsoft.com/office/drawing/2014/main" id="{AAD06486-5790-4822-9BCC-CA0C4D5DE5D4}"/>
+          <p:cNvPr id="5" name="テキスト ボックス 4">
+            <a:extLst>
+              <a:ext uri="{FF2B5EF4-FFF2-40B4-BE49-F238E27FC236}">
+                <a16:creationId xmlns:a16="http://schemas.microsoft.com/office/drawing/2014/main" id="{802A21CA-15E6-4062-AFB5-E2473D244B9E}"/>
               </a:ext>
             </a:extLst>
           </p:cNvPr>
@@ -11508,7 +10373,7 @@
         <p:spPr>
           <a:xfrm>
             <a:off x="558139" y="358743"/>
-            <a:ext cx="7552708" cy="1077218"/>
+            <a:ext cx="4335783" cy="800219"/>
           </a:xfrm>
           <a:prstGeom prst="rect">
             <a:avLst/>
@@ -11522,21 +10387,40 @@
           <a:lstStyle/>
           <a:p>
             <a:r>
-              <a:rPr lang="en-US" altLang="zh-TW" sz="2800" kern="50" dirty="0">
-                <a:latin typeface="Times New Roman" panose="02020603050405020304" pitchFamily="18" charset="0"/>
-                <a:ea typeface="ＭＳ ゴシック" panose="020B0609070205080204" pitchFamily="49" charset="-128"/>
-                <a:cs typeface="Mangal" panose="02040503050203030202" pitchFamily="18" charset="0"/>
-              </a:rPr>
-              <a:t>5.0 </a:t>
-            </a:r>
-            <a:r>
-              <a:rPr lang="zh-TW" altLang="en-US" sz="2800" kern="50" dirty="0">
+              <a:rPr lang="en-US" altLang="ja-JP" sz="2800" kern="50" dirty="0">
                 <a:effectLst/>
                 <a:latin typeface="Times New Roman" panose="02020603050405020304" pitchFamily="18" charset="0"/>
                 <a:ea typeface="ＭＳ ゴシック" panose="020B0609070205080204" pitchFamily="49" charset="-128"/>
                 <a:cs typeface="Mangal" panose="02040503050203030202" pitchFamily="18" charset="0"/>
               </a:rPr>
-              <a:t>食事、食費管理</a:t>
+              <a:t>4.0 </a:t>
+            </a:r>
+            <a:r>
+              <a:rPr lang="ja-JP" altLang="ja-JP" sz="2800" kern="50" dirty="0">
+                <a:effectLst/>
+                <a:latin typeface="Times New Roman" panose="02020603050405020304" pitchFamily="18" charset="0"/>
+                <a:ea typeface="ＭＳ ゴシック" panose="020B0609070205080204" pitchFamily="49" charset="-128"/>
+                <a:cs typeface="Mangal" panose="02040503050203030202" pitchFamily="18" charset="0"/>
+              </a:rPr>
+              <a:t>お酒</a:t>
+            </a:r>
+            <a:r>
+              <a:rPr lang="en-US" altLang="ja-JP" sz="2800" kern="50" dirty="0">
+                <a:effectLst/>
+                <a:latin typeface="Times New Roman" panose="02020603050405020304" pitchFamily="18" charset="0"/>
+                <a:ea typeface="ＭＳ ゴシック" panose="020B0609070205080204" pitchFamily="49" charset="-128"/>
+                <a:cs typeface="Mangal" panose="02040503050203030202" pitchFamily="18" charset="0"/>
+              </a:rPr>
+              <a:t>/</a:t>
+            </a:r>
+            <a:r>
+              <a:rPr lang="ja-JP" altLang="ja-JP" sz="2800" kern="50" dirty="0">
+                <a:effectLst/>
+                <a:latin typeface="Times New Roman" panose="02020603050405020304" pitchFamily="18" charset="0"/>
+                <a:ea typeface="ＭＳ ゴシック" panose="020B0609070205080204" pitchFamily="49" charset="-128"/>
+                <a:cs typeface="Mangal" panose="02040503050203030202" pitchFamily="18" charset="0"/>
+              </a:rPr>
+              <a:t>食事提案</a:t>
             </a:r>
             <a:r>
               <a:rPr lang="ja-JP" altLang="en-US" sz="2800" kern="50" dirty="0">
@@ -11547,35 +10431,6 @@
               </a:rPr>
               <a:t>ページ</a:t>
             </a:r>
-            <a:r>
-              <a:rPr lang="en-US" altLang="ja-JP" sz="2800" kern="50" dirty="0">
-                <a:effectLst/>
-                <a:latin typeface="Times New Roman" panose="02020603050405020304" pitchFamily="18" charset="0"/>
-                <a:ea typeface="ＭＳ ゴシック" panose="020B0609070205080204" pitchFamily="49" charset="-128"/>
-                <a:cs typeface="Mangal" panose="02040503050203030202" pitchFamily="18" charset="0"/>
-              </a:rPr>
-              <a:t>(</a:t>
-            </a:r>
-            <a:r>
-              <a:rPr lang="ja-JP" altLang="en-US" sz="2800" kern="50" dirty="0">
-                <a:effectLst/>
-                <a:latin typeface="Times New Roman" panose="02020603050405020304" pitchFamily="18" charset="0"/>
-                <a:ea typeface="ＭＳ ゴシック" panose="020B0609070205080204" pitchFamily="49" charset="-128"/>
-                <a:cs typeface="Mangal" panose="02040503050203030202" pitchFamily="18" charset="0"/>
-              </a:rPr>
-              <a:t>登録、出力ページ</a:t>
-            </a:r>
-            <a:r>
-              <a:rPr lang="en-US" altLang="ja-JP" sz="2800" kern="50" dirty="0">
-                <a:effectLst/>
-                <a:latin typeface="Times New Roman" panose="02020603050405020304" pitchFamily="18" charset="0"/>
-                <a:ea typeface="ＭＳ ゴシック" panose="020B0609070205080204" pitchFamily="49" charset="-128"/>
-                <a:cs typeface="Mangal" panose="02040503050203030202" pitchFamily="18" charset="0"/>
-              </a:rPr>
-              <a:t>)</a:t>
-            </a:r>
-          </a:p>
-          <a:p>
             <a:endParaRPr kumimoji="1" lang="ja-JP" altLang="en-US" dirty="0"/>
           </a:p>
           <a:p>
@@ -11586,7 +10441,7 @@
     </p:spTree>
     <p:extLst>
       <p:ext uri="{BB962C8B-B14F-4D97-AF65-F5344CB8AC3E}">
-        <p14:creationId xmlns:p14="http://schemas.microsoft.com/office/powerpoint/2010/main" val="173229515"/>
+        <p14:creationId xmlns:p14="http://schemas.microsoft.com/office/powerpoint/2010/main" val="4126161470"/>
       </p:ext>
     </p:extLst>
   </p:cSld>
